--- a/Slides/Group9_poster.pptx
+++ b/Slides/Group9_poster.pptx
@@ -117,6 +117,97 @@
       </a:defRPr>
     </a:lvl9pPr>
   </p:defaultTextStyle>
+  <p:extLst>
+    <p:ext uri="{EFAFB233-063F-42B5-8137-9DF3F51BA10A}">
+      <p15:sldGuideLst xmlns:p15="http://schemas.microsoft.com/office/powerpoint/2012/main">
+        <p15:guide id="1" orient="horz" pos="261">
+          <p15:clr>
+            <a:srgbClr val="A4A3A4"/>
+          </p15:clr>
+        </p15:guide>
+        <p15:guide id="2" orient="horz" pos="2030">
+          <p15:clr>
+            <a:srgbClr val="A4A3A4"/>
+          </p15:clr>
+        </p15:guide>
+        <p15:guide id="3" orient="horz" pos="760">
+          <p15:clr>
+            <a:srgbClr val="A4A3A4"/>
+          </p15:clr>
+        </p15:guide>
+        <p15:guide id="4" orient="horz" pos="1894">
+          <p15:clr>
+            <a:srgbClr val="A4A3A4"/>
+          </p15:clr>
+        </p15:guide>
+        <p15:guide id="5" orient="horz" pos="6022">
+          <p15:clr>
+            <a:srgbClr val="A4A3A4"/>
+          </p15:clr>
+        </p15:guide>
+        <p15:guide id="6" pos="4650">
+          <p15:clr>
+            <a:srgbClr val="A4A3A4"/>
+          </p15:clr>
+        </p15:guide>
+        <p15:guide id="7" pos="9276">
+          <p15:clr>
+            <a:srgbClr val="A4A3A4"/>
+          </p15:clr>
+        </p15:guide>
+        <p15:guide id="8" pos="4876">
+          <p15:clr>
+            <a:srgbClr val="A4A3A4"/>
+          </p15:clr>
+        </p15:guide>
+        <p15:guide id="9" pos="250">
+          <p15:clr>
+            <a:srgbClr val="A4A3A4"/>
+          </p15:clr>
+        </p15:guide>
+        <p15:guide id="10" pos="3107">
+          <p15:clr>
+            <a:srgbClr val="A4A3A4"/>
+          </p15:clr>
+        </p15:guide>
+        <p15:guide id="11" pos="3334">
+          <p15:clr>
+            <a:srgbClr val="A4A3A4"/>
+          </p15:clr>
+        </p15:guide>
+        <p15:guide id="12" pos="6192">
+          <p15:clr>
+            <a:srgbClr val="A4A3A4"/>
+          </p15:clr>
+        </p15:guide>
+        <p15:guide id="13" pos="6419">
+          <p15:clr>
+            <a:srgbClr val="A4A3A4"/>
+          </p15:clr>
+        </p15:guide>
+        <p15:guide id="14" pos="2336">
+          <p15:clr>
+            <a:srgbClr val="A4A3A4"/>
+          </p15:clr>
+        </p15:guide>
+        <p15:guide id="15" pos="2563">
+          <p15:clr>
+            <a:srgbClr val="A4A3A4"/>
+          </p15:clr>
+        </p15:guide>
+        <p15:guide id="16" pos="6963">
+          <p15:clr>
+            <a:srgbClr val="A4A3A4"/>
+          </p15:clr>
+        </p15:guide>
+        <p15:guide id="17" pos="7190">
+          <p15:clr>
+            <a:srgbClr val="A4A3A4"/>
+          </p15:clr>
+        </p15:guide>
+      </p15:sldGuideLst>
+    </p:ext>
+  </p:extLst>
 </p:presentation>
 </file>
 
@@ -227,35 +318,35 @@
           <a:p>
             <a:pPr lvl="0"/>
             <a:r>
-              <a:rPr lang="it-IT" smtClean="0"/>
+              <a:rPr lang="it-IT"/>
               <a:t>Fare clic per modificare stili del testo dello schema</a:t>
             </a:r>
           </a:p>
           <a:p>
             <a:pPr lvl="1"/>
             <a:r>
-              <a:rPr lang="it-IT" smtClean="0"/>
+              <a:rPr lang="it-IT"/>
               <a:t>Secondo livello</a:t>
             </a:r>
           </a:p>
           <a:p>
             <a:pPr lvl="2"/>
             <a:r>
-              <a:rPr lang="it-IT" smtClean="0"/>
+              <a:rPr lang="it-IT"/>
               <a:t>Terzo livello</a:t>
             </a:r>
           </a:p>
           <a:p>
             <a:pPr lvl="3"/>
             <a:r>
-              <a:rPr lang="it-IT" smtClean="0"/>
+              <a:rPr lang="it-IT"/>
               <a:t>Quarto livello</a:t>
             </a:r>
           </a:p>
           <a:p>
             <a:pPr lvl="4"/>
             <a:r>
-              <a:rPr lang="it-IT" smtClean="0"/>
+              <a:rPr lang="it-IT"/>
               <a:t>Quinto livello</a:t>
             </a:r>
             <a:endParaRPr lang="de-CH" dirty="0"/>
@@ -291,11 +382,11 @@
           </a:lstStyle>
           <a:p>
             <a:r>
-              <a:rPr lang="de-CH" dirty="0" smtClean="0"/>
+              <a:rPr lang="de-CH" dirty="0"/>
               <a:t>Logos Organisational </a:t>
             </a:r>
             <a:r>
-              <a:rPr lang="de-CH" dirty="0" err="1" smtClean="0"/>
+              <a:rPr lang="de-CH" dirty="0" err="1"/>
               <a:t>units</a:t>
             </a:r>
             <a:endParaRPr lang="de-CH" dirty="0"/>
@@ -331,11 +422,11 @@
           </a:lstStyle>
           <a:p>
             <a:r>
-              <a:rPr lang="de-CH" dirty="0" smtClean="0"/>
+              <a:rPr lang="de-CH" dirty="0"/>
               <a:t>Logos Organisational </a:t>
             </a:r>
             <a:r>
-              <a:rPr lang="de-CH" dirty="0" err="1" smtClean="0"/>
+              <a:rPr lang="de-CH" dirty="0" err="1"/>
               <a:t>units</a:t>
             </a:r>
             <a:endParaRPr lang="de-CH" dirty="0"/>
@@ -371,11 +462,11 @@
           </a:lstStyle>
           <a:p>
             <a:r>
-              <a:rPr lang="de-CH" dirty="0" smtClean="0"/>
+              <a:rPr lang="de-CH" dirty="0"/>
               <a:t>Logos Organisational </a:t>
             </a:r>
             <a:r>
-              <a:rPr lang="de-CH" dirty="0" err="1" smtClean="0"/>
+              <a:rPr lang="de-CH" dirty="0" err="1"/>
               <a:t>units</a:t>
             </a:r>
             <a:endParaRPr lang="de-CH" dirty="0"/>
@@ -411,11 +502,11 @@
           </a:lstStyle>
           <a:p>
             <a:r>
-              <a:rPr lang="de-CH" dirty="0" smtClean="0"/>
+              <a:rPr lang="de-CH" dirty="0"/>
               <a:t>Logos Organisational </a:t>
             </a:r>
             <a:r>
-              <a:rPr lang="de-CH" dirty="0" err="1" smtClean="0"/>
+              <a:rPr lang="de-CH" dirty="0" err="1"/>
               <a:t>units</a:t>
             </a:r>
             <a:endParaRPr lang="de-CH" dirty="0"/>
@@ -447,18 +538,13 @@
           <a:lstStyle/>
           <a:p>
             <a:r>
-              <a:rPr lang="de-CH" sz="1500" b="1" dirty="0" smtClean="0">
+              <a:rPr lang="de-CH" sz="1500" b="1" dirty="0">
                 <a:solidFill>
                   <a:schemeClr val="accent1"/>
                 </a:solidFill>
               </a:rPr>
               <a:t>Partners</a:t>
             </a:r>
-            <a:endParaRPr lang="de-CH" sz="1500" b="1" dirty="0">
-              <a:solidFill>
-                <a:schemeClr val="accent1"/>
-              </a:solidFill>
-            </a:endParaRPr>
           </a:p>
         </p:txBody>
       </p:sp>
@@ -491,7 +577,7 @@
           </a:lstStyle>
           <a:p>
             <a:r>
-              <a:rPr lang="de-CH" dirty="0" smtClean="0"/>
+              <a:rPr lang="de-CH" dirty="0"/>
               <a:t>Logos Sponsoring Partners</a:t>
             </a:r>
           </a:p>
@@ -526,7 +612,7 @@
           </a:lstStyle>
           <a:p>
             <a:r>
-              <a:rPr lang="de-CH" dirty="0" smtClean="0"/>
+              <a:rPr lang="de-CH" dirty="0"/>
               <a:t>Logos Sponsoring Partners</a:t>
             </a:r>
           </a:p>
@@ -561,7 +647,7 @@
           </a:lstStyle>
           <a:p>
             <a:r>
-              <a:rPr lang="de-CH" dirty="0" smtClean="0"/>
+              <a:rPr lang="de-CH" dirty="0"/>
               <a:t>Logos Sponsoring Partners</a:t>
             </a:r>
           </a:p>
@@ -596,7 +682,7 @@
           </a:lstStyle>
           <a:p>
             <a:r>
-              <a:rPr lang="de-CH" dirty="0" smtClean="0"/>
+              <a:rPr lang="de-CH" dirty="0"/>
               <a:t>Logos Sponsoring Partners</a:t>
             </a:r>
           </a:p>
@@ -631,7 +717,7 @@
           </a:lstStyle>
           <a:p>
             <a:r>
-              <a:rPr lang="de-CH" dirty="0" smtClean="0"/>
+              <a:rPr lang="de-CH" dirty="0"/>
               <a:t>Logos Sponsoring Partners</a:t>
             </a:r>
           </a:p>
@@ -666,7 +752,7 @@
           </a:lstStyle>
           <a:p>
             <a:r>
-              <a:rPr lang="de-CH" dirty="0" smtClean="0"/>
+              <a:rPr lang="de-CH" dirty="0"/>
               <a:t>Logos Sponsoring Partners</a:t>
             </a:r>
           </a:p>
@@ -697,11 +783,11 @@
           </a:lstStyle>
           <a:p>
             <a:r>
-              <a:rPr lang="de-CH" dirty="0" smtClean="0"/>
+              <a:rPr lang="de-CH" dirty="0"/>
               <a:t>Logos Partner </a:t>
             </a:r>
             <a:r>
-              <a:rPr lang="de-CH" dirty="0" err="1" smtClean="0"/>
+              <a:rPr lang="de-CH" dirty="0" err="1"/>
               <a:t>Universities</a:t>
             </a:r>
             <a:endParaRPr lang="de-CH" dirty="0"/>
@@ -733,11 +819,11 @@
           </a:lstStyle>
           <a:p>
             <a:r>
-              <a:rPr lang="de-CH" dirty="0" smtClean="0"/>
+              <a:rPr lang="de-CH" dirty="0"/>
               <a:t>Logos Partner </a:t>
             </a:r>
             <a:r>
-              <a:rPr lang="de-CH" dirty="0" err="1" smtClean="0"/>
+              <a:rPr lang="de-CH" dirty="0" err="1"/>
               <a:t>Universities</a:t>
             </a:r>
             <a:endParaRPr lang="de-CH" dirty="0"/>
@@ -769,11 +855,11 @@
           </a:lstStyle>
           <a:p>
             <a:r>
-              <a:rPr lang="de-CH" dirty="0" smtClean="0"/>
+              <a:rPr lang="de-CH" dirty="0"/>
               <a:t>Logos Partner </a:t>
             </a:r>
             <a:r>
-              <a:rPr lang="de-CH" dirty="0" err="1" smtClean="0"/>
+              <a:rPr lang="de-CH" dirty="0" err="1"/>
               <a:t>Universities</a:t>
             </a:r>
             <a:endParaRPr lang="de-CH" dirty="0"/>
@@ -938,35 +1024,35 @@
           <a:p>
             <a:pPr lvl="0"/>
             <a:r>
-              <a:rPr lang="de-DE" dirty="0" smtClean="0"/>
+              <a:rPr lang="de-DE" dirty="0"/>
               <a:t>Textmasterformat bearbeiten</a:t>
             </a:r>
           </a:p>
           <a:p>
             <a:pPr lvl="1"/>
             <a:r>
-              <a:rPr lang="de-DE" dirty="0" smtClean="0"/>
+              <a:rPr lang="de-DE" dirty="0"/>
               <a:t>Zweite Ebene</a:t>
             </a:r>
           </a:p>
           <a:p>
             <a:pPr lvl="2"/>
             <a:r>
-              <a:rPr lang="de-DE" dirty="0" smtClean="0"/>
+              <a:rPr lang="de-DE" dirty="0"/>
               <a:t>Dritte Ebene</a:t>
             </a:r>
           </a:p>
           <a:p>
             <a:pPr lvl="3"/>
             <a:r>
-              <a:rPr lang="de-DE" dirty="0" smtClean="0"/>
+              <a:rPr lang="de-DE" dirty="0"/>
               <a:t>Vierte Ebene</a:t>
             </a:r>
           </a:p>
           <a:p>
             <a:pPr lvl="4"/>
             <a:r>
-              <a:rPr lang="de-DE" dirty="0" smtClean="0"/>
+              <a:rPr lang="de-DE" dirty="0"/>
               <a:t>Fünfte Ebene</a:t>
             </a:r>
             <a:endParaRPr lang="de-CH" dirty="0"/>
@@ -998,18 +1084,13 @@
           <a:lstStyle/>
           <a:p>
             <a:r>
-              <a:rPr lang="de-CH" sz="1500" b="1" dirty="0" smtClean="0">
+              <a:rPr lang="de-CH" sz="1500" b="1" dirty="0">
                 <a:solidFill>
                   <a:schemeClr val="accent1"/>
                 </a:solidFill>
               </a:rPr>
               <a:t>Partners</a:t>
             </a:r>
-            <a:endParaRPr lang="de-CH" sz="1500" b="1" dirty="0">
-              <a:solidFill>
-                <a:schemeClr val="accent1"/>
-              </a:solidFill>
-            </a:endParaRPr>
           </a:p>
         </p:txBody>
       </p:sp>
@@ -1042,11 +1123,11 @@
           </a:lstStyle>
           <a:p>
             <a:r>
-              <a:rPr lang="de-CH" dirty="0" smtClean="0"/>
+              <a:rPr lang="de-CH" dirty="0"/>
               <a:t>Logos Organisational </a:t>
             </a:r>
             <a:r>
-              <a:rPr lang="de-CH" dirty="0" err="1" smtClean="0"/>
+              <a:rPr lang="de-CH" dirty="0" err="1"/>
               <a:t>units</a:t>
             </a:r>
             <a:endParaRPr lang="de-CH" dirty="0"/>
@@ -1082,11 +1163,11 @@
           </a:lstStyle>
           <a:p>
             <a:r>
-              <a:rPr lang="de-CH" dirty="0" smtClean="0"/>
+              <a:rPr lang="de-CH" dirty="0"/>
               <a:t>Logos Organisational </a:t>
             </a:r>
             <a:r>
-              <a:rPr lang="de-CH" dirty="0" err="1" smtClean="0"/>
+              <a:rPr lang="de-CH" dirty="0" err="1"/>
               <a:t>units</a:t>
             </a:r>
             <a:endParaRPr lang="de-CH" dirty="0"/>
@@ -1122,11 +1203,11 @@
           </a:lstStyle>
           <a:p>
             <a:r>
-              <a:rPr lang="de-CH" dirty="0" smtClean="0"/>
+              <a:rPr lang="de-CH" dirty="0"/>
               <a:t>Logos Organisational </a:t>
             </a:r>
             <a:r>
-              <a:rPr lang="de-CH" dirty="0" err="1" smtClean="0"/>
+              <a:rPr lang="de-CH" dirty="0" err="1"/>
               <a:t>units</a:t>
             </a:r>
             <a:endParaRPr lang="de-CH" dirty="0"/>
@@ -1162,11 +1243,11 @@
           </a:lstStyle>
           <a:p>
             <a:r>
-              <a:rPr lang="de-CH" dirty="0" smtClean="0"/>
+              <a:rPr lang="de-CH" dirty="0"/>
               <a:t>Logos Organisational </a:t>
             </a:r>
             <a:r>
-              <a:rPr lang="de-CH" dirty="0" err="1" smtClean="0"/>
+              <a:rPr lang="de-CH" dirty="0" err="1"/>
               <a:t>units</a:t>
             </a:r>
             <a:endParaRPr lang="de-CH" dirty="0"/>
@@ -1198,11 +1279,11 @@
           </a:lstStyle>
           <a:p>
             <a:r>
-              <a:rPr lang="de-CH" dirty="0" smtClean="0"/>
+              <a:rPr lang="de-CH" dirty="0"/>
               <a:t>Logos Partner </a:t>
             </a:r>
             <a:r>
-              <a:rPr lang="de-CH" dirty="0" err="1" smtClean="0"/>
+              <a:rPr lang="de-CH" dirty="0" err="1"/>
               <a:t>Universities</a:t>
             </a:r>
             <a:endParaRPr lang="de-CH" dirty="0"/>
@@ -1234,11 +1315,11 @@
           </a:lstStyle>
           <a:p>
             <a:r>
-              <a:rPr lang="de-CH" dirty="0" smtClean="0"/>
+              <a:rPr lang="de-CH" dirty="0"/>
               <a:t>Logos Partner </a:t>
             </a:r>
             <a:r>
-              <a:rPr lang="de-CH" dirty="0" err="1" smtClean="0"/>
+              <a:rPr lang="de-CH" dirty="0" err="1"/>
               <a:t>Universities</a:t>
             </a:r>
             <a:endParaRPr lang="de-CH" dirty="0"/>
@@ -1270,11 +1351,11 @@
           </a:lstStyle>
           <a:p>
             <a:r>
-              <a:rPr lang="de-CH" dirty="0" smtClean="0"/>
+              <a:rPr lang="de-CH" dirty="0"/>
               <a:t>Logos Partner </a:t>
             </a:r>
             <a:r>
-              <a:rPr lang="de-CH" dirty="0" err="1" smtClean="0"/>
+              <a:rPr lang="de-CH" dirty="0" err="1"/>
               <a:t>Universities</a:t>
             </a:r>
             <a:endParaRPr lang="de-CH" dirty="0"/>
@@ -1310,7 +1391,7 @@
           </a:lstStyle>
           <a:p>
             <a:r>
-              <a:rPr lang="de-CH" dirty="0" smtClean="0"/>
+              <a:rPr lang="de-CH" dirty="0"/>
               <a:t>Logos Sponsoring Partners</a:t>
             </a:r>
           </a:p>
@@ -1345,7 +1426,7 @@
           </a:lstStyle>
           <a:p>
             <a:r>
-              <a:rPr lang="de-CH" dirty="0" smtClean="0"/>
+              <a:rPr lang="de-CH" dirty="0"/>
               <a:t>Logos Sponsoring Partners</a:t>
             </a:r>
           </a:p>
@@ -1380,7 +1461,7 @@
           </a:lstStyle>
           <a:p>
             <a:r>
-              <a:rPr lang="de-CH" dirty="0" smtClean="0"/>
+              <a:rPr lang="de-CH" dirty="0"/>
               <a:t>Logos Sponsoring Partners</a:t>
             </a:r>
           </a:p>
@@ -1415,7 +1496,7 @@
           </a:lstStyle>
           <a:p>
             <a:r>
-              <a:rPr lang="de-CH" dirty="0" smtClean="0"/>
+              <a:rPr lang="de-CH" dirty="0"/>
               <a:t>Logos Sponsoring Partners</a:t>
             </a:r>
           </a:p>
@@ -1450,7 +1531,7 @@
           </a:lstStyle>
           <a:p>
             <a:r>
-              <a:rPr lang="de-CH" dirty="0" smtClean="0"/>
+              <a:rPr lang="de-CH" dirty="0"/>
               <a:t>Logos Sponsoring Partners</a:t>
             </a:r>
           </a:p>
@@ -1485,7 +1566,7 @@
           </a:lstStyle>
           <a:p>
             <a:r>
-              <a:rPr lang="de-CH" dirty="0" smtClean="0"/>
+              <a:rPr lang="de-CH" dirty="0"/>
               <a:t>Logos Sponsoring Partners</a:t>
             </a:r>
           </a:p>
@@ -1649,35 +1730,35 @@
           <a:p>
             <a:pPr lvl="0"/>
             <a:r>
-              <a:rPr lang="de-DE" dirty="0" smtClean="0"/>
+              <a:rPr lang="de-DE" dirty="0"/>
               <a:t>Textmasterformat bearbeiten</a:t>
             </a:r>
           </a:p>
           <a:p>
             <a:pPr lvl="1"/>
             <a:r>
-              <a:rPr lang="de-DE" dirty="0" smtClean="0"/>
+              <a:rPr lang="de-DE" dirty="0"/>
               <a:t>Zweite Ebene</a:t>
             </a:r>
           </a:p>
           <a:p>
             <a:pPr lvl="2"/>
             <a:r>
-              <a:rPr lang="de-DE" dirty="0" smtClean="0"/>
+              <a:rPr lang="de-DE" dirty="0"/>
               <a:t>Dritte Ebene</a:t>
             </a:r>
           </a:p>
           <a:p>
             <a:pPr lvl="3"/>
             <a:r>
-              <a:rPr lang="de-DE" dirty="0" smtClean="0"/>
+              <a:rPr lang="de-DE" dirty="0"/>
               <a:t>Vierte Ebene</a:t>
             </a:r>
           </a:p>
           <a:p>
             <a:pPr lvl="4"/>
             <a:r>
-              <a:rPr lang="de-DE" dirty="0" smtClean="0"/>
+              <a:rPr lang="de-DE" dirty="0"/>
               <a:t>Fünfte Ebene</a:t>
             </a:r>
             <a:endParaRPr lang="de-CH" dirty="0"/>
@@ -1709,18 +1790,13 @@
           <a:lstStyle/>
           <a:p>
             <a:r>
-              <a:rPr lang="de-CH" sz="1500" b="1" dirty="0" smtClean="0">
+              <a:rPr lang="de-CH" sz="1500" b="1" dirty="0">
                 <a:solidFill>
                   <a:schemeClr val="accent1"/>
                 </a:solidFill>
               </a:rPr>
               <a:t>Partners</a:t>
             </a:r>
-            <a:endParaRPr lang="de-CH" sz="1500" b="1" dirty="0">
-              <a:solidFill>
-                <a:schemeClr val="accent1"/>
-              </a:solidFill>
-            </a:endParaRPr>
           </a:p>
         </p:txBody>
       </p:sp>
@@ -1753,11 +1829,11 @@
           </a:lstStyle>
           <a:p>
             <a:r>
-              <a:rPr lang="de-CH" dirty="0" smtClean="0"/>
+              <a:rPr lang="de-CH" dirty="0"/>
               <a:t>Logos Organisational </a:t>
             </a:r>
             <a:r>
-              <a:rPr lang="de-CH" dirty="0" err="1" smtClean="0"/>
+              <a:rPr lang="de-CH" dirty="0" err="1"/>
               <a:t>units</a:t>
             </a:r>
             <a:endParaRPr lang="de-CH" dirty="0"/>
@@ -1793,11 +1869,11 @@
           </a:lstStyle>
           <a:p>
             <a:r>
-              <a:rPr lang="de-CH" dirty="0" smtClean="0"/>
+              <a:rPr lang="de-CH" dirty="0"/>
               <a:t>Logos Organisational </a:t>
             </a:r>
             <a:r>
-              <a:rPr lang="de-CH" dirty="0" err="1" smtClean="0"/>
+              <a:rPr lang="de-CH" dirty="0" err="1"/>
               <a:t>units</a:t>
             </a:r>
             <a:endParaRPr lang="de-CH" dirty="0"/>
@@ -1833,11 +1909,11 @@
           </a:lstStyle>
           <a:p>
             <a:r>
-              <a:rPr lang="de-CH" dirty="0" smtClean="0"/>
+              <a:rPr lang="de-CH" dirty="0"/>
               <a:t>Logos Organisational </a:t>
             </a:r>
             <a:r>
-              <a:rPr lang="de-CH" dirty="0" err="1" smtClean="0"/>
+              <a:rPr lang="de-CH" dirty="0" err="1"/>
               <a:t>units</a:t>
             </a:r>
             <a:endParaRPr lang="de-CH" dirty="0"/>
@@ -1873,11 +1949,11 @@
           </a:lstStyle>
           <a:p>
             <a:r>
-              <a:rPr lang="de-CH" dirty="0" smtClean="0"/>
+              <a:rPr lang="de-CH" dirty="0"/>
               <a:t>Logos Organisational </a:t>
             </a:r>
             <a:r>
-              <a:rPr lang="de-CH" dirty="0" err="1" smtClean="0"/>
+              <a:rPr lang="de-CH" dirty="0" err="1"/>
               <a:t>units</a:t>
             </a:r>
             <a:endParaRPr lang="de-CH" dirty="0"/>
@@ -1909,11 +1985,11 @@
           </a:lstStyle>
           <a:p>
             <a:r>
-              <a:rPr lang="de-CH" dirty="0" smtClean="0"/>
+              <a:rPr lang="de-CH" dirty="0"/>
               <a:t>Logos Partner </a:t>
             </a:r>
             <a:r>
-              <a:rPr lang="de-CH" dirty="0" err="1" smtClean="0"/>
+              <a:rPr lang="de-CH" dirty="0" err="1"/>
               <a:t>Universities</a:t>
             </a:r>
             <a:endParaRPr lang="de-CH" dirty="0"/>
@@ -1945,11 +2021,11 @@
           </a:lstStyle>
           <a:p>
             <a:r>
-              <a:rPr lang="de-CH" dirty="0" smtClean="0"/>
+              <a:rPr lang="de-CH" dirty="0"/>
               <a:t>Logos Partner </a:t>
             </a:r>
             <a:r>
-              <a:rPr lang="de-CH" dirty="0" err="1" smtClean="0"/>
+              <a:rPr lang="de-CH" dirty="0" err="1"/>
               <a:t>Universities</a:t>
             </a:r>
             <a:endParaRPr lang="de-CH" dirty="0"/>
@@ -1981,11 +2057,11 @@
           </a:lstStyle>
           <a:p>
             <a:r>
-              <a:rPr lang="de-CH" dirty="0" smtClean="0"/>
+              <a:rPr lang="de-CH" dirty="0"/>
               <a:t>Logos Partner </a:t>
             </a:r>
             <a:r>
-              <a:rPr lang="de-CH" dirty="0" err="1" smtClean="0"/>
+              <a:rPr lang="de-CH" dirty="0" err="1"/>
               <a:t>Universities</a:t>
             </a:r>
             <a:endParaRPr lang="de-CH" dirty="0"/>
@@ -2021,7 +2097,7 @@
           </a:lstStyle>
           <a:p>
             <a:r>
-              <a:rPr lang="de-CH" dirty="0" smtClean="0"/>
+              <a:rPr lang="de-CH" dirty="0"/>
               <a:t>Logos Sponsoring Partners</a:t>
             </a:r>
           </a:p>
@@ -2056,7 +2132,7 @@
           </a:lstStyle>
           <a:p>
             <a:r>
-              <a:rPr lang="de-CH" dirty="0" smtClean="0"/>
+              <a:rPr lang="de-CH" dirty="0"/>
               <a:t>Logos Sponsoring Partners</a:t>
             </a:r>
           </a:p>
@@ -2091,7 +2167,7 @@
           </a:lstStyle>
           <a:p>
             <a:r>
-              <a:rPr lang="de-CH" dirty="0" smtClean="0"/>
+              <a:rPr lang="de-CH" dirty="0"/>
               <a:t>Logos Sponsoring Partners</a:t>
             </a:r>
           </a:p>
@@ -2126,7 +2202,7 @@
           </a:lstStyle>
           <a:p>
             <a:r>
-              <a:rPr lang="de-CH" dirty="0" smtClean="0"/>
+              <a:rPr lang="de-CH" dirty="0"/>
               <a:t>Logos Sponsoring Partners</a:t>
             </a:r>
           </a:p>
@@ -2161,7 +2237,7 @@
           </a:lstStyle>
           <a:p>
             <a:r>
-              <a:rPr lang="de-CH" dirty="0" smtClean="0"/>
+              <a:rPr lang="de-CH" dirty="0"/>
               <a:t>Logos Sponsoring Partners</a:t>
             </a:r>
           </a:p>
@@ -2196,7 +2272,7 @@
           </a:lstStyle>
           <a:p>
             <a:r>
-              <a:rPr lang="de-CH" dirty="0" smtClean="0"/>
+              <a:rPr lang="de-CH" dirty="0"/>
               <a:t>Logos Sponsoring Partners</a:t>
             </a:r>
           </a:p>
@@ -2360,35 +2436,35 @@
           <a:p>
             <a:pPr lvl="0"/>
             <a:r>
-              <a:rPr lang="de-DE" dirty="0" smtClean="0"/>
+              <a:rPr lang="de-DE" dirty="0"/>
               <a:t>Textmasterformat bearbeiten</a:t>
             </a:r>
           </a:p>
           <a:p>
             <a:pPr lvl="1"/>
             <a:r>
-              <a:rPr lang="de-DE" dirty="0" smtClean="0"/>
+              <a:rPr lang="de-DE" dirty="0"/>
               <a:t>Zweite Ebene</a:t>
             </a:r>
           </a:p>
           <a:p>
             <a:pPr lvl="2"/>
             <a:r>
-              <a:rPr lang="de-DE" dirty="0" smtClean="0"/>
+              <a:rPr lang="de-DE" dirty="0"/>
               <a:t>Dritte Ebene</a:t>
             </a:r>
           </a:p>
           <a:p>
             <a:pPr lvl="3"/>
             <a:r>
-              <a:rPr lang="de-DE" dirty="0" smtClean="0"/>
+              <a:rPr lang="de-DE" dirty="0"/>
               <a:t>Vierte Ebene</a:t>
             </a:r>
           </a:p>
           <a:p>
             <a:pPr lvl="4"/>
             <a:r>
-              <a:rPr lang="de-DE" dirty="0" smtClean="0"/>
+              <a:rPr lang="de-DE" dirty="0"/>
               <a:t>Fünfte Ebene</a:t>
             </a:r>
             <a:endParaRPr lang="de-CH" dirty="0"/>
@@ -2424,11 +2500,11 @@
           </a:lstStyle>
           <a:p>
             <a:r>
-              <a:rPr lang="de-CH" dirty="0" smtClean="0"/>
+              <a:rPr lang="de-CH" dirty="0"/>
               <a:t>Logos Organisational </a:t>
             </a:r>
             <a:r>
-              <a:rPr lang="de-CH" dirty="0" err="1" smtClean="0"/>
+              <a:rPr lang="de-CH" dirty="0" err="1"/>
               <a:t>units</a:t>
             </a:r>
             <a:endParaRPr lang="de-CH" dirty="0"/>
@@ -2464,11 +2540,11 @@
           </a:lstStyle>
           <a:p>
             <a:r>
-              <a:rPr lang="de-CH" dirty="0" smtClean="0"/>
+              <a:rPr lang="de-CH" dirty="0"/>
               <a:t>Logos Organisational </a:t>
             </a:r>
             <a:r>
-              <a:rPr lang="de-CH" dirty="0" err="1" smtClean="0"/>
+              <a:rPr lang="de-CH" dirty="0" err="1"/>
               <a:t>units</a:t>
             </a:r>
             <a:endParaRPr lang="de-CH" dirty="0"/>
@@ -2504,11 +2580,11 @@
           </a:lstStyle>
           <a:p>
             <a:r>
-              <a:rPr lang="de-CH" dirty="0" smtClean="0"/>
+              <a:rPr lang="de-CH" dirty="0"/>
               <a:t>Logos Organisational </a:t>
             </a:r>
             <a:r>
-              <a:rPr lang="de-CH" dirty="0" err="1" smtClean="0"/>
+              <a:rPr lang="de-CH" dirty="0" err="1"/>
               <a:t>units</a:t>
             </a:r>
             <a:endParaRPr lang="de-CH" dirty="0"/>
@@ -2544,11 +2620,11 @@
           </a:lstStyle>
           <a:p>
             <a:r>
-              <a:rPr lang="de-CH" dirty="0" smtClean="0"/>
+              <a:rPr lang="de-CH" dirty="0"/>
               <a:t>Logos Organisational </a:t>
             </a:r>
             <a:r>
-              <a:rPr lang="de-CH" dirty="0" err="1" smtClean="0"/>
+              <a:rPr lang="de-CH" dirty="0" err="1"/>
               <a:t>units</a:t>
             </a:r>
             <a:endParaRPr lang="de-CH" dirty="0"/>
@@ -2580,18 +2656,13 @@
           <a:lstStyle/>
           <a:p>
             <a:r>
-              <a:rPr lang="de-CH" sz="1500" b="1" dirty="0" smtClean="0">
+              <a:rPr lang="de-CH" sz="1500" b="1" dirty="0">
                 <a:solidFill>
                   <a:schemeClr val="accent1"/>
                 </a:solidFill>
               </a:rPr>
               <a:t>Partners</a:t>
             </a:r>
-            <a:endParaRPr lang="de-CH" sz="1500" b="1" dirty="0">
-              <a:solidFill>
-                <a:schemeClr val="accent1"/>
-              </a:solidFill>
-            </a:endParaRPr>
           </a:p>
         </p:txBody>
       </p:sp>
@@ -2620,11 +2691,11 @@
           </a:lstStyle>
           <a:p>
             <a:r>
-              <a:rPr lang="de-CH" dirty="0" smtClean="0"/>
+              <a:rPr lang="de-CH" dirty="0"/>
               <a:t>Logos Partner </a:t>
             </a:r>
             <a:r>
-              <a:rPr lang="de-CH" dirty="0" err="1" smtClean="0"/>
+              <a:rPr lang="de-CH" dirty="0" err="1"/>
               <a:t>Universities</a:t>
             </a:r>
             <a:endParaRPr lang="de-CH" dirty="0"/>
@@ -2656,11 +2727,11 @@
           </a:lstStyle>
           <a:p>
             <a:r>
-              <a:rPr lang="de-CH" dirty="0" smtClean="0"/>
+              <a:rPr lang="de-CH" dirty="0"/>
               <a:t>Logos Partner </a:t>
             </a:r>
             <a:r>
-              <a:rPr lang="de-CH" dirty="0" err="1" smtClean="0"/>
+              <a:rPr lang="de-CH" dirty="0" err="1"/>
               <a:t>Universities</a:t>
             </a:r>
             <a:endParaRPr lang="de-CH" dirty="0"/>
@@ -2692,11 +2763,11 @@
           </a:lstStyle>
           <a:p>
             <a:r>
-              <a:rPr lang="de-CH" dirty="0" smtClean="0"/>
+              <a:rPr lang="de-CH" dirty="0"/>
               <a:t>Logos Partner </a:t>
             </a:r>
             <a:r>
-              <a:rPr lang="de-CH" dirty="0" err="1" smtClean="0"/>
+              <a:rPr lang="de-CH" dirty="0" err="1"/>
               <a:t>Universities</a:t>
             </a:r>
             <a:endParaRPr lang="de-CH" dirty="0"/>
@@ -2732,7 +2803,7 @@
           </a:lstStyle>
           <a:p>
             <a:r>
-              <a:rPr lang="de-CH" dirty="0" smtClean="0"/>
+              <a:rPr lang="de-CH" dirty="0"/>
               <a:t>Logos Sponsoring Partners</a:t>
             </a:r>
           </a:p>
@@ -2767,7 +2838,7 @@
           </a:lstStyle>
           <a:p>
             <a:r>
-              <a:rPr lang="de-CH" dirty="0" smtClean="0"/>
+              <a:rPr lang="de-CH" dirty="0"/>
               <a:t>Logos Sponsoring Partners</a:t>
             </a:r>
           </a:p>
@@ -2802,7 +2873,7 @@
           </a:lstStyle>
           <a:p>
             <a:r>
-              <a:rPr lang="de-CH" dirty="0" smtClean="0"/>
+              <a:rPr lang="de-CH" dirty="0"/>
               <a:t>Logos Sponsoring Partners</a:t>
             </a:r>
           </a:p>
@@ -2837,7 +2908,7 @@
           </a:lstStyle>
           <a:p>
             <a:r>
-              <a:rPr lang="de-CH" dirty="0" smtClean="0"/>
+              <a:rPr lang="de-CH" dirty="0"/>
               <a:t>Logos Sponsoring Partners</a:t>
             </a:r>
           </a:p>
@@ -2872,7 +2943,7 @@
           </a:lstStyle>
           <a:p>
             <a:r>
-              <a:rPr lang="de-CH" dirty="0" smtClean="0"/>
+              <a:rPr lang="de-CH" dirty="0"/>
               <a:t>Logos Sponsoring Partners</a:t>
             </a:r>
           </a:p>
@@ -2907,7 +2978,7 @@
           </a:lstStyle>
           <a:p>
             <a:r>
-              <a:rPr lang="de-CH" dirty="0" smtClean="0"/>
+              <a:rPr lang="de-CH" dirty="0"/>
               <a:t>Logos Sponsoring Partners</a:t>
             </a:r>
           </a:p>
@@ -3071,35 +3142,35 @@
           <a:p>
             <a:pPr lvl="0"/>
             <a:r>
-              <a:rPr lang="de-DE" dirty="0" smtClean="0"/>
+              <a:rPr lang="de-DE" dirty="0"/>
               <a:t>Textmasterformat bearbeiten</a:t>
             </a:r>
           </a:p>
           <a:p>
             <a:pPr lvl="1"/>
             <a:r>
-              <a:rPr lang="de-DE" dirty="0" smtClean="0"/>
+              <a:rPr lang="de-DE" dirty="0"/>
               <a:t>Zweite Ebene</a:t>
             </a:r>
           </a:p>
           <a:p>
             <a:pPr lvl="2"/>
             <a:r>
-              <a:rPr lang="de-DE" dirty="0" smtClean="0"/>
+              <a:rPr lang="de-DE" dirty="0"/>
               <a:t>Dritte Ebene</a:t>
             </a:r>
           </a:p>
           <a:p>
             <a:pPr lvl="3"/>
             <a:r>
-              <a:rPr lang="de-DE" dirty="0" smtClean="0"/>
+              <a:rPr lang="de-DE" dirty="0"/>
               <a:t>Vierte Ebene</a:t>
             </a:r>
           </a:p>
           <a:p>
             <a:pPr lvl="4"/>
             <a:r>
-              <a:rPr lang="de-DE" dirty="0" smtClean="0"/>
+              <a:rPr lang="de-DE" dirty="0"/>
               <a:t>Fünfte Ebene</a:t>
             </a:r>
             <a:endParaRPr lang="de-CH" dirty="0"/>
@@ -3135,11 +3206,11 @@
           </a:lstStyle>
           <a:p>
             <a:r>
-              <a:rPr lang="de-CH" dirty="0" smtClean="0"/>
+              <a:rPr lang="de-CH" dirty="0"/>
               <a:t>Logos Organisational </a:t>
             </a:r>
             <a:r>
-              <a:rPr lang="de-CH" dirty="0" err="1" smtClean="0"/>
+              <a:rPr lang="de-CH" dirty="0" err="1"/>
               <a:t>units</a:t>
             </a:r>
             <a:endParaRPr lang="de-CH" dirty="0"/>
@@ -3175,11 +3246,11 @@
           </a:lstStyle>
           <a:p>
             <a:r>
-              <a:rPr lang="de-CH" dirty="0" smtClean="0"/>
+              <a:rPr lang="de-CH" dirty="0"/>
               <a:t>Logos Organisational </a:t>
             </a:r>
             <a:r>
-              <a:rPr lang="de-CH" dirty="0" err="1" smtClean="0"/>
+              <a:rPr lang="de-CH" dirty="0" err="1"/>
               <a:t>units</a:t>
             </a:r>
             <a:endParaRPr lang="de-CH" dirty="0"/>
@@ -3215,11 +3286,11 @@
           </a:lstStyle>
           <a:p>
             <a:r>
-              <a:rPr lang="de-CH" dirty="0" smtClean="0"/>
+              <a:rPr lang="de-CH" dirty="0"/>
               <a:t>Logos Organisational </a:t>
             </a:r>
             <a:r>
-              <a:rPr lang="de-CH" dirty="0" err="1" smtClean="0"/>
+              <a:rPr lang="de-CH" dirty="0" err="1"/>
               <a:t>units</a:t>
             </a:r>
             <a:endParaRPr lang="de-CH" dirty="0"/>
@@ -3255,11 +3326,11 @@
           </a:lstStyle>
           <a:p>
             <a:r>
-              <a:rPr lang="de-CH" dirty="0" smtClean="0"/>
+              <a:rPr lang="de-CH" dirty="0"/>
               <a:t>Logos Organisational </a:t>
             </a:r>
             <a:r>
-              <a:rPr lang="de-CH" dirty="0" err="1" smtClean="0"/>
+              <a:rPr lang="de-CH" dirty="0" err="1"/>
               <a:t>units</a:t>
             </a:r>
             <a:endParaRPr lang="de-CH" dirty="0"/>
@@ -3291,18 +3362,13 @@
           <a:lstStyle/>
           <a:p>
             <a:r>
-              <a:rPr lang="de-CH" sz="1500" b="1" dirty="0" smtClean="0">
+              <a:rPr lang="de-CH" sz="1500" b="1" dirty="0">
                 <a:solidFill>
                   <a:schemeClr val="accent1"/>
                 </a:solidFill>
               </a:rPr>
               <a:t>Partners</a:t>
             </a:r>
-            <a:endParaRPr lang="de-CH" sz="1500" b="1" dirty="0">
-              <a:solidFill>
-                <a:schemeClr val="accent1"/>
-              </a:solidFill>
-            </a:endParaRPr>
           </a:p>
         </p:txBody>
       </p:sp>
@@ -3331,11 +3397,11 @@
           </a:lstStyle>
           <a:p>
             <a:r>
-              <a:rPr lang="de-CH" dirty="0" smtClean="0"/>
+              <a:rPr lang="de-CH" dirty="0"/>
               <a:t>Logos Partner </a:t>
             </a:r>
             <a:r>
-              <a:rPr lang="de-CH" dirty="0" err="1" smtClean="0"/>
+              <a:rPr lang="de-CH" dirty="0" err="1"/>
               <a:t>Universities</a:t>
             </a:r>
             <a:endParaRPr lang="de-CH" dirty="0"/>
@@ -3367,11 +3433,11 @@
           </a:lstStyle>
           <a:p>
             <a:r>
-              <a:rPr lang="de-CH" dirty="0" smtClean="0"/>
+              <a:rPr lang="de-CH" dirty="0"/>
               <a:t>Logos Partner </a:t>
             </a:r>
             <a:r>
-              <a:rPr lang="de-CH" dirty="0" err="1" smtClean="0"/>
+              <a:rPr lang="de-CH" dirty="0" err="1"/>
               <a:t>Universities</a:t>
             </a:r>
             <a:endParaRPr lang="de-CH" dirty="0"/>
@@ -3403,11 +3469,11 @@
           </a:lstStyle>
           <a:p>
             <a:r>
-              <a:rPr lang="de-CH" dirty="0" smtClean="0"/>
+              <a:rPr lang="de-CH" dirty="0"/>
               <a:t>Logos Partner </a:t>
             </a:r>
             <a:r>
-              <a:rPr lang="de-CH" dirty="0" err="1" smtClean="0"/>
+              <a:rPr lang="de-CH" dirty="0" err="1"/>
               <a:t>Universities</a:t>
             </a:r>
             <a:endParaRPr lang="de-CH" dirty="0"/>
@@ -3443,7 +3509,7 @@
           </a:lstStyle>
           <a:p>
             <a:r>
-              <a:rPr lang="de-CH" dirty="0" smtClean="0"/>
+              <a:rPr lang="de-CH" dirty="0"/>
               <a:t>Logos Sponsoring Partners</a:t>
             </a:r>
           </a:p>
@@ -3478,7 +3544,7 @@
           </a:lstStyle>
           <a:p>
             <a:r>
-              <a:rPr lang="de-CH" dirty="0" smtClean="0"/>
+              <a:rPr lang="de-CH" dirty="0"/>
               <a:t>Logos Sponsoring Partners</a:t>
             </a:r>
           </a:p>
@@ -3513,7 +3579,7 @@
           </a:lstStyle>
           <a:p>
             <a:r>
-              <a:rPr lang="de-CH" dirty="0" smtClean="0"/>
+              <a:rPr lang="de-CH" dirty="0"/>
               <a:t>Logos Sponsoring Partners</a:t>
             </a:r>
           </a:p>
@@ -3548,7 +3614,7 @@
           </a:lstStyle>
           <a:p>
             <a:r>
-              <a:rPr lang="de-CH" dirty="0" smtClean="0"/>
+              <a:rPr lang="de-CH" dirty="0"/>
               <a:t>Logos Sponsoring Partners</a:t>
             </a:r>
           </a:p>
@@ -3583,7 +3649,7 @@
           </a:lstStyle>
           <a:p>
             <a:r>
-              <a:rPr lang="de-CH" dirty="0" smtClean="0"/>
+              <a:rPr lang="de-CH" dirty="0"/>
               <a:t>Logos Sponsoring Partners</a:t>
             </a:r>
           </a:p>
@@ -3618,7 +3684,7 @@
           </a:lstStyle>
           <a:p>
             <a:r>
-              <a:rPr lang="de-CH" dirty="0" smtClean="0"/>
+              <a:rPr lang="de-CH" dirty="0"/>
               <a:t>Logos Sponsoring Partners</a:t>
             </a:r>
           </a:p>
@@ -3782,35 +3848,35 @@
           <a:p>
             <a:pPr lvl="0"/>
             <a:r>
-              <a:rPr lang="de-DE" dirty="0" smtClean="0"/>
+              <a:rPr lang="de-DE" dirty="0"/>
               <a:t>Textmasterformat bearbeiten</a:t>
             </a:r>
           </a:p>
           <a:p>
             <a:pPr lvl="1"/>
             <a:r>
-              <a:rPr lang="de-DE" dirty="0" smtClean="0"/>
+              <a:rPr lang="de-DE" dirty="0"/>
               <a:t>Zweite Ebene</a:t>
             </a:r>
           </a:p>
           <a:p>
             <a:pPr lvl="2"/>
             <a:r>
-              <a:rPr lang="de-DE" dirty="0" smtClean="0"/>
+              <a:rPr lang="de-DE" dirty="0"/>
               <a:t>Dritte Ebene</a:t>
             </a:r>
           </a:p>
           <a:p>
             <a:pPr lvl="3"/>
             <a:r>
-              <a:rPr lang="de-DE" dirty="0" smtClean="0"/>
+              <a:rPr lang="de-DE" dirty="0"/>
               <a:t>Vierte Ebene</a:t>
             </a:r>
           </a:p>
           <a:p>
             <a:pPr lvl="4"/>
             <a:r>
-              <a:rPr lang="de-DE" dirty="0" smtClean="0"/>
+              <a:rPr lang="de-DE" dirty="0"/>
               <a:t>Fünfte Ebene</a:t>
             </a:r>
             <a:endParaRPr lang="de-CH" dirty="0"/>
@@ -3846,11 +3912,11 @@
           </a:lstStyle>
           <a:p>
             <a:r>
-              <a:rPr lang="de-CH" dirty="0" smtClean="0"/>
+              <a:rPr lang="de-CH" dirty="0"/>
               <a:t>Logos Organisational </a:t>
             </a:r>
             <a:r>
-              <a:rPr lang="de-CH" dirty="0" err="1" smtClean="0"/>
+              <a:rPr lang="de-CH" dirty="0" err="1"/>
               <a:t>units</a:t>
             </a:r>
             <a:endParaRPr lang="de-CH" dirty="0"/>
@@ -3886,11 +3952,11 @@
           </a:lstStyle>
           <a:p>
             <a:r>
-              <a:rPr lang="de-CH" dirty="0" smtClean="0"/>
+              <a:rPr lang="de-CH" dirty="0"/>
               <a:t>Logos Organisational </a:t>
             </a:r>
             <a:r>
-              <a:rPr lang="de-CH" dirty="0" err="1" smtClean="0"/>
+              <a:rPr lang="de-CH" dirty="0" err="1"/>
               <a:t>units</a:t>
             </a:r>
             <a:endParaRPr lang="de-CH" dirty="0"/>
@@ -3926,11 +3992,11 @@
           </a:lstStyle>
           <a:p>
             <a:r>
-              <a:rPr lang="de-CH" dirty="0" smtClean="0"/>
+              <a:rPr lang="de-CH" dirty="0"/>
               <a:t>Logos Organisational </a:t>
             </a:r>
             <a:r>
-              <a:rPr lang="de-CH" dirty="0" err="1" smtClean="0"/>
+              <a:rPr lang="de-CH" dirty="0" err="1"/>
               <a:t>units</a:t>
             </a:r>
             <a:endParaRPr lang="de-CH" dirty="0"/>
@@ -3966,11 +4032,11 @@
           </a:lstStyle>
           <a:p>
             <a:r>
-              <a:rPr lang="de-CH" dirty="0" smtClean="0"/>
+              <a:rPr lang="de-CH" dirty="0"/>
               <a:t>Logos Organisational </a:t>
             </a:r>
             <a:r>
-              <a:rPr lang="de-CH" dirty="0" err="1" smtClean="0"/>
+              <a:rPr lang="de-CH" dirty="0" err="1"/>
               <a:t>units</a:t>
             </a:r>
             <a:endParaRPr lang="de-CH" dirty="0"/>
@@ -4002,18 +4068,13 @@
           <a:lstStyle/>
           <a:p>
             <a:r>
-              <a:rPr lang="de-CH" sz="1500" b="1" dirty="0" smtClean="0">
+              <a:rPr lang="de-CH" sz="1500" b="1" dirty="0">
                 <a:solidFill>
                   <a:schemeClr val="accent1"/>
                 </a:solidFill>
               </a:rPr>
               <a:t>Partners</a:t>
             </a:r>
-            <a:endParaRPr lang="de-CH" sz="1500" b="1" dirty="0">
-              <a:solidFill>
-                <a:schemeClr val="accent1"/>
-              </a:solidFill>
-            </a:endParaRPr>
           </a:p>
         </p:txBody>
       </p:sp>
@@ -4042,11 +4103,11 @@
           </a:lstStyle>
           <a:p>
             <a:r>
-              <a:rPr lang="de-CH" dirty="0" smtClean="0"/>
+              <a:rPr lang="de-CH" dirty="0"/>
               <a:t>Logos Partner </a:t>
             </a:r>
             <a:r>
-              <a:rPr lang="de-CH" dirty="0" err="1" smtClean="0"/>
+              <a:rPr lang="de-CH" dirty="0" err="1"/>
               <a:t>Universities</a:t>
             </a:r>
             <a:endParaRPr lang="de-CH" dirty="0"/>
@@ -4078,11 +4139,11 @@
           </a:lstStyle>
           <a:p>
             <a:r>
-              <a:rPr lang="de-CH" dirty="0" smtClean="0"/>
+              <a:rPr lang="de-CH" dirty="0"/>
               <a:t>Logos Partner </a:t>
             </a:r>
             <a:r>
-              <a:rPr lang="de-CH" dirty="0" err="1" smtClean="0"/>
+              <a:rPr lang="de-CH" dirty="0" err="1"/>
               <a:t>Universities</a:t>
             </a:r>
             <a:endParaRPr lang="de-CH" dirty="0"/>
@@ -4114,11 +4175,11 @@
           </a:lstStyle>
           <a:p>
             <a:r>
-              <a:rPr lang="de-CH" dirty="0" smtClean="0"/>
+              <a:rPr lang="de-CH" dirty="0"/>
               <a:t>Logos Partner </a:t>
             </a:r>
             <a:r>
-              <a:rPr lang="de-CH" dirty="0" err="1" smtClean="0"/>
+              <a:rPr lang="de-CH" dirty="0" err="1"/>
               <a:t>Universities</a:t>
             </a:r>
             <a:endParaRPr lang="de-CH" dirty="0"/>
@@ -4154,7 +4215,7 @@
           </a:lstStyle>
           <a:p>
             <a:r>
-              <a:rPr lang="de-CH" dirty="0" smtClean="0"/>
+              <a:rPr lang="de-CH" dirty="0"/>
               <a:t>Logos Sponsoring Partners</a:t>
             </a:r>
           </a:p>
@@ -4189,7 +4250,7 @@
           </a:lstStyle>
           <a:p>
             <a:r>
-              <a:rPr lang="de-CH" dirty="0" smtClean="0"/>
+              <a:rPr lang="de-CH" dirty="0"/>
               <a:t>Logos Sponsoring Partners</a:t>
             </a:r>
           </a:p>
@@ -4224,7 +4285,7 @@
           </a:lstStyle>
           <a:p>
             <a:r>
-              <a:rPr lang="de-CH" dirty="0" smtClean="0"/>
+              <a:rPr lang="de-CH" dirty="0"/>
               <a:t>Logos Sponsoring Partners</a:t>
             </a:r>
           </a:p>
@@ -4259,7 +4320,7 @@
           </a:lstStyle>
           <a:p>
             <a:r>
-              <a:rPr lang="de-CH" dirty="0" smtClean="0"/>
+              <a:rPr lang="de-CH" dirty="0"/>
               <a:t>Logos Sponsoring Partners</a:t>
             </a:r>
           </a:p>
@@ -4294,7 +4355,7 @@
           </a:lstStyle>
           <a:p>
             <a:r>
-              <a:rPr lang="de-CH" dirty="0" smtClean="0"/>
+              <a:rPr lang="de-CH" dirty="0"/>
               <a:t>Logos Sponsoring Partners</a:t>
             </a:r>
           </a:p>
@@ -4329,7 +4390,7 @@
           </a:lstStyle>
           <a:p>
             <a:r>
-              <a:rPr lang="de-CH" dirty="0" smtClean="0"/>
+              <a:rPr lang="de-CH" dirty="0"/>
               <a:t>Logos Sponsoring Partners</a:t>
             </a:r>
           </a:p>
@@ -4531,35 +4592,35 @@
           <a:p>
             <a:pPr lvl="0"/>
             <a:r>
-              <a:rPr lang="de-DE" dirty="0" smtClean="0"/>
+              <a:rPr lang="de-DE" dirty="0"/>
               <a:t>Textmasterformat bearbeiten</a:t>
             </a:r>
           </a:p>
           <a:p>
             <a:pPr lvl="1"/>
             <a:r>
-              <a:rPr lang="de-DE" dirty="0" smtClean="0"/>
+              <a:rPr lang="de-DE" dirty="0"/>
               <a:t>Zweite Ebene</a:t>
             </a:r>
           </a:p>
           <a:p>
             <a:pPr lvl="2"/>
             <a:r>
-              <a:rPr lang="de-DE" dirty="0" smtClean="0"/>
+              <a:rPr lang="de-DE" dirty="0"/>
               <a:t>Dritte Ebene</a:t>
             </a:r>
           </a:p>
           <a:p>
             <a:pPr lvl="3"/>
             <a:r>
-              <a:rPr lang="de-DE" dirty="0" smtClean="0"/>
+              <a:rPr lang="de-DE" dirty="0"/>
               <a:t>Vierte Ebene</a:t>
             </a:r>
           </a:p>
           <a:p>
             <a:pPr lvl="4"/>
             <a:r>
-              <a:rPr lang="de-DE" dirty="0" smtClean="0"/>
+              <a:rPr lang="de-DE" dirty="0"/>
               <a:t>Fünfte Ebene</a:t>
             </a:r>
             <a:endParaRPr lang="de-CH" dirty="0"/>
@@ -4595,11 +4656,11 @@
           </a:lstStyle>
           <a:p>
             <a:r>
-              <a:rPr lang="de-CH" dirty="0" smtClean="0"/>
+              <a:rPr lang="de-CH" dirty="0"/>
               <a:t>Logos Organisational </a:t>
             </a:r>
             <a:r>
-              <a:rPr lang="de-CH" dirty="0" err="1" smtClean="0"/>
+              <a:rPr lang="de-CH" dirty="0" err="1"/>
               <a:t>units</a:t>
             </a:r>
             <a:endParaRPr lang="de-CH" dirty="0"/>
@@ -4635,11 +4696,11 @@
           </a:lstStyle>
           <a:p>
             <a:r>
-              <a:rPr lang="de-CH" dirty="0" smtClean="0"/>
+              <a:rPr lang="de-CH" dirty="0"/>
               <a:t>Logos Organisational </a:t>
             </a:r>
             <a:r>
-              <a:rPr lang="de-CH" dirty="0" err="1" smtClean="0"/>
+              <a:rPr lang="de-CH" dirty="0" err="1"/>
               <a:t>units</a:t>
             </a:r>
             <a:endParaRPr lang="de-CH" dirty="0"/>
@@ -4675,11 +4736,11 @@
           </a:lstStyle>
           <a:p>
             <a:r>
-              <a:rPr lang="de-CH" dirty="0" smtClean="0"/>
+              <a:rPr lang="de-CH" dirty="0"/>
               <a:t>Logos Organisational </a:t>
             </a:r>
             <a:r>
-              <a:rPr lang="de-CH" dirty="0" err="1" smtClean="0"/>
+              <a:rPr lang="de-CH" dirty="0" err="1"/>
               <a:t>units</a:t>
             </a:r>
             <a:endParaRPr lang="de-CH" dirty="0"/>
@@ -4715,11 +4776,11 @@
           </a:lstStyle>
           <a:p>
             <a:r>
-              <a:rPr lang="de-CH" dirty="0" smtClean="0"/>
+              <a:rPr lang="de-CH" dirty="0"/>
               <a:t>Logos Organisational </a:t>
             </a:r>
             <a:r>
-              <a:rPr lang="de-CH" dirty="0" err="1" smtClean="0"/>
+              <a:rPr lang="de-CH" dirty="0" err="1"/>
               <a:t>units</a:t>
             </a:r>
             <a:endParaRPr lang="de-CH" dirty="0"/>
@@ -4751,18 +4812,13 @@
           <a:lstStyle/>
           <a:p>
             <a:r>
-              <a:rPr lang="de-CH" sz="1500" b="1" dirty="0" smtClean="0">
+              <a:rPr lang="de-CH" sz="1500" b="1" dirty="0">
                 <a:solidFill>
                   <a:schemeClr val="accent1"/>
                 </a:solidFill>
               </a:rPr>
               <a:t>Partners</a:t>
             </a:r>
-            <a:endParaRPr lang="de-CH" sz="1500" b="1" dirty="0">
-              <a:solidFill>
-                <a:schemeClr val="accent1"/>
-              </a:solidFill>
-            </a:endParaRPr>
           </a:p>
         </p:txBody>
       </p:sp>
@@ -4791,11 +4847,11 @@
           </a:lstStyle>
           <a:p>
             <a:r>
-              <a:rPr lang="de-CH" dirty="0" smtClean="0"/>
+              <a:rPr lang="de-CH" dirty="0"/>
               <a:t>Logos Partner </a:t>
             </a:r>
             <a:r>
-              <a:rPr lang="de-CH" dirty="0" err="1" smtClean="0"/>
+              <a:rPr lang="de-CH" dirty="0" err="1"/>
               <a:t>Universities</a:t>
             </a:r>
             <a:endParaRPr lang="de-CH" dirty="0"/>
@@ -4827,11 +4883,11 @@
           </a:lstStyle>
           <a:p>
             <a:r>
-              <a:rPr lang="de-CH" dirty="0" smtClean="0"/>
+              <a:rPr lang="de-CH" dirty="0"/>
               <a:t>Logos Partner </a:t>
             </a:r>
             <a:r>
-              <a:rPr lang="de-CH" dirty="0" err="1" smtClean="0"/>
+              <a:rPr lang="de-CH" dirty="0" err="1"/>
               <a:t>Universities</a:t>
             </a:r>
             <a:endParaRPr lang="de-CH" dirty="0"/>
@@ -4863,11 +4919,11 @@
           </a:lstStyle>
           <a:p>
             <a:r>
-              <a:rPr lang="de-CH" dirty="0" smtClean="0"/>
+              <a:rPr lang="de-CH" dirty="0"/>
               <a:t>Logos Partner </a:t>
             </a:r>
             <a:r>
-              <a:rPr lang="de-CH" dirty="0" err="1" smtClean="0"/>
+              <a:rPr lang="de-CH" dirty="0" err="1"/>
               <a:t>Universities</a:t>
             </a:r>
             <a:endParaRPr lang="de-CH" dirty="0"/>
@@ -4903,7 +4959,7 @@
           </a:lstStyle>
           <a:p>
             <a:r>
-              <a:rPr lang="de-CH" dirty="0" smtClean="0"/>
+              <a:rPr lang="de-CH" dirty="0"/>
               <a:t>Logos Sponsoring Partners</a:t>
             </a:r>
           </a:p>
@@ -4938,7 +4994,7 @@
           </a:lstStyle>
           <a:p>
             <a:r>
-              <a:rPr lang="de-CH" dirty="0" smtClean="0"/>
+              <a:rPr lang="de-CH" dirty="0"/>
               <a:t>Logos Sponsoring Partners</a:t>
             </a:r>
           </a:p>
@@ -4973,7 +5029,7 @@
           </a:lstStyle>
           <a:p>
             <a:r>
-              <a:rPr lang="de-CH" dirty="0" smtClean="0"/>
+              <a:rPr lang="de-CH" dirty="0"/>
               <a:t>Logos Sponsoring Partners</a:t>
             </a:r>
           </a:p>
@@ -5008,7 +5064,7 @@
           </a:lstStyle>
           <a:p>
             <a:r>
-              <a:rPr lang="de-CH" dirty="0" smtClean="0"/>
+              <a:rPr lang="de-CH" dirty="0"/>
               <a:t>Logos Sponsoring Partners</a:t>
             </a:r>
           </a:p>
@@ -5043,7 +5099,7 @@
           </a:lstStyle>
           <a:p>
             <a:r>
-              <a:rPr lang="de-CH" dirty="0" smtClean="0"/>
+              <a:rPr lang="de-CH" dirty="0"/>
               <a:t>Logos Sponsoring Partners</a:t>
             </a:r>
           </a:p>
@@ -5078,7 +5134,7 @@
           </a:lstStyle>
           <a:p>
             <a:r>
-              <a:rPr lang="de-CH" dirty="0" smtClean="0"/>
+              <a:rPr lang="de-CH" dirty="0"/>
               <a:t>Logos Sponsoring Partners</a:t>
             </a:r>
           </a:p>
@@ -5242,35 +5298,35 @@
           <a:p>
             <a:pPr lvl="0"/>
             <a:r>
-              <a:rPr lang="de-DE" dirty="0" smtClean="0"/>
+              <a:rPr lang="de-DE" dirty="0"/>
               <a:t>Textmasterformat bearbeiten</a:t>
             </a:r>
           </a:p>
           <a:p>
             <a:pPr lvl="1"/>
             <a:r>
-              <a:rPr lang="de-DE" dirty="0" smtClean="0"/>
+              <a:rPr lang="de-DE" dirty="0"/>
               <a:t>Zweite Ebene</a:t>
             </a:r>
           </a:p>
           <a:p>
             <a:pPr lvl="2"/>
             <a:r>
-              <a:rPr lang="de-DE" dirty="0" smtClean="0"/>
+              <a:rPr lang="de-DE" dirty="0"/>
               <a:t>Dritte Ebene</a:t>
             </a:r>
           </a:p>
           <a:p>
             <a:pPr lvl="3"/>
             <a:r>
-              <a:rPr lang="de-DE" dirty="0" smtClean="0"/>
+              <a:rPr lang="de-DE" dirty="0"/>
               <a:t>Vierte Ebene</a:t>
             </a:r>
           </a:p>
           <a:p>
             <a:pPr lvl="4"/>
             <a:r>
-              <a:rPr lang="de-DE" dirty="0" smtClean="0"/>
+              <a:rPr lang="de-DE" dirty="0"/>
               <a:t>Fünfte Ebene</a:t>
             </a:r>
             <a:endParaRPr lang="de-CH" dirty="0"/>
@@ -5306,11 +5362,11 @@
           </a:lstStyle>
           <a:p>
             <a:r>
-              <a:rPr lang="de-CH" dirty="0" smtClean="0"/>
+              <a:rPr lang="de-CH" dirty="0"/>
               <a:t>Logos Organisational </a:t>
             </a:r>
             <a:r>
-              <a:rPr lang="de-CH" dirty="0" err="1" smtClean="0"/>
+              <a:rPr lang="de-CH" dirty="0" err="1"/>
               <a:t>units</a:t>
             </a:r>
             <a:endParaRPr lang="de-CH" dirty="0"/>
@@ -5346,11 +5402,11 @@
           </a:lstStyle>
           <a:p>
             <a:r>
-              <a:rPr lang="de-CH" dirty="0" smtClean="0"/>
+              <a:rPr lang="de-CH" dirty="0"/>
               <a:t>Logos Organisational </a:t>
             </a:r>
             <a:r>
-              <a:rPr lang="de-CH" dirty="0" err="1" smtClean="0"/>
+              <a:rPr lang="de-CH" dirty="0" err="1"/>
               <a:t>units</a:t>
             </a:r>
             <a:endParaRPr lang="de-CH" dirty="0"/>
@@ -5386,11 +5442,11 @@
           </a:lstStyle>
           <a:p>
             <a:r>
-              <a:rPr lang="de-CH" dirty="0" smtClean="0"/>
+              <a:rPr lang="de-CH" dirty="0"/>
               <a:t>Logos Organisational </a:t>
             </a:r>
             <a:r>
-              <a:rPr lang="de-CH" dirty="0" err="1" smtClean="0"/>
+              <a:rPr lang="de-CH" dirty="0" err="1"/>
               <a:t>units</a:t>
             </a:r>
             <a:endParaRPr lang="de-CH" dirty="0"/>
@@ -5426,11 +5482,11 @@
           </a:lstStyle>
           <a:p>
             <a:r>
-              <a:rPr lang="de-CH" dirty="0" smtClean="0"/>
+              <a:rPr lang="de-CH" dirty="0"/>
               <a:t>Logos Organisational </a:t>
             </a:r>
             <a:r>
-              <a:rPr lang="de-CH" dirty="0" err="1" smtClean="0"/>
+              <a:rPr lang="de-CH" dirty="0" err="1"/>
               <a:t>units</a:t>
             </a:r>
             <a:endParaRPr lang="de-CH" dirty="0"/>
@@ -5462,18 +5518,13 @@
           <a:lstStyle/>
           <a:p>
             <a:r>
-              <a:rPr lang="de-CH" sz="1500" b="1" dirty="0" smtClean="0">
+              <a:rPr lang="de-CH" sz="1500" b="1" dirty="0">
                 <a:solidFill>
                   <a:schemeClr val="accent1"/>
                 </a:solidFill>
               </a:rPr>
               <a:t>Partners</a:t>
             </a:r>
-            <a:endParaRPr lang="de-CH" sz="1500" b="1" dirty="0">
-              <a:solidFill>
-                <a:schemeClr val="accent1"/>
-              </a:solidFill>
-            </a:endParaRPr>
           </a:p>
         </p:txBody>
       </p:sp>
@@ -5502,11 +5553,11 @@
           </a:lstStyle>
           <a:p>
             <a:r>
-              <a:rPr lang="de-CH" dirty="0" smtClean="0"/>
+              <a:rPr lang="de-CH" dirty="0"/>
               <a:t>Logos Partner </a:t>
             </a:r>
             <a:r>
-              <a:rPr lang="de-CH" dirty="0" err="1" smtClean="0"/>
+              <a:rPr lang="de-CH" dirty="0" err="1"/>
               <a:t>Universities</a:t>
             </a:r>
             <a:endParaRPr lang="de-CH" dirty="0"/>
@@ -5538,11 +5589,11 @@
           </a:lstStyle>
           <a:p>
             <a:r>
-              <a:rPr lang="de-CH" dirty="0" smtClean="0"/>
+              <a:rPr lang="de-CH" dirty="0"/>
               <a:t>Logos Partner </a:t>
             </a:r>
             <a:r>
-              <a:rPr lang="de-CH" dirty="0" err="1" smtClean="0"/>
+              <a:rPr lang="de-CH" dirty="0" err="1"/>
               <a:t>Universities</a:t>
             </a:r>
             <a:endParaRPr lang="de-CH" dirty="0"/>
@@ -5574,11 +5625,11 @@
           </a:lstStyle>
           <a:p>
             <a:r>
-              <a:rPr lang="de-CH" dirty="0" smtClean="0"/>
+              <a:rPr lang="de-CH" dirty="0"/>
               <a:t>Logos Partner </a:t>
             </a:r>
             <a:r>
-              <a:rPr lang="de-CH" dirty="0" err="1" smtClean="0"/>
+              <a:rPr lang="de-CH" dirty="0" err="1"/>
               <a:t>Universities</a:t>
             </a:r>
             <a:endParaRPr lang="de-CH" dirty="0"/>
@@ -5614,7 +5665,7 @@
           </a:lstStyle>
           <a:p>
             <a:r>
-              <a:rPr lang="de-CH" dirty="0" smtClean="0"/>
+              <a:rPr lang="de-CH" dirty="0"/>
               <a:t>Logos Sponsoring Partners</a:t>
             </a:r>
           </a:p>
@@ -5649,7 +5700,7 @@
           </a:lstStyle>
           <a:p>
             <a:r>
-              <a:rPr lang="de-CH" dirty="0" smtClean="0"/>
+              <a:rPr lang="de-CH" dirty="0"/>
               <a:t>Logos Sponsoring Partners</a:t>
             </a:r>
           </a:p>
@@ -5684,7 +5735,7 @@
           </a:lstStyle>
           <a:p>
             <a:r>
-              <a:rPr lang="de-CH" dirty="0" smtClean="0"/>
+              <a:rPr lang="de-CH" dirty="0"/>
               <a:t>Logos Sponsoring Partners</a:t>
             </a:r>
           </a:p>
@@ -5719,7 +5770,7 @@
           </a:lstStyle>
           <a:p>
             <a:r>
-              <a:rPr lang="de-CH" dirty="0" smtClean="0"/>
+              <a:rPr lang="de-CH" dirty="0"/>
               <a:t>Logos Sponsoring Partners</a:t>
             </a:r>
           </a:p>
@@ -5754,7 +5805,7 @@
           </a:lstStyle>
           <a:p>
             <a:r>
-              <a:rPr lang="de-CH" dirty="0" smtClean="0"/>
+              <a:rPr lang="de-CH" dirty="0"/>
               <a:t>Logos Sponsoring Partners</a:t>
             </a:r>
           </a:p>
@@ -5789,7 +5840,7 @@
           </a:lstStyle>
           <a:p>
             <a:r>
-              <a:rPr lang="de-CH" dirty="0" smtClean="0"/>
+              <a:rPr lang="de-CH" dirty="0"/>
               <a:t>Logos Sponsoring Partners</a:t>
             </a:r>
           </a:p>
@@ -5953,35 +6004,35 @@
           <a:p>
             <a:pPr lvl="0"/>
             <a:r>
-              <a:rPr lang="de-DE" dirty="0" smtClean="0"/>
+              <a:rPr lang="de-DE" dirty="0"/>
               <a:t>Textmasterformat bearbeiten</a:t>
             </a:r>
           </a:p>
           <a:p>
             <a:pPr lvl="1"/>
             <a:r>
-              <a:rPr lang="de-DE" dirty="0" smtClean="0"/>
+              <a:rPr lang="de-DE" dirty="0"/>
               <a:t>Zweite Ebene</a:t>
             </a:r>
           </a:p>
           <a:p>
             <a:pPr lvl="2"/>
             <a:r>
-              <a:rPr lang="de-DE" dirty="0" smtClean="0"/>
+              <a:rPr lang="de-DE" dirty="0"/>
               <a:t>Dritte Ebene</a:t>
             </a:r>
           </a:p>
           <a:p>
             <a:pPr lvl="3"/>
             <a:r>
-              <a:rPr lang="de-DE" dirty="0" smtClean="0"/>
+              <a:rPr lang="de-DE" dirty="0"/>
               <a:t>Vierte Ebene</a:t>
             </a:r>
           </a:p>
           <a:p>
             <a:pPr lvl="4"/>
             <a:r>
-              <a:rPr lang="de-DE" dirty="0" smtClean="0"/>
+              <a:rPr lang="de-DE" dirty="0"/>
               <a:t>Fünfte Ebene</a:t>
             </a:r>
             <a:endParaRPr lang="de-CH" dirty="0"/>
@@ -6017,11 +6068,11 @@
           </a:lstStyle>
           <a:p>
             <a:r>
-              <a:rPr lang="de-CH" dirty="0" smtClean="0"/>
+              <a:rPr lang="de-CH" dirty="0"/>
               <a:t>Logos Organisational </a:t>
             </a:r>
             <a:r>
-              <a:rPr lang="de-CH" dirty="0" err="1" smtClean="0"/>
+              <a:rPr lang="de-CH" dirty="0" err="1"/>
               <a:t>units</a:t>
             </a:r>
             <a:endParaRPr lang="de-CH" dirty="0"/>
@@ -6057,11 +6108,11 @@
           </a:lstStyle>
           <a:p>
             <a:r>
-              <a:rPr lang="de-CH" dirty="0" smtClean="0"/>
+              <a:rPr lang="de-CH" dirty="0"/>
               <a:t>Logos Organisational </a:t>
             </a:r>
             <a:r>
-              <a:rPr lang="de-CH" dirty="0" err="1" smtClean="0"/>
+              <a:rPr lang="de-CH" dirty="0" err="1"/>
               <a:t>units</a:t>
             </a:r>
             <a:endParaRPr lang="de-CH" dirty="0"/>
@@ -6097,11 +6148,11 @@
           </a:lstStyle>
           <a:p>
             <a:r>
-              <a:rPr lang="de-CH" dirty="0" smtClean="0"/>
+              <a:rPr lang="de-CH" dirty="0"/>
               <a:t>Logos Organisational </a:t>
             </a:r>
             <a:r>
-              <a:rPr lang="de-CH" dirty="0" err="1" smtClean="0"/>
+              <a:rPr lang="de-CH" dirty="0" err="1"/>
               <a:t>units</a:t>
             </a:r>
             <a:endParaRPr lang="de-CH" dirty="0"/>
@@ -6137,11 +6188,11 @@
           </a:lstStyle>
           <a:p>
             <a:r>
-              <a:rPr lang="de-CH" dirty="0" smtClean="0"/>
+              <a:rPr lang="de-CH" dirty="0"/>
               <a:t>Logos Organisational </a:t>
             </a:r>
             <a:r>
-              <a:rPr lang="de-CH" dirty="0" err="1" smtClean="0"/>
+              <a:rPr lang="de-CH" dirty="0" err="1"/>
               <a:t>units</a:t>
             </a:r>
             <a:endParaRPr lang="de-CH" dirty="0"/>
@@ -6173,18 +6224,13 @@
           <a:lstStyle/>
           <a:p>
             <a:r>
-              <a:rPr lang="de-CH" sz="1500" b="1" dirty="0" smtClean="0">
+              <a:rPr lang="de-CH" sz="1500" b="1" dirty="0">
                 <a:solidFill>
                   <a:schemeClr val="accent1"/>
                 </a:solidFill>
               </a:rPr>
               <a:t>Partners</a:t>
             </a:r>
-            <a:endParaRPr lang="de-CH" sz="1500" b="1" dirty="0">
-              <a:solidFill>
-                <a:schemeClr val="accent1"/>
-              </a:solidFill>
-            </a:endParaRPr>
           </a:p>
         </p:txBody>
       </p:sp>
@@ -6213,11 +6259,11 @@
           </a:lstStyle>
           <a:p>
             <a:r>
-              <a:rPr lang="de-CH" dirty="0" smtClean="0"/>
+              <a:rPr lang="de-CH" dirty="0"/>
               <a:t>Logos Partner </a:t>
             </a:r>
             <a:r>
-              <a:rPr lang="de-CH" dirty="0" err="1" smtClean="0"/>
+              <a:rPr lang="de-CH" dirty="0" err="1"/>
               <a:t>Universities</a:t>
             </a:r>
             <a:endParaRPr lang="de-CH" dirty="0"/>
@@ -6249,11 +6295,11 @@
           </a:lstStyle>
           <a:p>
             <a:r>
-              <a:rPr lang="de-CH" dirty="0" smtClean="0"/>
+              <a:rPr lang="de-CH" dirty="0"/>
               <a:t>Logos Partner </a:t>
             </a:r>
             <a:r>
-              <a:rPr lang="de-CH" dirty="0" err="1" smtClean="0"/>
+              <a:rPr lang="de-CH" dirty="0" err="1"/>
               <a:t>Universities</a:t>
             </a:r>
             <a:endParaRPr lang="de-CH" dirty="0"/>
@@ -6285,11 +6331,11 @@
           </a:lstStyle>
           <a:p>
             <a:r>
-              <a:rPr lang="de-CH" dirty="0" smtClean="0"/>
+              <a:rPr lang="de-CH" dirty="0"/>
               <a:t>Logos Partner </a:t>
             </a:r>
             <a:r>
-              <a:rPr lang="de-CH" dirty="0" err="1" smtClean="0"/>
+              <a:rPr lang="de-CH" dirty="0" err="1"/>
               <a:t>Universities</a:t>
             </a:r>
             <a:endParaRPr lang="de-CH" dirty="0"/>
@@ -6325,7 +6371,7 @@
           </a:lstStyle>
           <a:p>
             <a:r>
-              <a:rPr lang="de-CH" dirty="0" smtClean="0"/>
+              <a:rPr lang="de-CH" dirty="0"/>
               <a:t>Logos Sponsoring Partners</a:t>
             </a:r>
           </a:p>
@@ -6360,7 +6406,7 @@
           </a:lstStyle>
           <a:p>
             <a:r>
-              <a:rPr lang="de-CH" dirty="0" smtClean="0"/>
+              <a:rPr lang="de-CH" dirty="0"/>
               <a:t>Logos Sponsoring Partners</a:t>
             </a:r>
           </a:p>
@@ -6395,7 +6441,7 @@
           </a:lstStyle>
           <a:p>
             <a:r>
-              <a:rPr lang="de-CH" dirty="0" smtClean="0"/>
+              <a:rPr lang="de-CH" dirty="0"/>
               <a:t>Logos Sponsoring Partners</a:t>
             </a:r>
           </a:p>
@@ -6430,7 +6476,7 @@
           </a:lstStyle>
           <a:p>
             <a:r>
-              <a:rPr lang="de-CH" dirty="0" smtClean="0"/>
+              <a:rPr lang="de-CH" dirty="0"/>
               <a:t>Logos Sponsoring Partners</a:t>
             </a:r>
           </a:p>
@@ -6465,7 +6511,7 @@
           </a:lstStyle>
           <a:p>
             <a:r>
-              <a:rPr lang="de-CH" dirty="0" smtClean="0"/>
+              <a:rPr lang="de-CH" dirty="0"/>
               <a:t>Logos Sponsoring Partners</a:t>
             </a:r>
           </a:p>
@@ -6500,7 +6546,7 @@
           </a:lstStyle>
           <a:p>
             <a:r>
-              <a:rPr lang="de-CH" dirty="0" smtClean="0"/>
+              <a:rPr lang="de-CH" dirty="0"/>
               <a:t>Logos Sponsoring Partners</a:t>
             </a:r>
           </a:p>
@@ -6664,35 +6710,35 @@
           <a:p>
             <a:pPr lvl="0"/>
             <a:r>
-              <a:rPr lang="de-DE" dirty="0" smtClean="0"/>
+              <a:rPr lang="de-DE" dirty="0"/>
               <a:t>Textmasterformat bearbeiten</a:t>
             </a:r>
           </a:p>
           <a:p>
             <a:pPr lvl="1"/>
             <a:r>
-              <a:rPr lang="de-DE" dirty="0" smtClean="0"/>
+              <a:rPr lang="de-DE" dirty="0"/>
               <a:t>Zweite Ebene</a:t>
             </a:r>
           </a:p>
           <a:p>
             <a:pPr lvl="2"/>
             <a:r>
-              <a:rPr lang="de-DE" dirty="0" smtClean="0"/>
+              <a:rPr lang="de-DE" dirty="0"/>
               <a:t>Dritte Ebene</a:t>
             </a:r>
           </a:p>
           <a:p>
             <a:pPr lvl="3"/>
             <a:r>
-              <a:rPr lang="de-DE" dirty="0" smtClean="0"/>
+              <a:rPr lang="de-DE" dirty="0"/>
               <a:t>Vierte Ebene</a:t>
             </a:r>
           </a:p>
           <a:p>
             <a:pPr lvl="4"/>
             <a:r>
-              <a:rPr lang="de-DE" dirty="0" smtClean="0"/>
+              <a:rPr lang="de-DE" dirty="0"/>
               <a:t>Fünfte Ebene</a:t>
             </a:r>
             <a:endParaRPr lang="de-CH" dirty="0"/>
@@ -6728,11 +6774,11 @@
           </a:lstStyle>
           <a:p>
             <a:r>
-              <a:rPr lang="de-CH" dirty="0" smtClean="0"/>
+              <a:rPr lang="de-CH" dirty="0"/>
               <a:t>Logos Organisational </a:t>
             </a:r>
             <a:r>
-              <a:rPr lang="de-CH" dirty="0" err="1" smtClean="0"/>
+              <a:rPr lang="de-CH" dirty="0" err="1"/>
               <a:t>units</a:t>
             </a:r>
             <a:endParaRPr lang="de-CH" dirty="0"/>
@@ -6768,11 +6814,11 @@
           </a:lstStyle>
           <a:p>
             <a:r>
-              <a:rPr lang="de-CH" dirty="0" smtClean="0"/>
+              <a:rPr lang="de-CH" dirty="0"/>
               <a:t>Logos Organisational </a:t>
             </a:r>
             <a:r>
-              <a:rPr lang="de-CH" dirty="0" err="1" smtClean="0"/>
+              <a:rPr lang="de-CH" dirty="0" err="1"/>
               <a:t>units</a:t>
             </a:r>
             <a:endParaRPr lang="de-CH" dirty="0"/>
@@ -6808,11 +6854,11 @@
           </a:lstStyle>
           <a:p>
             <a:r>
-              <a:rPr lang="de-CH" dirty="0" smtClean="0"/>
+              <a:rPr lang="de-CH" dirty="0"/>
               <a:t>Logos Organisational </a:t>
             </a:r>
             <a:r>
-              <a:rPr lang="de-CH" dirty="0" err="1" smtClean="0"/>
+              <a:rPr lang="de-CH" dirty="0" err="1"/>
               <a:t>units</a:t>
             </a:r>
             <a:endParaRPr lang="de-CH" dirty="0"/>
@@ -6848,11 +6894,11 @@
           </a:lstStyle>
           <a:p>
             <a:r>
-              <a:rPr lang="de-CH" dirty="0" smtClean="0"/>
+              <a:rPr lang="de-CH" dirty="0"/>
               <a:t>Logos Organisational </a:t>
             </a:r>
             <a:r>
-              <a:rPr lang="de-CH" dirty="0" err="1" smtClean="0"/>
+              <a:rPr lang="de-CH" dirty="0" err="1"/>
               <a:t>units</a:t>
             </a:r>
             <a:endParaRPr lang="de-CH" dirty="0"/>
@@ -6884,18 +6930,13 @@
           <a:lstStyle/>
           <a:p>
             <a:r>
-              <a:rPr lang="de-CH" sz="1500" b="1" dirty="0" smtClean="0">
+              <a:rPr lang="de-CH" sz="1500" b="1" dirty="0">
                 <a:solidFill>
                   <a:schemeClr val="accent1"/>
                 </a:solidFill>
               </a:rPr>
               <a:t>Partners</a:t>
             </a:r>
-            <a:endParaRPr lang="de-CH" sz="1500" b="1" dirty="0">
-              <a:solidFill>
-                <a:schemeClr val="accent1"/>
-              </a:solidFill>
-            </a:endParaRPr>
           </a:p>
         </p:txBody>
       </p:sp>
@@ -6924,11 +6965,11 @@
           </a:lstStyle>
           <a:p>
             <a:r>
-              <a:rPr lang="de-CH" dirty="0" smtClean="0"/>
+              <a:rPr lang="de-CH" dirty="0"/>
               <a:t>Logos Partner </a:t>
             </a:r>
             <a:r>
-              <a:rPr lang="de-CH" dirty="0" err="1" smtClean="0"/>
+              <a:rPr lang="de-CH" dirty="0" err="1"/>
               <a:t>Universities</a:t>
             </a:r>
             <a:endParaRPr lang="de-CH" dirty="0"/>
@@ -6960,11 +7001,11 @@
           </a:lstStyle>
           <a:p>
             <a:r>
-              <a:rPr lang="de-CH" dirty="0" smtClean="0"/>
+              <a:rPr lang="de-CH" dirty="0"/>
               <a:t>Logos Partner </a:t>
             </a:r>
             <a:r>
-              <a:rPr lang="de-CH" dirty="0" err="1" smtClean="0"/>
+              <a:rPr lang="de-CH" dirty="0" err="1"/>
               <a:t>Universities</a:t>
             </a:r>
             <a:endParaRPr lang="de-CH" dirty="0"/>
@@ -6996,11 +7037,11 @@
           </a:lstStyle>
           <a:p>
             <a:r>
-              <a:rPr lang="de-CH" dirty="0" smtClean="0"/>
+              <a:rPr lang="de-CH" dirty="0"/>
               <a:t>Logos Partner </a:t>
             </a:r>
             <a:r>
-              <a:rPr lang="de-CH" dirty="0" err="1" smtClean="0"/>
+              <a:rPr lang="de-CH" dirty="0" err="1"/>
               <a:t>Universities</a:t>
             </a:r>
             <a:endParaRPr lang="de-CH" dirty="0"/>
@@ -7036,7 +7077,7 @@
           </a:lstStyle>
           <a:p>
             <a:r>
-              <a:rPr lang="de-CH" dirty="0" smtClean="0"/>
+              <a:rPr lang="de-CH" dirty="0"/>
               <a:t>Logos Sponsoring Partners</a:t>
             </a:r>
           </a:p>
@@ -7071,7 +7112,7 @@
           </a:lstStyle>
           <a:p>
             <a:r>
-              <a:rPr lang="de-CH" dirty="0" smtClean="0"/>
+              <a:rPr lang="de-CH" dirty="0"/>
               <a:t>Logos Sponsoring Partners</a:t>
             </a:r>
           </a:p>
@@ -7106,7 +7147,7 @@
           </a:lstStyle>
           <a:p>
             <a:r>
-              <a:rPr lang="de-CH" dirty="0" smtClean="0"/>
+              <a:rPr lang="de-CH" dirty="0"/>
               <a:t>Logos Sponsoring Partners</a:t>
             </a:r>
           </a:p>
@@ -7141,7 +7182,7 @@
           </a:lstStyle>
           <a:p>
             <a:r>
-              <a:rPr lang="de-CH" dirty="0" smtClean="0"/>
+              <a:rPr lang="de-CH" dirty="0"/>
               <a:t>Logos Sponsoring Partners</a:t>
             </a:r>
           </a:p>
@@ -7176,7 +7217,7 @@
           </a:lstStyle>
           <a:p>
             <a:r>
-              <a:rPr lang="de-CH" dirty="0" smtClean="0"/>
+              <a:rPr lang="de-CH" dirty="0"/>
               <a:t>Logos Sponsoring Partners</a:t>
             </a:r>
           </a:p>
@@ -7211,7 +7252,7 @@
           </a:lstStyle>
           <a:p>
             <a:r>
-              <a:rPr lang="de-CH" dirty="0" smtClean="0"/>
+              <a:rPr lang="de-CH" dirty="0"/>
               <a:t>Logos Sponsoring Partners</a:t>
             </a:r>
           </a:p>
@@ -7375,35 +7416,35 @@
           <a:p>
             <a:pPr lvl="0"/>
             <a:r>
-              <a:rPr lang="de-DE" dirty="0" smtClean="0"/>
+              <a:rPr lang="de-DE" dirty="0"/>
               <a:t>Textmasterformat bearbeiten</a:t>
             </a:r>
           </a:p>
           <a:p>
             <a:pPr lvl="1"/>
             <a:r>
-              <a:rPr lang="de-DE" dirty="0" smtClean="0"/>
+              <a:rPr lang="de-DE" dirty="0"/>
               <a:t>Zweite Ebene</a:t>
             </a:r>
           </a:p>
           <a:p>
             <a:pPr lvl="2"/>
             <a:r>
-              <a:rPr lang="de-DE" dirty="0" smtClean="0"/>
+              <a:rPr lang="de-DE" dirty="0"/>
               <a:t>Dritte Ebene</a:t>
             </a:r>
           </a:p>
           <a:p>
             <a:pPr lvl="3"/>
             <a:r>
-              <a:rPr lang="de-DE" dirty="0" smtClean="0"/>
+              <a:rPr lang="de-DE" dirty="0"/>
               <a:t>Vierte Ebene</a:t>
             </a:r>
           </a:p>
           <a:p>
             <a:pPr lvl="4"/>
             <a:r>
-              <a:rPr lang="de-DE" dirty="0" smtClean="0"/>
+              <a:rPr lang="de-DE" dirty="0"/>
               <a:t>Fünfte Ebene</a:t>
             </a:r>
             <a:endParaRPr lang="de-CH" dirty="0"/>
@@ -7439,11 +7480,11 @@
           </a:lstStyle>
           <a:p>
             <a:r>
-              <a:rPr lang="de-CH" dirty="0" smtClean="0"/>
+              <a:rPr lang="de-CH" dirty="0"/>
               <a:t>Logos Organisational </a:t>
             </a:r>
             <a:r>
-              <a:rPr lang="de-CH" dirty="0" err="1" smtClean="0"/>
+              <a:rPr lang="de-CH" dirty="0" err="1"/>
               <a:t>units</a:t>
             </a:r>
             <a:endParaRPr lang="de-CH" dirty="0"/>
@@ -7479,11 +7520,11 @@
           </a:lstStyle>
           <a:p>
             <a:r>
-              <a:rPr lang="de-CH" dirty="0" smtClean="0"/>
+              <a:rPr lang="de-CH" dirty="0"/>
               <a:t>Logos Organisational </a:t>
             </a:r>
             <a:r>
-              <a:rPr lang="de-CH" dirty="0" err="1" smtClean="0"/>
+              <a:rPr lang="de-CH" dirty="0" err="1"/>
               <a:t>units</a:t>
             </a:r>
             <a:endParaRPr lang="de-CH" dirty="0"/>
@@ -7519,11 +7560,11 @@
           </a:lstStyle>
           <a:p>
             <a:r>
-              <a:rPr lang="de-CH" dirty="0" smtClean="0"/>
+              <a:rPr lang="de-CH" dirty="0"/>
               <a:t>Logos Organisational </a:t>
             </a:r>
             <a:r>
-              <a:rPr lang="de-CH" dirty="0" err="1" smtClean="0"/>
+              <a:rPr lang="de-CH" dirty="0" err="1"/>
               <a:t>units</a:t>
             </a:r>
             <a:endParaRPr lang="de-CH" dirty="0"/>
@@ -7559,11 +7600,11 @@
           </a:lstStyle>
           <a:p>
             <a:r>
-              <a:rPr lang="de-CH" dirty="0" smtClean="0"/>
+              <a:rPr lang="de-CH" dirty="0"/>
               <a:t>Logos Organisational </a:t>
             </a:r>
             <a:r>
-              <a:rPr lang="de-CH" dirty="0" err="1" smtClean="0"/>
+              <a:rPr lang="de-CH" dirty="0" err="1"/>
               <a:t>units</a:t>
             </a:r>
             <a:endParaRPr lang="de-CH" dirty="0"/>
@@ -7595,18 +7636,13 @@
           <a:lstStyle/>
           <a:p>
             <a:r>
-              <a:rPr lang="de-CH" sz="1500" b="1" dirty="0" smtClean="0">
+              <a:rPr lang="de-CH" sz="1500" b="1" dirty="0">
                 <a:solidFill>
                   <a:schemeClr val="accent1"/>
                 </a:solidFill>
               </a:rPr>
               <a:t>Partners</a:t>
             </a:r>
-            <a:endParaRPr lang="de-CH" sz="1500" b="1" dirty="0">
-              <a:solidFill>
-                <a:schemeClr val="accent1"/>
-              </a:solidFill>
-            </a:endParaRPr>
           </a:p>
         </p:txBody>
       </p:sp>
@@ -7635,11 +7671,11 @@
           </a:lstStyle>
           <a:p>
             <a:r>
-              <a:rPr lang="de-CH" dirty="0" smtClean="0"/>
+              <a:rPr lang="de-CH" dirty="0"/>
               <a:t>Logos Partner </a:t>
             </a:r>
             <a:r>
-              <a:rPr lang="de-CH" dirty="0" err="1" smtClean="0"/>
+              <a:rPr lang="de-CH" dirty="0" err="1"/>
               <a:t>Universities</a:t>
             </a:r>
             <a:endParaRPr lang="de-CH" dirty="0"/>
@@ -7671,11 +7707,11 @@
           </a:lstStyle>
           <a:p>
             <a:r>
-              <a:rPr lang="de-CH" dirty="0" smtClean="0"/>
+              <a:rPr lang="de-CH" dirty="0"/>
               <a:t>Logos Partner </a:t>
             </a:r>
             <a:r>
-              <a:rPr lang="de-CH" dirty="0" err="1" smtClean="0"/>
+              <a:rPr lang="de-CH" dirty="0" err="1"/>
               <a:t>Universities</a:t>
             </a:r>
             <a:endParaRPr lang="de-CH" dirty="0"/>
@@ -7707,11 +7743,11 @@
           </a:lstStyle>
           <a:p>
             <a:r>
-              <a:rPr lang="de-CH" dirty="0" smtClean="0"/>
+              <a:rPr lang="de-CH" dirty="0"/>
               <a:t>Logos Partner </a:t>
             </a:r>
             <a:r>
-              <a:rPr lang="de-CH" dirty="0" err="1" smtClean="0"/>
+              <a:rPr lang="de-CH" dirty="0" err="1"/>
               <a:t>Universities</a:t>
             </a:r>
             <a:endParaRPr lang="de-CH" dirty="0"/>
@@ -7747,7 +7783,7 @@
           </a:lstStyle>
           <a:p>
             <a:r>
-              <a:rPr lang="de-CH" dirty="0" smtClean="0"/>
+              <a:rPr lang="de-CH" dirty="0"/>
               <a:t>Logos Sponsoring Partners</a:t>
             </a:r>
           </a:p>
@@ -7782,7 +7818,7 @@
           </a:lstStyle>
           <a:p>
             <a:r>
-              <a:rPr lang="de-CH" dirty="0" smtClean="0"/>
+              <a:rPr lang="de-CH" dirty="0"/>
               <a:t>Logos Sponsoring Partners</a:t>
             </a:r>
           </a:p>
@@ -7817,7 +7853,7 @@
           </a:lstStyle>
           <a:p>
             <a:r>
-              <a:rPr lang="de-CH" dirty="0" smtClean="0"/>
+              <a:rPr lang="de-CH" dirty="0"/>
               <a:t>Logos Sponsoring Partners</a:t>
             </a:r>
           </a:p>
@@ -7852,7 +7888,7 @@
           </a:lstStyle>
           <a:p>
             <a:r>
-              <a:rPr lang="de-CH" dirty="0" smtClean="0"/>
+              <a:rPr lang="de-CH" dirty="0"/>
               <a:t>Logos Sponsoring Partners</a:t>
             </a:r>
           </a:p>
@@ -7887,7 +7923,7 @@
           </a:lstStyle>
           <a:p>
             <a:r>
-              <a:rPr lang="de-CH" dirty="0" smtClean="0"/>
+              <a:rPr lang="de-CH" dirty="0"/>
               <a:t>Logos Sponsoring Partners</a:t>
             </a:r>
           </a:p>
@@ -7922,7 +7958,7 @@
           </a:lstStyle>
           <a:p>
             <a:r>
-              <a:rPr lang="de-CH" dirty="0" smtClean="0"/>
+              <a:rPr lang="de-CH" dirty="0"/>
               <a:t>Logos Sponsoring Partners</a:t>
             </a:r>
           </a:p>
@@ -8086,35 +8122,35 @@
           <a:p>
             <a:pPr lvl="0"/>
             <a:r>
-              <a:rPr lang="de-DE" dirty="0" smtClean="0"/>
+              <a:rPr lang="de-DE" dirty="0"/>
               <a:t>Textmasterformat bearbeiten</a:t>
             </a:r>
           </a:p>
           <a:p>
             <a:pPr lvl="1"/>
             <a:r>
-              <a:rPr lang="de-DE" dirty="0" smtClean="0"/>
+              <a:rPr lang="de-DE" dirty="0"/>
               <a:t>Zweite Ebene</a:t>
             </a:r>
           </a:p>
           <a:p>
             <a:pPr lvl="2"/>
             <a:r>
-              <a:rPr lang="de-DE" dirty="0" smtClean="0"/>
+              <a:rPr lang="de-DE" dirty="0"/>
               <a:t>Dritte Ebene</a:t>
             </a:r>
           </a:p>
           <a:p>
             <a:pPr lvl="3"/>
             <a:r>
-              <a:rPr lang="de-DE" dirty="0" smtClean="0"/>
+              <a:rPr lang="de-DE" dirty="0"/>
               <a:t>Vierte Ebene</a:t>
             </a:r>
           </a:p>
           <a:p>
             <a:pPr lvl="4"/>
             <a:r>
-              <a:rPr lang="de-DE" dirty="0" smtClean="0"/>
+              <a:rPr lang="de-DE" dirty="0"/>
               <a:t>Fünfte Ebene</a:t>
             </a:r>
             <a:endParaRPr lang="de-CH" dirty="0"/>
@@ -8150,11 +8186,11 @@
           </a:lstStyle>
           <a:p>
             <a:r>
-              <a:rPr lang="de-CH" dirty="0" smtClean="0"/>
+              <a:rPr lang="de-CH" dirty="0"/>
               <a:t>Logos Organisational </a:t>
             </a:r>
             <a:r>
-              <a:rPr lang="de-CH" dirty="0" err="1" smtClean="0"/>
+              <a:rPr lang="de-CH" dirty="0" err="1"/>
               <a:t>units</a:t>
             </a:r>
             <a:endParaRPr lang="de-CH" dirty="0"/>
@@ -8190,11 +8226,11 @@
           </a:lstStyle>
           <a:p>
             <a:r>
-              <a:rPr lang="de-CH" dirty="0" smtClean="0"/>
+              <a:rPr lang="de-CH" dirty="0"/>
               <a:t>Logos Organisational </a:t>
             </a:r>
             <a:r>
-              <a:rPr lang="de-CH" dirty="0" err="1" smtClean="0"/>
+              <a:rPr lang="de-CH" dirty="0" err="1"/>
               <a:t>units</a:t>
             </a:r>
             <a:endParaRPr lang="de-CH" dirty="0"/>
@@ -8230,11 +8266,11 @@
           </a:lstStyle>
           <a:p>
             <a:r>
-              <a:rPr lang="de-CH" dirty="0" smtClean="0"/>
+              <a:rPr lang="de-CH" dirty="0"/>
               <a:t>Logos Organisational </a:t>
             </a:r>
             <a:r>
-              <a:rPr lang="de-CH" dirty="0" err="1" smtClean="0"/>
+              <a:rPr lang="de-CH" dirty="0" err="1"/>
               <a:t>units</a:t>
             </a:r>
             <a:endParaRPr lang="de-CH" dirty="0"/>
@@ -8270,11 +8306,11 @@
           </a:lstStyle>
           <a:p>
             <a:r>
-              <a:rPr lang="de-CH" dirty="0" smtClean="0"/>
+              <a:rPr lang="de-CH" dirty="0"/>
               <a:t>Logos Organisational </a:t>
             </a:r>
             <a:r>
-              <a:rPr lang="de-CH" dirty="0" err="1" smtClean="0"/>
+              <a:rPr lang="de-CH" dirty="0" err="1"/>
               <a:t>units</a:t>
             </a:r>
             <a:endParaRPr lang="de-CH" dirty="0"/>
@@ -8306,18 +8342,13 @@
           <a:lstStyle/>
           <a:p>
             <a:r>
-              <a:rPr lang="de-CH" sz="1500" b="1" dirty="0" smtClean="0">
+              <a:rPr lang="de-CH" sz="1500" b="1" dirty="0">
                 <a:solidFill>
                   <a:schemeClr val="accent1"/>
                 </a:solidFill>
               </a:rPr>
               <a:t>Partners</a:t>
             </a:r>
-            <a:endParaRPr lang="de-CH" sz="1500" b="1" dirty="0">
-              <a:solidFill>
-                <a:schemeClr val="accent1"/>
-              </a:solidFill>
-            </a:endParaRPr>
           </a:p>
         </p:txBody>
       </p:sp>
@@ -8346,11 +8377,11 @@
           </a:lstStyle>
           <a:p>
             <a:r>
-              <a:rPr lang="de-CH" dirty="0" smtClean="0"/>
+              <a:rPr lang="de-CH" dirty="0"/>
               <a:t>Logos Partner </a:t>
             </a:r>
             <a:r>
-              <a:rPr lang="de-CH" dirty="0" err="1" smtClean="0"/>
+              <a:rPr lang="de-CH" dirty="0" err="1"/>
               <a:t>Universities</a:t>
             </a:r>
             <a:endParaRPr lang="de-CH" dirty="0"/>
@@ -8382,11 +8413,11 @@
           </a:lstStyle>
           <a:p>
             <a:r>
-              <a:rPr lang="de-CH" dirty="0" smtClean="0"/>
+              <a:rPr lang="de-CH" dirty="0"/>
               <a:t>Logos Partner </a:t>
             </a:r>
             <a:r>
-              <a:rPr lang="de-CH" dirty="0" err="1" smtClean="0"/>
+              <a:rPr lang="de-CH" dirty="0" err="1"/>
               <a:t>Universities</a:t>
             </a:r>
             <a:endParaRPr lang="de-CH" dirty="0"/>
@@ -8418,11 +8449,11 @@
           </a:lstStyle>
           <a:p>
             <a:r>
-              <a:rPr lang="de-CH" dirty="0" smtClean="0"/>
+              <a:rPr lang="de-CH" dirty="0"/>
               <a:t>Logos Partner </a:t>
             </a:r>
             <a:r>
-              <a:rPr lang="de-CH" dirty="0" err="1" smtClean="0"/>
+              <a:rPr lang="de-CH" dirty="0" err="1"/>
               <a:t>Universities</a:t>
             </a:r>
             <a:endParaRPr lang="de-CH" dirty="0"/>
@@ -8458,7 +8489,7 @@
           </a:lstStyle>
           <a:p>
             <a:r>
-              <a:rPr lang="de-CH" dirty="0" smtClean="0"/>
+              <a:rPr lang="de-CH" dirty="0"/>
               <a:t>Logos Sponsoring Partners</a:t>
             </a:r>
           </a:p>
@@ -8493,7 +8524,7 @@
           </a:lstStyle>
           <a:p>
             <a:r>
-              <a:rPr lang="de-CH" dirty="0" smtClean="0"/>
+              <a:rPr lang="de-CH" dirty="0"/>
               <a:t>Logos Sponsoring Partners</a:t>
             </a:r>
           </a:p>
@@ -8528,7 +8559,7 @@
           </a:lstStyle>
           <a:p>
             <a:r>
-              <a:rPr lang="de-CH" dirty="0" smtClean="0"/>
+              <a:rPr lang="de-CH" dirty="0"/>
               <a:t>Logos Sponsoring Partners</a:t>
             </a:r>
           </a:p>
@@ -8563,7 +8594,7 @@
           </a:lstStyle>
           <a:p>
             <a:r>
-              <a:rPr lang="de-CH" dirty="0" smtClean="0"/>
+              <a:rPr lang="de-CH" dirty="0"/>
               <a:t>Logos Sponsoring Partners</a:t>
             </a:r>
           </a:p>
@@ -8598,7 +8629,7 @@
           </a:lstStyle>
           <a:p>
             <a:r>
-              <a:rPr lang="de-CH" dirty="0" smtClean="0"/>
+              <a:rPr lang="de-CH" dirty="0"/>
               <a:t>Logos Sponsoring Partners</a:t>
             </a:r>
           </a:p>
@@ -8633,7 +8664,7 @@
           </a:lstStyle>
           <a:p>
             <a:r>
-              <a:rPr lang="de-CH" dirty="0" smtClean="0"/>
+              <a:rPr lang="de-CH" dirty="0"/>
               <a:t>Logos Sponsoring Partners</a:t>
             </a:r>
           </a:p>
@@ -8797,35 +8828,35 @@
           <a:p>
             <a:pPr lvl="0"/>
             <a:r>
-              <a:rPr lang="de-DE" dirty="0" smtClean="0"/>
+              <a:rPr lang="de-DE" dirty="0"/>
               <a:t>Textmasterformat bearbeiten</a:t>
             </a:r>
           </a:p>
           <a:p>
             <a:pPr lvl="1"/>
             <a:r>
-              <a:rPr lang="de-DE" dirty="0" smtClean="0"/>
+              <a:rPr lang="de-DE" dirty="0"/>
               <a:t>Zweite Ebene</a:t>
             </a:r>
           </a:p>
           <a:p>
             <a:pPr lvl="2"/>
             <a:r>
-              <a:rPr lang="de-DE" dirty="0" smtClean="0"/>
+              <a:rPr lang="de-DE" dirty="0"/>
               <a:t>Dritte Ebene</a:t>
             </a:r>
           </a:p>
           <a:p>
             <a:pPr lvl="3"/>
             <a:r>
-              <a:rPr lang="de-DE" dirty="0" smtClean="0"/>
+              <a:rPr lang="de-DE" dirty="0"/>
               <a:t>Vierte Ebene</a:t>
             </a:r>
           </a:p>
           <a:p>
             <a:pPr lvl="4"/>
             <a:r>
-              <a:rPr lang="de-DE" dirty="0" smtClean="0"/>
+              <a:rPr lang="de-DE" dirty="0"/>
               <a:t>Fünfte Ebene</a:t>
             </a:r>
             <a:endParaRPr lang="de-CH" dirty="0"/>
@@ -8861,11 +8892,11 @@
           </a:lstStyle>
           <a:p>
             <a:r>
-              <a:rPr lang="de-CH" dirty="0" smtClean="0"/>
+              <a:rPr lang="de-CH" dirty="0"/>
               <a:t>Logos Organisational </a:t>
             </a:r>
             <a:r>
-              <a:rPr lang="de-CH" dirty="0" err="1" smtClean="0"/>
+              <a:rPr lang="de-CH" dirty="0" err="1"/>
               <a:t>units</a:t>
             </a:r>
             <a:endParaRPr lang="de-CH" dirty="0"/>
@@ -8901,11 +8932,11 @@
           </a:lstStyle>
           <a:p>
             <a:r>
-              <a:rPr lang="de-CH" dirty="0" smtClean="0"/>
+              <a:rPr lang="de-CH" dirty="0"/>
               <a:t>Logos Organisational </a:t>
             </a:r>
             <a:r>
-              <a:rPr lang="de-CH" dirty="0" err="1" smtClean="0"/>
+              <a:rPr lang="de-CH" dirty="0" err="1"/>
               <a:t>units</a:t>
             </a:r>
             <a:endParaRPr lang="de-CH" dirty="0"/>
@@ -8941,11 +8972,11 @@
           </a:lstStyle>
           <a:p>
             <a:r>
-              <a:rPr lang="de-CH" dirty="0" smtClean="0"/>
+              <a:rPr lang="de-CH" dirty="0"/>
               <a:t>Logos Organisational </a:t>
             </a:r>
             <a:r>
-              <a:rPr lang="de-CH" dirty="0" err="1" smtClean="0"/>
+              <a:rPr lang="de-CH" dirty="0" err="1"/>
               <a:t>units</a:t>
             </a:r>
             <a:endParaRPr lang="de-CH" dirty="0"/>
@@ -8981,11 +9012,11 @@
           </a:lstStyle>
           <a:p>
             <a:r>
-              <a:rPr lang="de-CH" dirty="0" smtClean="0"/>
+              <a:rPr lang="de-CH" dirty="0"/>
               <a:t>Logos Organisational </a:t>
             </a:r>
             <a:r>
-              <a:rPr lang="de-CH" dirty="0" err="1" smtClean="0"/>
+              <a:rPr lang="de-CH" dirty="0" err="1"/>
               <a:t>units</a:t>
             </a:r>
             <a:endParaRPr lang="de-CH" dirty="0"/>
@@ -9017,18 +9048,13 @@
           <a:lstStyle/>
           <a:p>
             <a:r>
-              <a:rPr lang="de-CH" sz="1500" b="1" dirty="0" smtClean="0">
+              <a:rPr lang="de-CH" sz="1500" b="1" dirty="0">
                 <a:solidFill>
                   <a:schemeClr val="accent1"/>
                 </a:solidFill>
               </a:rPr>
               <a:t>Partners</a:t>
             </a:r>
-            <a:endParaRPr lang="de-CH" sz="1500" b="1" dirty="0">
-              <a:solidFill>
-                <a:schemeClr val="accent1"/>
-              </a:solidFill>
-            </a:endParaRPr>
           </a:p>
         </p:txBody>
       </p:sp>
@@ -9057,11 +9083,11 @@
           </a:lstStyle>
           <a:p>
             <a:r>
-              <a:rPr lang="de-CH" dirty="0" smtClean="0"/>
+              <a:rPr lang="de-CH" dirty="0"/>
               <a:t>Logos Partner </a:t>
             </a:r>
             <a:r>
-              <a:rPr lang="de-CH" dirty="0" err="1" smtClean="0"/>
+              <a:rPr lang="de-CH" dirty="0" err="1"/>
               <a:t>Universities</a:t>
             </a:r>
             <a:endParaRPr lang="de-CH" dirty="0"/>
@@ -9093,11 +9119,11 @@
           </a:lstStyle>
           <a:p>
             <a:r>
-              <a:rPr lang="de-CH" dirty="0" smtClean="0"/>
+              <a:rPr lang="de-CH" dirty="0"/>
               <a:t>Logos Partner </a:t>
             </a:r>
             <a:r>
-              <a:rPr lang="de-CH" dirty="0" err="1" smtClean="0"/>
+              <a:rPr lang="de-CH" dirty="0" err="1"/>
               <a:t>Universities</a:t>
             </a:r>
             <a:endParaRPr lang="de-CH" dirty="0"/>
@@ -9129,11 +9155,11 @@
           </a:lstStyle>
           <a:p>
             <a:r>
-              <a:rPr lang="de-CH" dirty="0" smtClean="0"/>
+              <a:rPr lang="de-CH" dirty="0"/>
               <a:t>Logos Partner </a:t>
             </a:r>
             <a:r>
-              <a:rPr lang="de-CH" dirty="0" err="1" smtClean="0"/>
+              <a:rPr lang="de-CH" dirty="0" err="1"/>
               <a:t>Universities</a:t>
             </a:r>
             <a:endParaRPr lang="de-CH" dirty="0"/>
@@ -9169,7 +9195,7 @@
           </a:lstStyle>
           <a:p>
             <a:r>
-              <a:rPr lang="de-CH" dirty="0" smtClean="0"/>
+              <a:rPr lang="de-CH" dirty="0"/>
               <a:t>Logos Sponsoring Partners</a:t>
             </a:r>
           </a:p>
@@ -9204,7 +9230,7 @@
           </a:lstStyle>
           <a:p>
             <a:r>
-              <a:rPr lang="de-CH" dirty="0" smtClean="0"/>
+              <a:rPr lang="de-CH" dirty="0"/>
               <a:t>Logos Sponsoring Partners</a:t>
             </a:r>
           </a:p>
@@ -9239,7 +9265,7 @@
           </a:lstStyle>
           <a:p>
             <a:r>
-              <a:rPr lang="de-CH" dirty="0" smtClean="0"/>
+              <a:rPr lang="de-CH" dirty="0"/>
               <a:t>Logos Sponsoring Partners</a:t>
             </a:r>
           </a:p>
@@ -9274,7 +9300,7 @@
           </a:lstStyle>
           <a:p>
             <a:r>
-              <a:rPr lang="de-CH" dirty="0" smtClean="0"/>
+              <a:rPr lang="de-CH" dirty="0"/>
               <a:t>Logos Sponsoring Partners</a:t>
             </a:r>
           </a:p>
@@ -9309,7 +9335,7 @@
           </a:lstStyle>
           <a:p>
             <a:r>
-              <a:rPr lang="de-CH" dirty="0" smtClean="0"/>
+              <a:rPr lang="de-CH" dirty="0"/>
               <a:t>Logos Sponsoring Partners</a:t>
             </a:r>
           </a:p>
@@ -9344,7 +9370,7 @@
           </a:lstStyle>
           <a:p>
             <a:r>
-              <a:rPr lang="de-CH" dirty="0" smtClean="0"/>
+              <a:rPr lang="de-CH" dirty="0"/>
               <a:t>Logos Sponsoring Partners</a:t>
             </a:r>
           </a:p>
@@ -9508,35 +9534,35 @@
           <a:p>
             <a:pPr lvl="0"/>
             <a:r>
-              <a:rPr lang="de-DE" dirty="0" smtClean="0"/>
+              <a:rPr lang="de-DE" dirty="0"/>
               <a:t>Textmasterformat bearbeiten</a:t>
             </a:r>
           </a:p>
           <a:p>
             <a:pPr lvl="1"/>
             <a:r>
-              <a:rPr lang="de-DE" dirty="0" smtClean="0"/>
+              <a:rPr lang="de-DE" dirty="0"/>
               <a:t>Zweite Ebene</a:t>
             </a:r>
           </a:p>
           <a:p>
             <a:pPr lvl="2"/>
             <a:r>
-              <a:rPr lang="de-DE" dirty="0" smtClean="0"/>
+              <a:rPr lang="de-DE" dirty="0"/>
               <a:t>Dritte Ebene</a:t>
             </a:r>
           </a:p>
           <a:p>
             <a:pPr lvl="3"/>
             <a:r>
-              <a:rPr lang="de-DE" dirty="0" smtClean="0"/>
+              <a:rPr lang="de-DE" dirty="0"/>
               <a:t>Vierte Ebene</a:t>
             </a:r>
           </a:p>
           <a:p>
             <a:pPr lvl="4"/>
             <a:r>
-              <a:rPr lang="de-DE" dirty="0" smtClean="0"/>
+              <a:rPr lang="de-DE" dirty="0"/>
               <a:t>Fünfte Ebene</a:t>
             </a:r>
             <a:endParaRPr lang="de-CH" dirty="0"/>
@@ -9572,11 +9598,11 @@
           </a:lstStyle>
           <a:p>
             <a:r>
-              <a:rPr lang="de-CH" dirty="0" smtClean="0"/>
+              <a:rPr lang="de-CH" dirty="0"/>
               <a:t>Logos Organisational </a:t>
             </a:r>
             <a:r>
-              <a:rPr lang="de-CH" dirty="0" err="1" smtClean="0"/>
+              <a:rPr lang="de-CH" dirty="0" err="1"/>
               <a:t>units</a:t>
             </a:r>
             <a:endParaRPr lang="de-CH" dirty="0"/>
@@ -9612,11 +9638,11 @@
           </a:lstStyle>
           <a:p>
             <a:r>
-              <a:rPr lang="de-CH" dirty="0" smtClean="0"/>
+              <a:rPr lang="de-CH" dirty="0"/>
               <a:t>Logos Organisational </a:t>
             </a:r>
             <a:r>
-              <a:rPr lang="de-CH" dirty="0" err="1" smtClean="0"/>
+              <a:rPr lang="de-CH" dirty="0" err="1"/>
               <a:t>units</a:t>
             </a:r>
             <a:endParaRPr lang="de-CH" dirty="0"/>
@@ -9652,11 +9678,11 @@
           </a:lstStyle>
           <a:p>
             <a:r>
-              <a:rPr lang="de-CH" dirty="0" smtClean="0"/>
+              <a:rPr lang="de-CH" dirty="0"/>
               <a:t>Logos Organisational </a:t>
             </a:r>
             <a:r>
-              <a:rPr lang="de-CH" dirty="0" err="1" smtClean="0"/>
+              <a:rPr lang="de-CH" dirty="0" err="1"/>
               <a:t>units</a:t>
             </a:r>
             <a:endParaRPr lang="de-CH" dirty="0"/>
@@ -9692,11 +9718,11 @@
           </a:lstStyle>
           <a:p>
             <a:r>
-              <a:rPr lang="de-CH" dirty="0" smtClean="0"/>
+              <a:rPr lang="de-CH" dirty="0"/>
               <a:t>Logos Organisational </a:t>
             </a:r>
             <a:r>
-              <a:rPr lang="de-CH" dirty="0" err="1" smtClean="0"/>
+              <a:rPr lang="de-CH" dirty="0" err="1"/>
               <a:t>units</a:t>
             </a:r>
             <a:endParaRPr lang="de-CH" dirty="0"/>
@@ -9728,18 +9754,13 @@
           <a:lstStyle/>
           <a:p>
             <a:r>
-              <a:rPr lang="de-CH" sz="1500" b="1" dirty="0" smtClean="0">
+              <a:rPr lang="de-CH" sz="1500" b="1" dirty="0">
                 <a:solidFill>
                   <a:schemeClr val="accent1"/>
                 </a:solidFill>
               </a:rPr>
               <a:t>Partners</a:t>
             </a:r>
-            <a:endParaRPr lang="de-CH" sz="1500" b="1" dirty="0">
-              <a:solidFill>
-                <a:schemeClr val="accent1"/>
-              </a:solidFill>
-            </a:endParaRPr>
           </a:p>
         </p:txBody>
       </p:sp>
@@ -9768,11 +9789,11 @@
           </a:lstStyle>
           <a:p>
             <a:r>
-              <a:rPr lang="de-CH" dirty="0" smtClean="0"/>
+              <a:rPr lang="de-CH" dirty="0"/>
               <a:t>Logos Partner </a:t>
             </a:r>
             <a:r>
-              <a:rPr lang="de-CH" dirty="0" err="1" smtClean="0"/>
+              <a:rPr lang="de-CH" dirty="0" err="1"/>
               <a:t>Universities</a:t>
             </a:r>
             <a:endParaRPr lang="de-CH" dirty="0"/>
@@ -9804,11 +9825,11 @@
           </a:lstStyle>
           <a:p>
             <a:r>
-              <a:rPr lang="de-CH" dirty="0" smtClean="0"/>
+              <a:rPr lang="de-CH" dirty="0"/>
               <a:t>Logos Partner </a:t>
             </a:r>
             <a:r>
-              <a:rPr lang="de-CH" dirty="0" err="1" smtClean="0"/>
+              <a:rPr lang="de-CH" dirty="0" err="1"/>
               <a:t>Universities</a:t>
             </a:r>
             <a:endParaRPr lang="de-CH" dirty="0"/>
@@ -9840,11 +9861,11 @@
           </a:lstStyle>
           <a:p>
             <a:r>
-              <a:rPr lang="de-CH" dirty="0" smtClean="0"/>
+              <a:rPr lang="de-CH" dirty="0"/>
               <a:t>Logos Partner </a:t>
             </a:r>
             <a:r>
-              <a:rPr lang="de-CH" dirty="0" err="1" smtClean="0"/>
+              <a:rPr lang="de-CH" dirty="0" err="1"/>
               <a:t>Universities</a:t>
             </a:r>
             <a:endParaRPr lang="de-CH" dirty="0"/>
@@ -9880,7 +9901,7 @@
           </a:lstStyle>
           <a:p>
             <a:r>
-              <a:rPr lang="de-CH" dirty="0" smtClean="0"/>
+              <a:rPr lang="de-CH" dirty="0"/>
               <a:t>Logos Sponsoring Partners</a:t>
             </a:r>
           </a:p>
@@ -9915,7 +9936,7 @@
           </a:lstStyle>
           <a:p>
             <a:r>
-              <a:rPr lang="de-CH" dirty="0" smtClean="0"/>
+              <a:rPr lang="de-CH" dirty="0"/>
               <a:t>Logos Sponsoring Partners</a:t>
             </a:r>
           </a:p>
@@ -9950,7 +9971,7 @@
           </a:lstStyle>
           <a:p>
             <a:r>
-              <a:rPr lang="de-CH" dirty="0" smtClean="0"/>
+              <a:rPr lang="de-CH" dirty="0"/>
               <a:t>Logos Sponsoring Partners</a:t>
             </a:r>
           </a:p>
@@ -9985,7 +10006,7 @@
           </a:lstStyle>
           <a:p>
             <a:r>
-              <a:rPr lang="de-CH" dirty="0" smtClean="0"/>
+              <a:rPr lang="de-CH" dirty="0"/>
               <a:t>Logos Sponsoring Partners</a:t>
             </a:r>
           </a:p>
@@ -10020,7 +10041,7 @@
           </a:lstStyle>
           <a:p>
             <a:r>
-              <a:rPr lang="de-CH" dirty="0" smtClean="0"/>
+              <a:rPr lang="de-CH" dirty="0"/>
               <a:t>Logos Sponsoring Partners</a:t>
             </a:r>
           </a:p>
@@ -10055,7 +10076,7 @@
           </a:lstStyle>
           <a:p>
             <a:r>
-              <a:rPr lang="de-CH" dirty="0" smtClean="0"/>
+              <a:rPr lang="de-CH" dirty="0"/>
               <a:t>Logos Sponsoring Partners</a:t>
             </a:r>
           </a:p>
@@ -10128,7 +10149,7 @@
           <a:lstStyle/>
           <a:p>
             <a:r>
-              <a:rPr lang="de-DE" dirty="0" smtClean="0"/>
+              <a:rPr lang="de-DE" dirty="0"/>
               <a:t>Titelmasterformat durch Klicken bearbeiten</a:t>
             </a:r>
             <a:endParaRPr lang="de-CH" dirty="0"/>
@@ -10162,35 +10183,35 @@
           <a:p>
             <a:pPr lvl="0"/>
             <a:r>
-              <a:rPr lang="de-DE" dirty="0" smtClean="0"/>
+              <a:rPr lang="de-DE" dirty="0"/>
               <a:t>Textmasterformat bearbeiten</a:t>
             </a:r>
           </a:p>
           <a:p>
             <a:pPr lvl="1"/>
             <a:r>
-              <a:rPr lang="de-DE" dirty="0" smtClean="0"/>
+              <a:rPr lang="de-DE" dirty="0"/>
               <a:t>Zweite Ebene</a:t>
             </a:r>
           </a:p>
           <a:p>
             <a:pPr lvl="2"/>
             <a:r>
-              <a:rPr lang="de-DE" dirty="0" smtClean="0"/>
+              <a:rPr lang="de-DE" dirty="0"/>
               <a:t>Dritte Ebene</a:t>
             </a:r>
           </a:p>
           <a:p>
             <a:pPr lvl="3"/>
             <a:r>
-              <a:rPr lang="de-DE" dirty="0" smtClean="0"/>
+              <a:rPr lang="de-DE" dirty="0"/>
               <a:t>Vierte Ebene</a:t>
             </a:r>
           </a:p>
           <a:p>
             <a:pPr lvl="4"/>
             <a:r>
-              <a:rPr lang="de-DE" dirty="0" smtClean="0"/>
+              <a:rPr lang="de-DE" dirty="0"/>
               <a:t>Fünfte Ebene</a:t>
             </a:r>
             <a:endParaRPr lang="de-CH" dirty="0"/>
@@ -12911,7 +12932,7 @@
           <a:lstStyle/>
           <a:p>
             <a:r>
-              <a:rPr lang="de-DE" dirty="0" smtClean="0"/>
+              <a:rPr lang="de-DE" dirty="0"/>
               <a:t>Titelmasterformat durch Klicken bearbeiten</a:t>
             </a:r>
             <a:endParaRPr lang="de-CH" dirty="0"/>
@@ -12945,35 +12966,35 @@
           <a:p>
             <a:pPr lvl="0"/>
             <a:r>
-              <a:rPr lang="de-DE" dirty="0" smtClean="0"/>
+              <a:rPr lang="de-DE" dirty="0"/>
               <a:t>Textmasterformat bearbeiten</a:t>
             </a:r>
           </a:p>
           <a:p>
             <a:pPr lvl="1"/>
             <a:r>
-              <a:rPr lang="de-DE" dirty="0" smtClean="0"/>
+              <a:rPr lang="de-DE" dirty="0"/>
               <a:t>Zweite Ebene</a:t>
             </a:r>
           </a:p>
           <a:p>
             <a:pPr lvl="2"/>
             <a:r>
-              <a:rPr lang="de-DE" dirty="0" smtClean="0"/>
+              <a:rPr lang="de-DE" dirty="0"/>
               <a:t>Dritte Ebene</a:t>
             </a:r>
           </a:p>
           <a:p>
             <a:pPr lvl="3"/>
             <a:r>
-              <a:rPr lang="de-DE" dirty="0" smtClean="0"/>
+              <a:rPr lang="de-DE" dirty="0"/>
               <a:t>Vierte Ebene</a:t>
             </a:r>
           </a:p>
           <a:p>
             <a:pPr lvl="4"/>
             <a:r>
-              <a:rPr lang="de-DE" dirty="0" smtClean="0"/>
+              <a:rPr lang="de-DE" dirty="0"/>
               <a:t>Fünfte Ebene</a:t>
             </a:r>
             <a:endParaRPr lang="de-CH" dirty="0"/>
@@ -15694,7 +15715,7 @@
           <a:lstStyle/>
           <a:p>
             <a:r>
-              <a:rPr lang="de-DE" dirty="0" smtClean="0"/>
+              <a:rPr lang="de-DE" dirty="0"/>
               <a:t>Titelmasterformat durch Klicken bearbeiten</a:t>
             </a:r>
             <a:endParaRPr lang="de-CH" dirty="0"/>
@@ -15728,35 +15749,35 @@
           <a:p>
             <a:pPr lvl="0"/>
             <a:r>
-              <a:rPr lang="de-DE" dirty="0" smtClean="0"/>
+              <a:rPr lang="de-DE" dirty="0"/>
               <a:t>Textmasterformat bearbeiten</a:t>
             </a:r>
           </a:p>
           <a:p>
             <a:pPr lvl="1"/>
             <a:r>
-              <a:rPr lang="de-DE" dirty="0" smtClean="0"/>
+              <a:rPr lang="de-DE" dirty="0"/>
               <a:t>Zweite Ebene</a:t>
             </a:r>
           </a:p>
           <a:p>
             <a:pPr lvl="2"/>
             <a:r>
-              <a:rPr lang="de-DE" dirty="0" smtClean="0"/>
+              <a:rPr lang="de-DE" dirty="0"/>
               <a:t>Dritte Ebene</a:t>
             </a:r>
           </a:p>
           <a:p>
             <a:pPr lvl="3"/>
             <a:r>
-              <a:rPr lang="de-DE" dirty="0" smtClean="0"/>
+              <a:rPr lang="de-DE" dirty="0"/>
               <a:t>Vierte Ebene</a:t>
             </a:r>
           </a:p>
           <a:p>
             <a:pPr lvl="4"/>
             <a:r>
-              <a:rPr lang="de-DE" dirty="0" smtClean="0"/>
+              <a:rPr lang="de-DE" dirty="0"/>
               <a:t>Fünfte Ebene</a:t>
             </a:r>
             <a:endParaRPr lang="de-CH" dirty="0"/>
@@ -18477,7 +18498,7 @@
           <a:lstStyle/>
           <a:p>
             <a:r>
-              <a:rPr lang="de-DE" dirty="0" smtClean="0"/>
+              <a:rPr lang="de-DE" dirty="0"/>
               <a:t>Titelmasterformat durch Klicken bearbeiten</a:t>
             </a:r>
             <a:endParaRPr lang="de-CH" dirty="0"/>
@@ -18511,35 +18532,35 @@
           <a:p>
             <a:pPr lvl="0"/>
             <a:r>
-              <a:rPr lang="de-DE" dirty="0" smtClean="0"/>
+              <a:rPr lang="de-DE" dirty="0"/>
               <a:t>Textmasterformat bearbeiten</a:t>
             </a:r>
           </a:p>
           <a:p>
             <a:pPr lvl="1"/>
             <a:r>
-              <a:rPr lang="de-DE" dirty="0" smtClean="0"/>
+              <a:rPr lang="de-DE" dirty="0"/>
               <a:t>Zweite Ebene</a:t>
             </a:r>
           </a:p>
           <a:p>
             <a:pPr lvl="2"/>
             <a:r>
-              <a:rPr lang="de-DE" dirty="0" smtClean="0"/>
+              <a:rPr lang="de-DE" dirty="0"/>
               <a:t>Dritte Ebene</a:t>
             </a:r>
           </a:p>
           <a:p>
             <a:pPr lvl="3"/>
             <a:r>
-              <a:rPr lang="de-DE" dirty="0" smtClean="0"/>
+              <a:rPr lang="de-DE" dirty="0"/>
               <a:t>Vierte Ebene</a:t>
             </a:r>
           </a:p>
           <a:p>
             <a:pPr lvl="4"/>
             <a:r>
-              <a:rPr lang="de-DE" dirty="0" smtClean="0"/>
+              <a:rPr lang="de-DE" dirty="0"/>
               <a:t>Fünfte Ebene</a:t>
             </a:r>
             <a:endParaRPr lang="de-CH" dirty="0"/>
@@ -21260,7 +21281,7 @@
           <a:lstStyle/>
           <a:p>
             <a:r>
-              <a:rPr lang="de-DE" dirty="0" smtClean="0"/>
+              <a:rPr lang="de-DE" dirty="0"/>
               <a:t>Titelmasterformat durch Klicken bearbeiten</a:t>
             </a:r>
             <a:endParaRPr lang="de-CH" dirty="0"/>
@@ -21294,35 +21315,35 @@
           <a:p>
             <a:pPr lvl="0"/>
             <a:r>
-              <a:rPr lang="de-DE" dirty="0" smtClean="0"/>
+              <a:rPr lang="de-DE" dirty="0"/>
               <a:t>Textmasterformat bearbeiten</a:t>
             </a:r>
           </a:p>
           <a:p>
             <a:pPr lvl="1"/>
             <a:r>
-              <a:rPr lang="de-DE" dirty="0" smtClean="0"/>
+              <a:rPr lang="de-DE" dirty="0"/>
               <a:t>Zweite Ebene</a:t>
             </a:r>
           </a:p>
           <a:p>
             <a:pPr lvl="2"/>
             <a:r>
-              <a:rPr lang="de-DE" dirty="0" smtClean="0"/>
+              <a:rPr lang="de-DE" dirty="0"/>
               <a:t>Dritte Ebene</a:t>
             </a:r>
           </a:p>
           <a:p>
             <a:pPr lvl="3"/>
             <a:r>
-              <a:rPr lang="de-DE" dirty="0" smtClean="0"/>
+              <a:rPr lang="de-DE" dirty="0"/>
               <a:t>Vierte Ebene</a:t>
             </a:r>
           </a:p>
           <a:p>
             <a:pPr lvl="4"/>
             <a:r>
-              <a:rPr lang="de-DE" dirty="0" smtClean="0"/>
+              <a:rPr lang="de-DE" dirty="0"/>
               <a:t>Fünfte Ebene</a:t>
             </a:r>
             <a:endParaRPr lang="de-CH" dirty="0"/>
@@ -24043,7 +24064,7 @@
           <a:lstStyle/>
           <a:p>
             <a:r>
-              <a:rPr lang="de-DE" dirty="0" smtClean="0"/>
+              <a:rPr lang="de-DE" dirty="0"/>
               <a:t>Titelmasterformat durch Klicken bearbeiten</a:t>
             </a:r>
             <a:endParaRPr lang="de-CH" dirty="0"/>
@@ -24077,35 +24098,35 @@
           <a:p>
             <a:pPr lvl="0"/>
             <a:r>
-              <a:rPr lang="de-DE" dirty="0" smtClean="0"/>
+              <a:rPr lang="de-DE" dirty="0"/>
               <a:t>Textmasterformat bearbeiten</a:t>
             </a:r>
           </a:p>
           <a:p>
             <a:pPr lvl="1"/>
             <a:r>
-              <a:rPr lang="de-DE" dirty="0" smtClean="0"/>
+              <a:rPr lang="de-DE" dirty="0"/>
               <a:t>Zweite Ebene</a:t>
             </a:r>
           </a:p>
           <a:p>
             <a:pPr lvl="2"/>
             <a:r>
-              <a:rPr lang="de-DE" dirty="0" smtClean="0"/>
+              <a:rPr lang="de-DE" dirty="0"/>
               <a:t>Dritte Ebene</a:t>
             </a:r>
           </a:p>
           <a:p>
             <a:pPr lvl="3"/>
             <a:r>
-              <a:rPr lang="de-DE" dirty="0" smtClean="0"/>
+              <a:rPr lang="de-DE" dirty="0"/>
               <a:t>Vierte Ebene</a:t>
             </a:r>
           </a:p>
           <a:p>
             <a:pPr lvl="4"/>
             <a:r>
-              <a:rPr lang="de-DE" dirty="0" smtClean="0"/>
+              <a:rPr lang="de-DE" dirty="0"/>
               <a:t>Fünfte Ebene</a:t>
             </a:r>
             <a:endParaRPr lang="de-CH" dirty="0"/>
@@ -26826,7 +26847,7 @@
           <a:lstStyle/>
           <a:p>
             <a:r>
-              <a:rPr lang="de-DE" dirty="0" smtClean="0"/>
+              <a:rPr lang="de-DE" dirty="0"/>
               <a:t>Titelmasterformat durch Klicken bearbeiten</a:t>
             </a:r>
             <a:endParaRPr lang="de-CH" dirty="0"/>
@@ -26860,35 +26881,35 @@
           <a:p>
             <a:pPr lvl="0"/>
             <a:r>
-              <a:rPr lang="de-DE" dirty="0" smtClean="0"/>
+              <a:rPr lang="de-DE" dirty="0"/>
               <a:t>Textmasterformat bearbeiten</a:t>
             </a:r>
           </a:p>
           <a:p>
             <a:pPr lvl="1"/>
             <a:r>
-              <a:rPr lang="de-DE" dirty="0" smtClean="0"/>
+              <a:rPr lang="de-DE" dirty="0"/>
               <a:t>Zweite Ebene</a:t>
             </a:r>
           </a:p>
           <a:p>
             <a:pPr lvl="2"/>
             <a:r>
-              <a:rPr lang="de-DE" dirty="0" smtClean="0"/>
+              <a:rPr lang="de-DE" dirty="0"/>
               <a:t>Dritte Ebene</a:t>
             </a:r>
           </a:p>
           <a:p>
             <a:pPr lvl="3"/>
             <a:r>
-              <a:rPr lang="de-DE" dirty="0" smtClean="0"/>
+              <a:rPr lang="de-DE" dirty="0"/>
               <a:t>Vierte Ebene</a:t>
             </a:r>
           </a:p>
           <a:p>
             <a:pPr lvl="4"/>
             <a:r>
-              <a:rPr lang="de-DE" dirty="0" smtClean="0"/>
+              <a:rPr lang="de-DE" dirty="0"/>
               <a:t>Fünfte Ebene</a:t>
             </a:r>
             <a:endParaRPr lang="de-CH" dirty="0"/>
@@ -29609,7 +29630,7 @@
           <a:lstStyle/>
           <a:p>
             <a:r>
-              <a:rPr lang="de-DE" dirty="0" smtClean="0"/>
+              <a:rPr lang="de-DE" dirty="0"/>
               <a:t>Titelmasterformat durch Klicken bearbeiten</a:t>
             </a:r>
             <a:endParaRPr lang="de-CH" dirty="0"/>
@@ -29643,35 +29664,35 @@
           <a:p>
             <a:pPr lvl="0"/>
             <a:r>
-              <a:rPr lang="de-DE" dirty="0" smtClean="0"/>
+              <a:rPr lang="de-DE" dirty="0"/>
               <a:t>Textmasterformat bearbeiten</a:t>
             </a:r>
           </a:p>
           <a:p>
             <a:pPr lvl="1"/>
             <a:r>
-              <a:rPr lang="de-DE" dirty="0" smtClean="0"/>
+              <a:rPr lang="de-DE" dirty="0"/>
               <a:t>Zweite Ebene</a:t>
             </a:r>
           </a:p>
           <a:p>
             <a:pPr lvl="2"/>
             <a:r>
-              <a:rPr lang="de-DE" dirty="0" smtClean="0"/>
+              <a:rPr lang="de-DE" dirty="0"/>
               <a:t>Dritte Ebene</a:t>
             </a:r>
           </a:p>
           <a:p>
             <a:pPr lvl="3"/>
             <a:r>
-              <a:rPr lang="de-DE" dirty="0" smtClean="0"/>
+              <a:rPr lang="de-DE" dirty="0"/>
               <a:t>Vierte Ebene</a:t>
             </a:r>
           </a:p>
           <a:p>
             <a:pPr lvl="4"/>
             <a:r>
-              <a:rPr lang="de-DE" dirty="0" smtClean="0"/>
+              <a:rPr lang="de-DE" dirty="0"/>
               <a:t>Fünfte Ebene</a:t>
             </a:r>
             <a:endParaRPr lang="de-CH" dirty="0"/>
@@ -32392,7 +32413,7 @@
           <a:lstStyle/>
           <a:p>
             <a:r>
-              <a:rPr lang="de-DE" dirty="0" smtClean="0"/>
+              <a:rPr lang="de-DE" dirty="0"/>
               <a:t>Titelmasterformat durch Klicken bearbeiten</a:t>
             </a:r>
             <a:endParaRPr lang="de-CH" dirty="0"/>
@@ -32426,35 +32447,35 @@
           <a:p>
             <a:pPr lvl="0"/>
             <a:r>
-              <a:rPr lang="de-DE" dirty="0" smtClean="0"/>
+              <a:rPr lang="de-DE" dirty="0"/>
               <a:t>Textmasterformat bearbeiten</a:t>
             </a:r>
           </a:p>
           <a:p>
             <a:pPr lvl="1"/>
             <a:r>
-              <a:rPr lang="de-DE" dirty="0" smtClean="0"/>
+              <a:rPr lang="de-DE" dirty="0"/>
               <a:t>Zweite Ebene</a:t>
             </a:r>
           </a:p>
           <a:p>
             <a:pPr lvl="2"/>
             <a:r>
-              <a:rPr lang="de-DE" dirty="0" smtClean="0"/>
+              <a:rPr lang="de-DE" dirty="0"/>
               <a:t>Dritte Ebene</a:t>
             </a:r>
           </a:p>
           <a:p>
             <a:pPr lvl="3"/>
             <a:r>
-              <a:rPr lang="de-DE" dirty="0" smtClean="0"/>
+              <a:rPr lang="de-DE" dirty="0"/>
               <a:t>Vierte Ebene</a:t>
             </a:r>
           </a:p>
           <a:p>
             <a:pPr lvl="4"/>
             <a:r>
-              <a:rPr lang="de-DE" dirty="0" smtClean="0"/>
+              <a:rPr lang="de-DE" dirty="0"/>
               <a:t>Fünfte Ebene</a:t>
             </a:r>
             <a:endParaRPr lang="de-CH" dirty="0"/>
@@ -35175,7 +35196,7 @@
           <a:lstStyle/>
           <a:p>
             <a:r>
-              <a:rPr lang="de-DE" dirty="0" smtClean="0"/>
+              <a:rPr lang="de-DE" dirty="0"/>
               <a:t>Titelmasterformat durch Klicken bearbeiten</a:t>
             </a:r>
             <a:endParaRPr lang="de-CH" dirty="0"/>
@@ -35209,35 +35230,35 @@
           <a:p>
             <a:pPr lvl="0"/>
             <a:r>
-              <a:rPr lang="de-DE" dirty="0" smtClean="0"/>
+              <a:rPr lang="de-DE" dirty="0"/>
               <a:t>Textmasterformat bearbeiten</a:t>
             </a:r>
           </a:p>
           <a:p>
             <a:pPr lvl="1"/>
             <a:r>
-              <a:rPr lang="de-DE" dirty="0" smtClean="0"/>
+              <a:rPr lang="de-DE" dirty="0"/>
               <a:t>Zweite Ebene</a:t>
             </a:r>
           </a:p>
           <a:p>
             <a:pPr lvl="2"/>
             <a:r>
-              <a:rPr lang="de-DE" dirty="0" smtClean="0"/>
+              <a:rPr lang="de-DE" dirty="0"/>
               <a:t>Dritte Ebene</a:t>
             </a:r>
           </a:p>
           <a:p>
             <a:pPr lvl="3"/>
             <a:r>
-              <a:rPr lang="de-DE" dirty="0" smtClean="0"/>
+              <a:rPr lang="de-DE" dirty="0"/>
               <a:t>Vierte Ebene</a:t>
             </a:r>
           </a:p>
           <a:p>
             <a:pPr lvl="4"/>
             <a:r>
-              <a:rPr lang="de-DE" dirty="0" smtClean="0"/>
+              <a:rPr lang="de-DE" dirty="0"/>
               <a:t>Fünfte Ebene</a:t>
             </a:r>
             <a:endParaRPr lang="de-CH" dirty="0"/>
@@ -37958,7 +37979,7 @@
           <a:lstStyle/>
           <a:p>
             <a:r>
-              <a:rPr lang="de-DE" dirty="0" smtClean="0"/>
+              <a:rPr lang="de-DE" dirty="0"/>
               <a:t>Titelmasterformat durch Klicken bearbeiten</a:t>
             </a:r>
             <a:endParaRPr lang="de-CH" dirty="0"/>
@@ -37992,35 +38013,35 @@
           <a:p>
             <a:pPr lvl="0"/>
             <a:r>
-              <a:rPr lang="de-DE" dirty="0" smtClean="0"/>
+              <a:rPr lang="de-DE" dirty="0"/>
               <a:t>Textmasterformat bearbeiten</a:t>
             </a:r>
           </a:p>
           <a:p>
             <a:pPr lvl="1"/>
             <a:r>
-              <a:rPr lang="de-DE" dirty="0" smtClean="0"/>
+              <a:rPr lang="de-DE" dirty="0"/>
               <a:t>Zweite Ebene</a:t>
             </a:r>
           </a:p>
           <a:p>
             <a:pPr lvl="2"/>
             <a:r>
-              <a:rPr lang="de-DE" dirty="0" smtClean="0"/>
+              <a:rPr lang="de-DE" dirty="0"/>
               <a:t>Dritte Ebene</a:t>
             </a:r>
           </a:p>
           <a:p>
             <a:pPr lvl="3"/>
             <a:r>
-              <a:rPr lang="de-DE" dirty="0" smtClean="0"/>
+              <a:rPr lang="de-DE" dirty="0"/>
               <a:t>Vierte Ebene</a:t>
             </a:r>
           </a:p>
           <a:p>
             <a:pPr lvl="4"/>
             <a:r>
-              <a:rPr lang="de-DE" dirty="0" smtClean="0"/>
+              <a:rPr lang="de-DE" dirty="0"/>
               <a:t>Fünfte Ebene</a:t>
             </a:r>
             <a:endParaRPr lang="de-CH" dirty="0"/>
@@ -40741,7 +40762,7 @@
           <a:lstStyle/>
           <a:p>
             <a:r>
-              <a:rPr lang="de-DE" dirty="0" smtClean="0"/>
+              <a:rPr lang="de-DE" dirty="0"/>
               <a:t>Titelmasterformat durch Klicken bearbeiten</a:t>
             </a:r>
             <a:endParaRPr lang="de-CH" dirty="0"/>
@@ -40775,35 +40796,35 @@
           <a:p>
             <a:pPr lvl="0"/>
             <a:r>
-              <a:rPr lang="de-DE" dirty="0" smtClean="0"/>
+              <a:rPr lang="de-DE" dirty="0"/>
               <a:t>Textmasterformat bearbeiten</a:t>
             </a:r>
           </a:p>
           <a:p>
             <a:pPr lvl="1"/>
             <a:r>
-              <a:rPr lang="de-DE" dirty="0" smtClean="0"/>
+              <a:rPr lang="de-DE" dirty="0"/>
               <a:t>Zweite Ebene</a:t>
             </a:r>
           </a:p>
           <a:p>
             <a:pPr lvl="2"/>
             <a:r>
-              <a:rPr lang="de-DE" dirty="0" smtClean="0"/>
+              <a:rPr lang="de-DE" dirty="0"/>
               <a:t>Dritte Ebene</a:t>
             </a:r>
           </a:p>
           <a:p>
             <a:pPr lvl="3"/>
             <a:r>
-              <a:rPr lang="de-DE" dirty="0" smtClean="0"/>
+              <a:rPr lang="de-DE" dirty="0"/>
               <a:t>Vierte Ebene</a:t>
             </a:r>
           </a:p>
           <a:p>
             <a:pPr lvl="4"/>
             <a:r>
-              <a:rPr lang="de-DE" dirty="0" smtClean="0"/>
+              <a:rPr lang="de-DE" dirty="0"/>
               <a:t>Fünfte Ebene</a:t>
             </a:r>
             <a:endParaRPr lang="de-CH" dirty="0"/>
@@ -43524,7 +43545,7 @@
           <a:lstStyle/>
           <a:p>
             <a:r>
-              <a:rPr lang="de-DE" dirty="0" smtClean="0"/>
+              <a:rPr lang="de-DE" dirty="0"/>
               <a:t>Titelmasterformat durch Klicken bearbeiten</a:t>
             </a:r>
             <a:endParaRPr lang="de-CH" dirty="0"/>
@@ -43558,35 +43579,35 @@
           <a:p>
             <a:pPr lvl="0"/>
             <a:r>
-              <a:rPr lang="de-DE" dirty="0" smtClean="0"/>
+              <a:rPr lang="de-DE" dirty="0"/>
               <a:t>Textmasterformat bearbeiten</a:t>
             </a:r>
           </a:p>
           <a:p>
             <a:pPr lvl="1"/>
             <a:r>
-              <a:rPr lang="de-DE" dirty="0" smtClean="0"/>
+              <a:rPr lang="de-DE" dirty="0"/>
               <a:t>Zweite Ebene</a:t>
             </a:r>
           </a:p>
           <a:p>
             <a:pPr lvl="2"/>
             <a:r>
-              <a:rPr lang="de-DE" dirty="0" smtClean="0"/>
+              <a:rPr lang="de-DE" dirty="0"/>
               <a:t>Dritte Ebene</a:t>
             </a:r>
           </a:p>
           <a:p>
             <a:pPr lvl="3"/>
             <a:r>
-              <a:rPr lang="de-DE" dirty="0" smtClean="0"/>
+              <a:rPr lang="de-DE" dirty="0"/>
               <a:t>Vierte Ebene</a:t>
             </a:r>
           </a:p>
           <a:p>
             <a:pPr lvl="4"/>
             <a:r>
-              <a:rPr lang="de-DE" dirty="0" smtClean="0"/>
+              <a:rPr lang="de-DE" dirty="0"/>
               <a:t>Fünfte Ebene</a:t>
             </a:r>
             <a:endParaRPr lang="de-CH" dirty="0"/>
@@ -46307,7 +46328,7 @@
           <a:lstStyle/>
           <a:p>
             <a:r>
-              <a:rPr lang="de-DE" dirty="0" smtClean="0"/>
+              <a:rPr lang="de-DE" dirty="0"/>
               <a:t>Titelmasterformat durch Klicken bearbeiten</a:t>
             </a:r>
             <a:endParaRPr lang="de-CH" dirty="0"/>
@@ -46341,35 +46362,35 @@
           <a:p>
             <a:pPr lvl="0"/>
             <a:r>
-              <a:rPr lang="de-DE" dirty="0" smtClean="0"/>
+              <a:rPr lang="de-DE" dirty="0"/>
               <a:t>Textmasterformat bearbeiten</a:t>
             </a:r>
           </a:p>
           <a:p>
             <a:pPr lvl="1"/>
             <a:r>
-              <a:rPr lang="de-DE" dirty="0" smtClean="0"/>
+              <a:rPr lang="de-DE" dirty="0"/>
               <a:t>Zweite Ebene</a:t>
             </a:r>
           </a:p>
           <a:p>
             <a:pPr lvl="2"/>
             <a:r>
-              <a:rPr lang="de-DE" dirty="0" smtClean="0"/>
+              <a:rPr lang="de-DE" dirty="0"/>
               <a:t>Dritte Ebene</a:t>
             </a:r>
           </a:p>
           <a:p>
             <a:pPr lvl="3"/>
             <a:r>
-              <a:rPr lang="de-DE" dirty="0" smtClean="0"/>
+              <a:rPr lang="de-DE" dirty="0"/>
               <a:t>Vierte Ebene</a:t>
             </a:r>
           </a:p>
           <a:p>
             <a:pPr lvl="4"/>
             <a:r>
-              <a:rPr lang="de-DE" dirty="0" smtClean="0"/>
+              <a:rPr lang="de-DE" dirty="0"/>
               <a:t>Fünfte Ebene</a:t>
             </a:r>
             <a:endParaRPr lang="de-CH" dirty="0"/>
@@ -49705,31 +49726,19 @@
           <a:lstStyle/>
           <a:p>
             <a:r>
-              <a:rPr lang="en-US" b="0" dirty="0" smtClean="0"/>
-              <a:t>Omni-directional </a:t>
-            </a:r>
-            <a:r>
               <a:rPr lang="en-US" b="0" dirty="0"/>
-              <a:t>stereo for </a:t>
-            </a:r>
-            <a:r>
-              <a:rPr lang="en-US" b="0" dirty="0" smtClean="0"/>
-              <a:t>360° </a:t>
-            </a:r>
-            <a:r>
-              <a:rPr lang="en-US" b="0" dirty="0"/>
-              <a:t>3D virtual reality video</a:t>
+              <a:t>Omni-directional stereo for 360° 3D virtual reality video</a:t>
             </a:r>
             <a:endParaRPr lang="en-US" dirty="0"/>
           </a:p>
           <a:p>
             <a:pPr lvl="1"/>
             <a:r>
-              <a:rPr lang="en-US" b="1" dirty="0" smtClean="0"/>
+              <a:rPr lang="en-US" b="1" dirty="0"/>
               <a:t>Sasha Pagani</a:t>
             </a:r>
             <a:r>
-              <a:rPr lang="en-US" b="1" baseline="30000" dirty="0" smtClean="0"/>
+              <a:rPr lang="en-US" b="1" baseline="30000" dirty="0"/>
               <a:t>1</a:t>
             </a:r>
             <a:r>
@@ -49737,7 +49746,7 @@
               <a:t>, </a:t>
             </a:r>
             <a:r>
-              <a:rPr lang="en-US" b="1" dirty="0" smtClean="0"/>
+              <a:rPr lang="en-US" b="1" dirty="0"/>
               <a:t>Julia Giger</a:t>
             </a:r>
             <a:r>
@@ -49745,11 +49754,11 @@
               <a:t>1</a:t>
             </a:r>
             <a:r>
-              <a:rPr lang="en-US" dirty="0" smtClean="0"/>
+              <a:rPr lang="en-US" dirty="0"/>
               <a:t>, </a:t>
             </a:r>
             <a:r>
-              <a:rPr lang="en-US" b="1" dirty="0" smtClean="0"/>
+              <a:rPr lang="en-US" b="1" dirty="0"/>
               <a:t>Prashanth Chandran</a:t>
             </a:r>
             <a:r>
@@ -49757,59 +49766,46 @@
               <a:t>1</a:t>
             </a:r>
             <a:r>
-              <a:rPr lang="en-US" dirty="0" smtClean="0"/>
+              <a:rPr lang="en-US" dirty="0"/>
               <a:t> supervised by </a:t>
             </a:r>
             <a:r>
-              <a:rPr lang="en-US" b="1" dirty="0" smtClean="0"/>
+              <a:rPr lang="en-US" b="1" dirty="0"/>
               <a:t>Johannes </a:t>
             </a:r>
             <a:r>
-              <a:rPr lang="en-US" b="1" dirty="0" err="1" smtClean="0"/>
+              <a:rPr lang="en-US" b="1" dirty="0" err="1"/>
               <a:t>Schönberger</a:t>
             </a:r>
             <a:r>
-              <a:rPr lang="en-US" dirty="0" smtClean="0"/>
+              <a:rPr lang="en-US" dirty="0"/>
               <a:t> </a:t>
             </a:r>
             <a:r>
-              <a:rPr lang="en-US" baseline="30000" dirty="0" smtClean="0"/>
+              <a:rPr lang="en-US" baseline="30000" dirty="0"/>
               <a:t>2</a:t>
             </a:r>
-            <a:endParaRPr lang="en-US" baseline="30000" dirty="0"/>
           </a:p>
           <a:p>
             <a:pPr lvl="1"/>
             <a:r>
-              <a:rPr lang="en-US" b="1" baseline="30000" dirty="0" smtClean="0"/>
+              <a:rPr lang="en-US" b="1" baseline="30000" dirty="0"/>
               <a:t>1</a:t>
             </a:r>
             <a:r>
-              <a:rPr lang="en-US" b="1" dirty="0" smtClean="0"/>
-              <a:t>Master Students, </a:t>
-            </a:r>
-            <a:r>
               <a:rPr lang="en-US" b="1" dirty="0"/>
-              <a:t>ETH </a:t>
-            </a:r>
-            <a:r>
-              <a:rPr lang="en-US" b="1" dirty="0" smtClean="0"/>
-              <a:t>Zurich</a:t>
+              <a:t>Master Students, ETH Zurich</a:t>
             </a:r>
             <a:r>
               <a:rPr lang="en-US" dirty="0"/>
-              <a:t>;</a:t>
-            </a:r>
-            <a:r>
-              <a:rPr lang="en-US" dirty="0" smtClean="0"/>
-              <a:t> </a:t>
-            </a:r>
-            <a:r>
-              <a:rPr lang="en-US" baseline="30000" dirty="0" smtClean="0"/>
+              <a:t>; </a:t>
+            </a:r>
+            <a:r>
+              <a:rPr lang="en-US" baseline="30000" dirty="0"/>
               <a:t>2</a:t>
             </a:r>
             <a:r>
-              <a:rPr lang="en-US" b="1" dirty="0" smtClean="0"/>
+              <a:rPr lang="en-US" b="1" dirty="0"/>
               <a:t>Computer Vision and Geometry Group, ETH Zürich</a:t>
             </a:r>
             <a:endParaRPr lang="de-CH" b="1" dirty="0"/>
@@ -50077,15 +50073,7 @@
                   <a:schemeClr val="tx2"/>
                 </a:solidFill>
               </a:rPr>
-              <a:t>d</a:t>
-            </a:r>
-            <a:r>
-              <a:rPr lang="de-CH" dirty="0" err="1" smtClean="0">
-                <a:solidFill>
-                  <a:schemeClr val="tx2"/>
-                </a:solidFill>
-              </a:rPr>
-              <a:t>iscussion</a:t>
+              <a:t>discussion</a:t>
             </a:r>
             <a:endParaRPr lang="de-CH" dirty="0">
               <a:solidFill>
@@ -50201,23 +50189,7 @@
                   <a:schemeClr val="accent1"/>
                 </a:solidFill>
               </a:rPr>
-              <a:t>Fig. 1</a:t>
-            </a:r>
-            <a:r>
-              <a:rPr lang="en-US" sz="600" b="1" dirty="0" smtClean="0">
-                <a:solidFill>
-                  <a:schemeClr val="accent1"/>
-                </a:solidFill>
-              </a:rPr>
-              <a:t>. </a:t>
-            </a:r>
-            <a:r>
-              <a:rPr lang="en-US" sz="600" dirty="0" smtClean="0">
-                <a:solidFill>
-                  <a:schemeClr val="accent1"/>
-                </a:solidFill>
-              </a:rPr>
-              <a:t>This </a:t>
+              <a:t>Fig. 1. </a:t>
             </a:r>
             <a:r>
               <a:rPr lang="en-US" sz="600" dirty="0">
@@ -50225,7 +50197,7 @@
                   <a:schemeClr val="accent1"/>
                 </a:solidFill>
               </a:rPr>
-              <a:t>is a dummy text. Far </a:t>
+              <a:t>This is a dummy text. Far </a:t>
             </a:r>
             <a:r>
               <a:rPr lang="en-US" sz="600" dirty="0" err="1">
@@ -50257,15 +50229,7 @@
                   <a:schemeClr val="accent1"/>
                 </a:solidFill>
               </a:rPr>
-              <a:t> </a:t>
-            </a:r>
-            <a:r>
-              <a:rPr lang="en-US" sz="600" dirty="0" smtClean="0">
-                <a:solidFill>
-                  <a:schemeClr val="accent1"/>
-                </a:solidFill>
-              </a:rPr>
-              <a:t>and</a:t>
+              <a:t> and</a:t>
             </a:r>
             <a:endParaRPr lang="de-CH" sz="600" dirty="0">
               <a:solidFill>
@@ -50300,15 +50264,69 @@
                 <a:tableStyleId>{5C22544A-7EE6-4342-B048-85BDC9FD1C3A}</a:tableStyleId>
               </a:tblPr>
               <a:tblGrid>
-                <a:gridCol w="1125045"/>
-                <a:gridCol w="340923"/>
-                <a:gridCol w="340923"/>
-                <a:gridCol w="340923"/>
-                <a:gridCol w="340923"/>
-                <a:gridCol w="340923"/>
-                <a:gridCol w="340923"/>
-                <a:gridCol w="340923"/>
-                <a:gridCol w="340923"/>
+                <a:gridCol w="1125045">
+                  <a:extLst>
+                    <a:ext uri="{9D8B030D-6E8A-4147-A177-3AD203B41FA5}">
+                      <a16:colId xmlns:a16="http://schemas.microsoft.com/office/drawing/2014/main" val="20000"/>
+                    </a:ext>
+                  </a:extLst>
+                </a:gridCol>
+                <a:gridCol w="340923">
+                  <a:extLst>
+                    <a:ext uri="{9D8B030D-6E8A-4147-A177-3AD203B41FA5}">
+                      <a16:colId xmlns:a16="http://schemas.microsoft.com/office/drawing/2014/main" val="20001"/>
+                    </a:ext>
+                  </a:extLst>
+                </a:gridCol>
+                <a:gridCol w="340923">
+                  <a:extLst>
+                    <a:ext uri="{9D8B030D-6E8A-4147-A177-3AD203B41FA5}">
+                      <a16:colId xmlns:a16="http://schemas.microsoft.com/office/drawing/2014/main" val="20002"/>
+                    </a:ext>
+                  </a:extLst>
+                </a:gridCol>
+                <a:gridCol w="340923">
+                  <a:extLst>
+                    <a:ext uri="{9D8B030D-6E8A-4147-A177-3AD203B41FA5}">
+                      <a16:colId xmlns:a16="http://schemas.microsoft.com/office/drawing/2014/main" val="20003"/>
+                    </a:ext>
+                  </a:extLst>
+                </a:gridCol>
+                <a:gridCol w="340923">
+                  <a:extLst>
+                    <a:ext uri="{9D8B030D-6E8A-4147-A177-3AD203B41FA5}">
+                      <a16:colId xmlns:a16="http://schemas.microsoft.com/office/drawing/2014/main" val="20004"/>
+                    </a:ext>
+                  </a:extLst>
+                </a:gridCol>
+                <a:gridCol w="340923">
+                  <a:extLst>
+                    <a:ext uri="{9D8B030D-6E8A-4147-A177-3AD203B41FA5}">
+                      <a16:colId xmlns:a16="http://schemas.microsoft.com/office/drawing/2014/main" val="20005"/>
+                    </a:ext>
+                  </a:extLst>
+                </a:gridCol>
+                <a:gridCol w="340923">
+                  <a:extLst>
+                    <a:ext uri="{9D8B030D-6E8A-4147-A177-3AD203B41FA5}">
+                      <a16:colId xmlns:a16="http://schemas.microsoft.com/office/drawing/2014/main" val="20006"/>
+                    </a:ext>
+                  </a:extLst>
+                </a:gridCol>
+                <a:gridCol w="340923">
+                  <a:extLst>
+                    <a:ext uri="{9D8B030D-6E8A-4147-A177-3AD203B41FA5}">
+                      <a16:colId xmlns:a16="http://schemas.microsoft.com/office/drawing/2014/main" val="20007"/>
+                    </a:ext>
+                  </a:extLst>
+                </a:gridCol>
+                <a:gridCol w="340923">
+                  <a:extLst>
+                    <a:ext uri="{9D8B030D-6E8A-4147-A177-3AD203B41FA5}">
+                      <a16:colId xmlns:a16="http://schemas.microsoft.com/office/drawing/2014/main" val="20008"/>
+                    </a:ext>
+                  </a:extLst>
+                </a:gridCol>
               </a:tblGrid>
               <a:tr h="141027">
                 <a:tc>
@@ -50317,7 +50335,7 @@
                     <a:lstStyle/>
                     <a:p>
                       <a:r>
-                        <a:rPr lang="de-CH" sz="600" dirty="0" smtClean="0">
+                        <a:rPr lang="de-CH" sz="600" dirty="0">
                           <a:solidFill>
                             <a:schemeClr val="accent1"/>
                           </a:solidFill>
@@ -50325,7 +50343,7 @@
                         <a:t>Table title </a:t>
                       </a:r>
                       <a:r>
-                        <a:rPr lang="de-CH" sz="600" dirty="0" err="1" smtClean="0">
+                        <a:rPr lang="de-CH" sz="600" dirty="0" err="1">
                           <a:solidFill>
                             <a:schemeClr val="accent1"/>
                           </a:solidFill>
@@ -50378,18 +50396,13 @@
                     <a:p>
                       <a:pPr algn="r"/>
                       <a:r>
-                        <a:rPr lang="de-CH" sz="600" dirty="0" smtClean="0">
+                        <a:rPr lang="de-CH" sz="600" dirty="0">
                           <a:solidFill>
                             <a:schemeClr val="accent1"/>
                           </a:solidFill>
                         </a:rPr>
                         <a:t>511</a:t>
                       </a:r>
-                      <a:endParaRPr lang="de-CH" sz="600" dirty="0">
-                        <a:solidFill>
-                          <a:schemeClr val="accent1"/>
-                        </a:solidFill>
-                      </a:endParaRPr>
                     </a:p>
                   </a:txBody>
                   <a:tcPr marL="50911" marR="50911" marT="25456" marB="50912">
@@ -50431,18 +50444,13 @@
                     <a:p>
                       <a:pPr algn="r"/>
                       <a:r>
-                        <a:rPr lang="de-CH" sz="600" dirty="0" smtClean="0">
+                        <a:rPr lang="de-CH" sz="600" dirty="0">
                           <a:solidFill>
                             <a:schemeClr val="accent1"/>
                           </a:solidFill>
                         </a:rPr>
                         <a:t>334</a:t>
                       </a:r>
-                      <a:endParaRPr lang="de-CH" sz="600" dirty="0">
-                        <a:solidFill>
-                          <a:schemeClr val="accent1"/>
-                        </a:solidFill>
-                      </a:endParaRPr>
                     </a:p>
                   </a:txBody>
                   <a:tcPr marL="50911" marR="50911" marT="25456" marB="50912">
@@ -50484,18 +50492,13 @@
                     <a:p>
                       <a:pPr algn="r"/>
                       <a:r>
-                        <a:rPr lang="de-CH" sz="600" dirty="0" smtClean="0">
+                        <a:rPr lang="de-CH" sz="600" dirty="0">
                           <a:solidFill>
                             <a:schemeClr val="accent1"/>
                           </a:solidFill>
                         </a:rPr>
                         <a:t>372</a:t>
                       </a:r>
-                      <a:endParaRPr lang="de-CH" sz="600" dirty="0">
-                        <a:solidFill>
-                          <a:schemeClr val="accent1"/>
-                        </a:solidFill>
-                      </a:endParaRPr>
                     </a:p>
                   </a:txBody>
                   <a:tcPr marL="50911" marR="50911" marT="25456" marB="50912">
@@ -50537,18 +50540,13 @@
                     <a:p>
                       <a:pPr algn="r"/>
                       <a:r>
-                        <a:rPr lang="de-CH" sz="600" dirty="0" smtClean="0">
+                        <a:rPr lang="de-CH" sz="600" dirty="0">
                           <a:solidFill>
                             <a:schemeClr val="accent1"/>
                           </a:solidFill>
                         </a:rPr>
                         <a:t>76</a:t>
                       </a:r>
-                      <a:endParaRPr lang="de-CH" sz="600" dirty="0">
-                        <a:solidFill>
-                          <a:schemeClr val="accent1"/>
-                        </a:solidFill>
-                      </a:endParaRPr>
                     </a:p>
                   </a:txBody>
                   <a:tcPr marL="50911" marR="50911" marT="25456" marB="50912">
@@ -50590,18 +50588,13 @@
                     <a:p>
                       <a:pPr algn="r"/>
                       <a:r>
-                        <a:rPr lang="de-CH" sz="600" dirty="0" smtClean="0">
+                        <a:rPr lang="de-CH" sz="600" dirty="0">
                           <a:solidFill>
                             <a:schemeClr val="accent1"/>
                           </a:solidFill>
                         </a:rPr>
                         <a:t>98</a:t>
                       </a:r>
-                      <a:endParaRPr lang="de-CH" sz="600" dirty="0">
-                        <a:solidFill>
-                          <a:schemeClr val="accent1"/>
-                        </a:solidFill>
-                      </a:endParaRPr>
                     </a:p>
                   </a:txBody>
                   <a:tcPr marL="50911" marR="50911" marT="25456" marB="50912">
@@ -50643,18 +50636,13 @@
                     <a:p>
                       <a:pPr algn="r"/>
                       <a:r>
-                        <a:rPr lang="de-CH" sz="600" dirty="0" smtClean="0">
+                        <a:rPr lang="de-CH" sz="600" dirty="0">
                           <a:solidFill>
                             <a:schemeClr val="accent1"/>
                           </a:solidFill>
                         </a:rPr>
                         <a:t>124</a:t>
                       </a:r>
-                      <a:endParaRPr lang="de-CH" sz="600" dirty="0">
-                        <a:solidFill>
-                          <a:schemeClr val="accent1"/>
-                        </a:solidFill>
-                      </a:endParaRPr>
                     </a:p>
                   </a:txBody>
                   <a:tcPr marL="50911" marR="50911" marT="25456" marB="50912">
@@ -50696,18 +50684,13 @@
                     <a:p>
                       <a:pPr algn="r"/>
                       <a:r>
-                        <a:rPr lang="de-CH" sz="600" dirty="0" smtClean="0">
+                        <a:rPr lang="de-CH" sz="600" dirty="0">
                           <a:solidFill>
                             <a:schemeClr val="accent1"/>
                           </a:solidFill>
                         </a:rPr>
                         <a:t>119</a:t>
                       </a:r>
-                      <a:endParaRPr lang="de-CH" sz="600" dirty="0">
-                        <a:solidFill>
-                          <a:schemeClr val="accent1"/>
-                        </a:solidFill>
-                      </a:endParaRPr>
                     </a:p>
                   </a:txBody>
                   <a:tcPr marL="50911" marR="50911" marT="25456" marB="50912">
@@ -50749,18 +50732,13 @@
                     <a:p>
                       <a:pPr algn="r"/>
                       <a:r>
-                        <a:rPr lang="de-CH" sz="600" dirty="0" smtClean="0">
+                        <a:rPr lang="de-CH" sz="600" dirty="0">
                           <a:solidFill>
                             <a:schemeClr val="accent1"/>
                           </a:solidFill>
                         </a:rPr>
                         <a:t>1218</a:t>
                       </a:r>
-                      <a:endParaRPr lang="de-CH" sz="600" dirty="0">
-                        <a:solidFill>
-                          <a:schemeClr val="accent1"/>
-                        </a:solidFill>
-                      </a:endParaRPr>
                     </a:p>
                   </a:txBody>
                   <a:tcPr marL="50911" marR="50911" marT="25456" marB="50912">
@@ -50795,6 +50773,11 @@
                     </a:solidFill>
                   </a:tcPr>
                 </a:tc>
+                <a:extLst>
+                  <a:ext uri="{0D108BD9-81ED-4DB2-BD59-A6C34878D82A}">
+                    <a16:rowId xmlns:a16="http://schemas.microsoft.com/office/drawing/2014/main" val="10000"/>
+                  </a:ext>
+                </a:extLst>
               </a:tr>
               <a:tr h="141027">
                 <a:tc>
@@ -50803,7 +50786,7 @@
                     <a:lstStyle/>
                     <a:p>
                       <a:r>
-                        <a:rPr lang="de-CH" sz="600" dirty="0" smtClean="0">
+                        <a:rPr lang="de-CH" sz="600" dirty="0">
                           <a:solidFill>
                             <a:schemeClr val="accent1"/>
                           </a:solidFill>
@@ -50811,7 +50794,7 @@
                         <a:t>Table title </a:t>
                       </a:r>
                       <a:r>
-                        <a:rPr lang="de-CH" sz="600" dirty="0" err="1" smtClean="0">
+                        <a:rPr lang="de-CH" sz="600" dirty="0" err="1">
                           <a:solidFill>
                             <a:schemeClr val="accent1"/>
                           </a:solidFill>
@@ -50870,18 +50853,13 @@
                     <a:p>
                       <a:pPr algn="r"/>
                       <a:r>
-                        <a:rPr lang="de-CH" sz="600" dirty="0" smtClean="0">
+                        <a:rPr lang="de-CH" sz="600" dirty="0">
                           <a:solidFill>
                             <a:schemeClr val="accent1"/>
                           </a:solidFill>
                         </a:rPr>
                         <a:t>64</a:t>
                       </a:r>
-                      <a:endParaRPr lang="de-CH" sz="600" dirty="0">
-                        <a:solidFill>
-                          <a:schemeClr val="accent1"/>
-                        </a:solidFill>
-                      </a:endParaRPr>
                     </a:p>
                   </a:txBody>
                   <a:tcPr marL="50911" marR="50911" marT="25456" marB="50912">
@@ -50929,18 +50907,13 @@
                     <a:p>
                       <a:pPr algn="r"/>
                       <a:r>
-                        <a:rPr lang="de-CH" sz="600" dirty="0" smtClean="0">
+                        <a:rPr lang="de-CH" sz="600" dirty="0">
                           <a:solidFill>
                             <a:schemeClr val="accent1"/>
                           </a:solidFill>
                         </a:rPr>
                         <a:t>64</a:t>
                       </a:r>
-                      <a:endParaRPr lang="de-CH" sz="600" dirty="0">
-                        <a:solidFill>
-                          <a:schemeClr val="accent1"/>
-                        </a:solidFill>
-                      </a:endParaRPr>
                     </a:p>
                   </a:txBody>
                   <a:tcPr marL="50911" marR="50911" marT="25456" marB="50912">
@@ -50988,18 +50961,13 @@
                     <a:p>
                       <a:pPr algn="r"/>
                       <a:r>
-                        <a:rPr lang="de-CH" sz="600" dirty="0" smtClean="0">
+                        <a:rPr lang="de-CH" sz="600" dirty="0">
                           <a:solidFill>
                             <a:schemeClr val="accent1"/>
                           </a:solidFill>
                         </a:rPr>
                         <a:t>41</a:t>
                       </a:r>
-                      <a:endParaRPr lang="de-CH" sz="600" dirty="0">
-                        <a:solidFill>
-                          <a:schemeClr val="accent1"/>
-                        </a:solidFill>
-                      </a:endParaRPr>
                     </a:p>
                   </a:txBody>
                   <a:tcPr marL="50911" marR="50911" marT="25456" marB="50912">
@@ -51047,18 +51015,13 @@
                     <a:p>
                       <a:pPr algn="r"/>
                       <a:r>
-                        <a:rPr lang="de-CH" sz="600" dirty="0" smtClean="0">
+                        <a:rPr lang="de-CH" sz="600" dirty="0">
                           <a:solidFill>
                             <a:schemeClr val="accent1"/>
                           </a:solidFill>
                         </a:rPr>
                         <a:t>14</a:t>
                       </a:r>
-                      <a:endParaRPr lang="de-CH" sz="600" dirty="0">
-                        <a:solidFill>
-                          <a:schemeClr val="accent1"/>
-                        </a:solidFill>
-                      </a:endParaRPr>
                     </a:p>
                   </a:txBody>
                   <a:tcPr marL="50911" marR="50911" marT="25456" marB="50912">
@@ -51106,18 +51069,13 @@
                     <a:p>
                       <a:pPr algn="r"/>
                       <a:r>
-                        <a:rPr lang="de-CH" sz="600" dirty="0" smtClean="0">
+                        <a:rPr lang="de-CH" sz="600" dirty="0">
                           <a:solidFill>
                             <a:schemeClr val="accent1"/>
                           </a:solidFill>
                         </a:rPr>
                         <a:t>22</a:t>
                       </a:r>
-                      <a:endParaRPr lang="de-CH" sz="600" dirty="0">
-                        <a:solidFill>
-                          <a:schemeClr val="accent1"/>
-                        </a:solidFill>
-                      </a:endParaRPr>
                     </a:p>
                   </a:txBody>
                   <a:tcPr marL="50911" marR="50911" marT="25456" marB="50912">
@@ -51165,18 +51123,13 @@
                     <a:p>
                       <a:pPr algn="r"/>
                       <a:r>
-                        <a:rPr lang="de-CH" sz="600" dirty="0" smtClean="0">
+                        <a:rPr lang="de-CH" sz="600" dirty="0">
                           <a:solidFill>
                             <a:schemeClr val="accent1"/>
                           </a:solidFill>
                         </a:rPr>
                         <a:t>45</a:t>
                       </a:r>
-                      <a:endParaRPr lang="de-CH" sz="600" dirty="0">
-                        <a:solidFill>
-                          <a:schemeClr val="accent1"/>
-                        </a:solidFill>
-                      </a:endParaRPr>
                     </a:p>
                   </a:txBody>
                   <a:tcPr marL="50911" marR="50911" marT="25456" marB="50912">
@@ -51224,18 +51177,13 @@
                     <a:p>
                       <a:pPr algn="r"/>
                       <a:r>
-                        <a:rPr lang="de-CH" sz="600" dirty="0" smtClean="0">
+                        <a:rPr lang="de-CH" sz="600" dirty="0">
                           <a:solidFill>
                             <a:schemeClr val="accent1"/>
                           </a:solidFill>
                         </a:rPr>
                         <a:t>73</a:t>
                       </a:r>
-                      <a:endParaRPr lang="de-CH" sz="600" dirty="0">
-                        <a:solidFill>
-                          <a:schemeClr val="accent1"/>
-                        </a:solidFill>
-                      </a:endParaRPr>
                     </a:p>
                   </a:txBody>
                   <a:tcPr marL="50911" marR="50911" marT="25456" marB="50912">
@@ -51283,18 +51231,13 @@
                     <a:p>
                       <a:pPr algn="r"/>
                       <a:r>
-                        <a:rPr lang="de-CH" sz="600" dirty="0" smtClean="0">
+                        <a:rPr lang="de-CH" sz="600" dirty="0">
                           <a:solidFill>
                             <a:schemeClr val="accent1"/>
                           </a:solidFill>
                         </a:rPr>
                         <a:t>415</a:t>
                       </a:r>
-                      <a:endParaRPr lang="de-CH" sz="600" dirty="0">
-                        <a:solidFill>
-                          <a:schemeClr val="accent1"/>
-                        </a:solidFill>
-                      </a:endParaRPr>
                     </a:p>
                   </a:txBody>
                   <a:tcPr marL="50911" marR="50911" marT="25456" marB="50912">
@@ -51335,6 +51278,11 @@
                     </a:solidFill>
                   </a:tcPr>
                 </a:tc>
+                <a:extLst>
+                  <a:ext uri="{0D108BD9-81ED-4DB2-BD59-A6C34878D82A}">
+                    <a16:rowId xmlns:a16="http://schemas.microsoft.com/office/drawing/2014/main" val="10001"/>
+                  </a:ext>
+                </a:extLst>
               </a:tr>
               <a:tr h="141027">
                 <a:tc>
@@ -51343,7 +51291,7 @@
                     <a:lstStyle/>
                     <a:p>
                       <a:r>
-                        <a:rPr lang="de-CH" sz="600" dirty="0" smtClean="0">
+                        <a:rPr lang="de-CH" sz="600" dirty="0">
                           <a:solidFill>
                             <a:schemeClr val="accent1"/>
                           </a:solidFill>
@@ -51351,7 +51299,7 @@
                         <a:t>Table title </a:t>
                       </a:r>
                       <a:r>
-                        <a:rPr lang="de-CH" sz="600" dirty="0" err="1" smtClean="0">
+                        <a:rPr lang="de-CH" sz="600" dirty="0" err="1">
                           <a:solidFill>
                             <a:schemeClr val="accent1"/>
                           </a:solidFill>
@@ -51410,18 +51358,13 @@
                     <a:p>
                       <a:pPr algn="r"/>
                       <a:r>
-                        <a:rPr lang="de-CH" sz="600" dirty="0" smtClean="0">
+                        <a:rPr lang="de-CH" sz="600" dirty="0">
                           <a:solidFill>
                             <a:schemeClr val="accent1"/>
                           </a:solidFill>
                         </a:rPr>
                         <a:t>51</a:t>
                       </a:r>
-                      <a:endParaRPr lang="de-CH" sz="600" dirty="0">
-                        <a:solidFill>
-                          <a:schemeClr val="accent1"/>
-                        </a:solidFill>
-                      </a:endParaRPr>
                     </a:p>
                   </a:txBody>
                   <a:tcPr marL="50911" marR="50911" marT="25456" marB="50912">
@@ -51469,18 +51412,13 @@
                     <a:p>
                       <a:pPr algn="r"/>
                       <a:r>
-                        <a:rPr lang="de-CH" sz="600" dirty="0" smtClean="0">
+                        <a:rPr lang="de-CH" sz="600" dirty="0">
                           <a:solidFill>
                             <a:schemeClr val="accent1"/>
                           </a:solidFill>
                         </a:rPr>
                         <a:t>5</a:t>
                       </a:r>
-                      <a:endParaRPr lang="de-CH" sz="600" dirty="0">
-                        <a:solidFill>
-                          <a:schemeClr val="accent1"/>
-                        </a:solidFill>
-                      </a:endParaRPr>
                     </a:p>
                   </a:txBody>
                   <a:tcPr marL="50911" marR="50911" marT="25456" marB="50912">
@@ -51528,18 +51466,13 @@
                     <a:p>
                       <a:pPr algn="r"/>
                       <a:r>
-                        <a:rPr lang="de-CH" sz="600" dirty="0" smtClean="0">
+                        <a:rPr lang="de-CH" sz="600" dirty="0">
                           <a:solidFill>
                             <a:schemeClr val="accent1"/>
                           </a:solidFill>
                         </a:rPr>
                         <a:t>1</a:t>
                       </a:r>
-                      <a:endParaRPr lang="de-CH" sz="600" dirty="0">
-                        <a:solidFill>
-                          <a:schemeClr val="accent1"/>
-                        </a:solidFill>
-                      </a:endParaRPr>
                     </a:p>
                   </a:txBody>
                   <a:tcPr marL="50911" marR="50911" marT="25456" marB="50912">
@@ -51587,18 +51520,13 @@
                     <a:p>
                       <a:pPr algn="r"/>
                       <a:r>
-                        <a:rPr lang="de-CH" sz="600" dirty="0" smtClean="0">
+                        <a:rPr lang="de-CH" sz="600" dirty="0">
                           <a:solidFill>
                             <a:schemeClr val="accent1"/>
                           </a:solidFill>
                         </a:rPr>
                         <a:t>32</a:t>
                       </a:r>
-                      <a:endParaRPr lang="de-CH" sz="600" dirty="0">
-                        <a:solidFill>
-                          <a:schemeClr val="accent1"/>
-                        </a:solidFill>
-                      </a:endParaRPr>
                     </a:p>
                   </a:txBody>
                   <a:tcPr marL="50911" marR="50911" marT="25456" marB="50912">
@@ -51646,18 +51574,13 @@
                     <a:p>
                       <a:pPr algn="r"/>
                       <a:r>
-                        <a:rPr lang="de-CH" sz="600" dirty="0" smtClean="0">
+                        <a:rPr lang="de-CH" sz="600" dirty="0">
                           <a:solidFill>
                             <a:schemeClr val="accent1"/>
                           </a:solidFill>
                         </a:rPr>
                         <a:t>22</a:t>
                       </a:r>
-                      <a:endParaRPr lang="de-CH" sz="600" dirty="0">
-                        <a:solidFill>
-                          <a:schemeClr val="accent1"/>
-                        </a:solidFill>
-                      </a:endParaRPr>
                     </a:p>
                   </a:txBody>
                   <a:tcPr marL="50911" marR="50911" marT="25456" marB="50912">
@@ -51705,18 +51628,13 @@
                     <a:p>
                       <a:pPr algn="r"/>
                       <a:r>
-                        <a:rPr lang="de-CH" sz="600" dirty="0" smtClean="0">
+                        <a:rPr lang="de-CH" sz="600" dirty="0">
                           <a:solidFill>
                             <a:schemeClr val="accent1"/>
                           </a:solidFill>
                         </a:rPr>
                         <a:t>45</a:t>
                       </a:r>
-                      <a:endParaRPr lang="de-CH" sz="600" dirty="0">
-                        <a:solidFill>
-                          <a:schemeClr val="accent1"/>
-                        </a:solidFill>
-                      </a:endParaRPr>
                     </a:p>
                   </a:txBody>
                   <a:tcPr marL="50911" marR="50911" marT="25456" marB="50912">
@@ -51764,18 +51682,13 @@
                     <a:p>
                       <a:pPr algn="r"/>
                       <a:r>
-                        <a:rPr lang="de-CH" sz="600" dirty="0" smtClean="0">
+                        <a:rPr lang="de-CH" sz="600" dirty="0">
                           <a:solidFill>
                             <a:schemeClr val="accent1"/>
                           </a:solidFill>
                         </a:rPr>
                         <a:t>73</a:t>
                       </a:r>
-                      <a:endParaRPr lang="de-CH" sz="600" dirty="0">
-                        <a:solidFill>
-                          <a:schemeClr val="accent1"/>
-                        </a:solidFill>
-                      </a:endParaRPr>
                     </a:p>
                   </a:txBody>
                   <a:tcPr marL="50911" marR="50911" marT="25456" marB="50912">
@@ -51823,18 +51736,13 @@
                     <a:p>
                       <a:pPr algn="r"/>
                       <a:r>
-                        <a:rPr lang="de-CH" sz="600" dirty="0" smtClean="0">
+                        <a:rPr lang="de-CH" sz="600" dirty="0">
                           <a:solidFill>
                             <a:schemeClr val="accent1"/>
                           </a:solidFill>
                         </a:rPr>
                         <a:t>182</a:t>
                       </a:r>
-                      <a:endParaRPr lang="de-CH" sz="600" dirty="0">
-                        <a:solidFill>
-                          <a:schemeClr val="accent1"/>
-                        </a:solidFill>
-                      </a:endParaRPr>
                     </a:p>
                   </a:txBody>
                   <a:tcPr marL="50911" marR="50911" marT="25456" marB="50912">
@@ -51875,6 +51783,11 @@
                     </a:solidFill>
                   </a:tcPr>
                 </a:tc>
+                <a:extLst>
+                  <a:ext uri="{0D108BD9-81ED-4DB2-BD59-A6C34878D82A}">
+                    <a16:rowId xmlns:a16="http://schemas.microsoft.com/office/drawing/2014/main" val="10002"/>
+                  </a:ext>
+                </a:extLst>
               </a:tr>
               <a:tr h="141027">
                 <a:tc>
@@ -51883,7 +51796,7 @@
                     <a:lstStyle/>
                     <a:p>
                       <a:r>
-                        <a:rPr lang="de-CH" sz="600" dirty="0" smtClean="0">
+                        <a:rPr lang="de-CH" sz="600" dirty="0">
                           <a:solidFill>
                             <a:schemeClr val="accent1"/>
                           </a:solidFill>
@@ -51891,7 +51804,7 @@
                         <a:t>Table title </a:t>
                       </a:r>
                       <a:r>
-                        <a:rPr lang="de-CH" sz="600" dirty="0" err="1" smtClean="0">
+                        <a:rPr lang="de-CH" sz="600" dirty="0" err="1">
                           <a:solidFill>
                             <a:schemeClr val="accent1"/>
                           </a:solidFill>
@@ -51950,18 +51863,13 @@
                     <a:p>
                       <a:pPr algn="r"/>
                       <a:r>
-                        <a:rPr lang="de-CH" sz="600" dirty="0" smtClean="0">
+                        <a:rPr lang="de-CH" sz="600" dirty="0">
                           <a:solidFill>
                             <a:schemeClr val="accent1"/>
                           </a:solidFill>
                         </a:rPr>
                         <a:t>38</a:t>
                       </a:r>
-                      <a:endParaRPr lang="de-CH" sz="600" dirty="0">
-                        <a:solidFill>
-                          <a:schemeClr val="accent1"/>
-                        </a:solidFill>
-                      </a:endParaRPr>
                     </a:p>
                   </a:txBody>
                   <a:tcPr marL="50911" marR="50911" marT="25456" marB="50912">
@@ -52009,18 +51917,13 @@
                     <a:p>
                       <a:pPr algn="r"/>
                       <a:r>
-                        <a:rPr lang="de-CH" sz="600" dirty="0" smtClean="0">
+                        <a:rPr lang="de-CH" sz="600" dirty="0">
                           <a:solidFill>
                             <a:schemeClr val="accent1"/>
                           </a:solidFill>
                         </a:rPr>
                         <a:t>6</a:t>
                       </a:r>
-                      <a:endParaRPr lang="de-CH" sz="600" dirty="0">
-                        <a:solidFill>
-                          <a:schemeClr val="accent1"/>
-                        </a:solidFill>
-                      </a:endParaRPr>
                     </a:p>
                   </a:txBody>
                   <a:tcPr marL="50911" marR="50911" marT="25456" marB="50912">
@@ -52068,18 +51971,13 @@
                     <a:p>
                       <a:pPr algn="r"/>
                       <a:r>
-                        <a:rPr lang="de-CH" sz="600" dirty="0" smtClean="0">
+                        <a:rPr lang="de-CH" sz="600" dirty="0">
                           <a:solidFill>
                             <a:schemeClr val="accent1"/>
                           </a:solidFill>
                         </a:rPr>
                         <a:t>1</a:t>
                       </a:r>
-                      <a:endParaRPr lang="de-CH" sz="600" dirty="0">
-                        <a:solidFill>
-                          <a:schemeClr val="accent1"/>
-                        </a:solidFill>
-                      </a:endParaRPr>
                     </a:p>
                   </a:txBody>
                   <a:tcPr marL="50911" marR="50911" marT="25456" marB="50912">
@@ -52127,18 +52025,13 @@
                     <a:p>
                       <a:pPr algn="r"/>
                       <a:r>
-                        <a:rPr lang="de-CH" sz="600" dirty="0" smtClean="0">
+                        <a:rPr lang="de-CH" sz="600" dirty="0">
                           <a:solidFill>
                             <a:schemeClr val="accent1"/>
                           </a:solidFill>
                         </a:rPr>
                         <a:t>9</a:t>
                       </a:r>
-                      <a:endParaRPr lang="de-CH" sz="600" dirty="0">
-                        <a:solidFill>
-                          <a:schemeClr val="accent1"/>
-                        </a:solidFill>
-                      </a:endParaRPr>
                     </a:p>
                   </a:txBody>
                   <a:tcPr marL="50911" marR="50911" marT="25456" marB="50912">
@@ -52186,18 +52079,13 @@
                     <a:p>
                       <a:pPr algn="r"/>
                       <a:r>
-                        <a:rPr lang="de-CH" sz="600" dirty="0" smtClean="0">
+                        <a:rPr lang="de-CH" sz="600" dirty="0">
                           <a:solidFill>
                             <a:schemeClr val="accent1"/>
                           </a:solidFill>
                         </a:rPr>
                         <a:t>5</a:t>
                       </a:r>
-                      <a:endParaRPr lang="de-CH" sz="600" dirty="0">
-                        <a:solidFill>
-                          <a:schemeClr val="accent1"/>
-                        </a:solidFill>
-                      </a:endParaRPr>
                     </a:p>
                   </a:txBody>
                   <a:tcPr marL="50911" marR="50911" marT="25456" marB="50912">
@@ -52245,18 +52133,13 @@
                     <a:p>
                       <a:pPr algn="r"/>
                       <a:r>
-                        <a:rPr lang="de-CH" sz="600" dirty="0" smtClean="0">
+                        <a:rPr lang="de-CH" sz="600" dirty="0">
                           <a:solidFill>
                             <a:schemeClr val="accent1"/>
                           </a:solidFill>
                         </a:rPr>
                         <a:t>45</a:t>
                       </a:r>
-                      <a:endParaRPr lang="de-CH" sz="600" dirty="0">
-                        <a:solidFill>
-                          <a:schemeClr val="accent1"/>
-                        </a:solidFill>
-                      </a:endParaRPr>
                     </a:p>
                   </a:txBody>
                   <a:tcPr marL="50911" marR="50911" marT="25456" marB="50912">
@@ -52304,18 +52187,13 @@
                     <a:p>
                       <a:pPr algn="r"/>
                       <a:r>
-                        <a:rPr lang="de-CH" sz="600" dirty="0" smtClean="0">
+                        <a:rPr lang="de-CH" sz="600" dirty="0">
                           <a:solidFill>
                             <a:schemeClr val="accent1"/>
                           </a:solidFill>
                         </a:rPr>
                         <a:t>76</a:t>
                       </a:r>
-                      <a:endParaRPr lang="de-CH" sz="600" dirty="0">
-                        <a:solidFill>
-                          <a:schemeClr val="accent1"/>
-                        </a:solidFill>
-                      </a:endParaRPr>
                     </a:p>
                   </a:txBody>
                   <a:tcPr marL="50911" marR="50911" marT="25456" marB="50912">
@@ -52363,18 +52241,13 @@
                     <a:p>
                       <a:pPr algn="r"/>
                       <a:r>
-                        <a:rPr lang="de-CH" sz="600" dirty="0" smtClean="0">
+                        <a:rPr lang="de-CH" sz="600" dirty="0">
                           <a:solidFill>
                             <a:schemeClr val="accent1"/>
                           </a:solidFill>
                         </a:rPr>
                         <a:t>63</a:t>
                       </a:r>
-                      <a:endParaRPr lang="de-CH" sz="600" dirty="0">
-                        <a:solidFill>
-                          <a:schemeClr val="accent1"/>
-                        </a:solidFill>
-                      </a:endParaRPr>
                     </a:p>
                   </a:txBody>
                   <a:tcPr marL="50911" marR="50911" marT="25456" marB="50912">
@@ -52415,6 +52288,11 @@
                     </a:solidFill>
                   </a:tcPr>
                 </a:tc>
+                <a:extLst>
+                  <a:ext uri="{0D108BD9-81ED-4DB2-BD59-A6C34878D82A}">
+                    <a16:rowId xmlns:a16="http://schemas.microsoft.com/office/drawing/2014/main" val="10003"/>
+                  </a:ext>
+                </a:extLst>
               </a:tr>
               <a:tr h="141027">
                 <a:tc>
@@ -52423,7 +52301,7 @@
                     <a:lstStyle/>
                     <a:p>
                       <a:r>
-                        <a:rPr lang="de-CH" sz="600" dirty="0" smtClean="0">
+                        <a:rPr lang="de-CH" sz="600" dirty="0">
                           <a:solidFill>
                             <a:schemeClr val="accent1"/>
                           </a:solidFill>
@@ -52431,7 +52309,7 @@
                         <a:t>Table title </a:t>
                       </a:r>
                       <a:r>
-                        <a:rPr lang="de-CH" sz="600" dirty="0" err="1" smtClean="0">
+                        <a:rPr lang="de-CH" sz="600" dirty="0" err="1">
                           <a:solidFill>
                             <a:schemeClr val="accent1"/>
                           </a:solidFill>
@@ -52490,18 +52368,13 @@
                     <a:p>
                       <a:pPr algn="r"/>
                       <a:r>
-                        <a:rPr lang="de-CH" sz="600" dirty="0" smtClean="0">
+                        <a:rPr lang="de-CH" sz="600" dirty="0">
                           <a:solidFill>
                             <a:schemeClr val="accent1"/>
                           </a:solidFill>
                         </a:rPr>
                         <a:t>23</a:t>
                       </a:r>
-                      <a:endParaRPr lang="de-CH" sz="600" dirty="0">
-                        <a:solidFill>
-                          <a:schemeClr val="accent1"/>
-                        </a:solidFill>
-                      </a:endParaRPr>
                     </a:p>
                   </a:txBody>
                   <a:tcPr marL="50911" marR="50911" marT="25456" marB="50912">
@@ -52549,18 +52422,13 @@
                     <a:p>
                       <a:pPr algn="r"/>
                       <a:r>
-                        <a:rPr lang="de-CH" sz="600" dirty="0" smtClean="0">
+                        <a:rPr lang="de-CH" sz="600" dirty="0">
                           <a:solidFill>
                             <a:schemeClr val="accent1"/>
                           </a:solidFill>
                         </a:rPr>
                         <a:t>4</a:t>
                       </a:r>
-                      <a:endParaRPr lang="de-CH" sz="600" dirty="0">
-                        <a:solidFill>
-                          <a:schemeClr val="accent1"/>
-                        </a:solidFill>
-                      </a:endParaRPr>
                     </a:p>
                   </a:txBody>
                   <a:tcPr marL="50911" marR="50911" marT="25456" marB="50912">
@@ -52608,18 +52476,13 @@
                     <a:p>
                       <a:pPr algn="r"/>
                       <a:r>
-                        <a:rPr lang="de-CH" sz="600" dirty="0" smtClean="0">
+                        <a:rPr lang="de-CH" sz="600" dirty="0">
                           <a:solidFill>
                             <a:schemeClr val="accent1"/>
                           </a:solidFill>
                         </a:rPr>
                         <a:t>3</a:t>
                       </a:r>
-                      <a:endParaRPr lang="de-CH" sz="600" dirty="0">
-                        <a:solidFill>
-                          <a:schemeClr val="accent1"/>
-                        </a:solidFill>
-                      </a:endParaRPr>
                     </a:p>
                   </a:txBody>
                   <a:tcPr marL="50911" marR="50911" marT="25456" marB="50912">
@@ -52667,18 +52530,13 @@
                     <a:p>
                       <a:pPr algn="r"/>
                       <a:r>
-                        <a:rPr lang="de-CH" sz="600" dirty="0" smtClean="0">
+                        <a:rPr lang="de-CH" sz="600" dirty="0">
                           <a:solidFill>
                             <a:schemeClr val="accent1"/>
                           </a:solidFill>
                         </a:rPr>
                         <a:t>4</a:t>
                       </a:r>
-                      <a:endParaRPr lang="de-CH" sz="600" dirty="0">
-                        <a:solidFill>
-                          <a:schemeClr val="accent1"/>
-                        </a:solidFill>
-                      </a:endParaRPr>
                     </a:p>
                   </a:txBody>
                   <a:tcPr marL="50911" marR="50911" marT="25456" marB="50912">
@@ -52726,18 +52584,13 @@
                     <a:p>
                       <a:pPr algn="r"/>
                       <a:r>
-                        <a:rPr lang="de-CH" sz="600" dirty="0" smtClean="0">
+                        <a:rPr lang="de-CH" sz="600" dirty="0">
                           <a:solidFill>
                             <a:schemeClr val="accent1"/>
                           </a:solidFill>
                         </a:rPr>
                         <a:t>6</a:t>
                       </a:r>
-                      <a:endParaRPr lang="de-CH" sz="600" dirty="0">
-                        <a:solidFill>
-                          <a:schemeClr val="accent1"/>
-                        </a:solidFill>
-                      </a:endParaRPr>
                     </a:p>
                   </a:txBody>
                   <a:tcPr marL="50911" marR="50911" marT="25456" marB="50912">
@@ -52785,18 +52638,13 @@
                     <a:p>
                       <a:pPr algn="r"/>
                       <a:r>
-                        <a:rPr lang="de-CH" sz="600" dirty="0" smtClean="0">
+                        <a:rPr lang="de-CH" sz="600" dirty="0">
                           <a:solidFill>
                             <a:schemeClr val="accent1"/>
                           </a:solidFill>
                         </a:rPr>
                         <a:t>45</a:t>
                       </a:r>
-                      <a:endParaRPr lang="de-CH" sz="600" dirty="0">
-                        <a:solidFill>
-                          <a:schemeClr val="accent1"/>
-                        </a:solidFill>
-                      </a:endParaRPr>
                     </a:p>
                   </a:txBody>
                   <a:tcPr marL="50911" marR="50911" marT="25456" marB="50912">
@@ -52844,18 +52692,13 @@
                     <a:p>
                       <a:pPr algn="r"/>
                       <a:r>
-                        <a:rPr lang="de-CH" sz="600" dirty="0" smtClean="0">
+                        <a:rPr lang="de-CH" sz="600" dirty="0">
                           <a:solidFill>
                             <a:schemeClr val="accent1"/>
                           </a:solidFill>
                         </a:rPr>
                         <a:t>20</a:t>
                       </a:r>
-                      <a:endParaRPr lang="de-CH" sz="600" dirty="0">
-                        <a:solidFill>
-                          <a:schemeClr val="accent1"/>
-                        </a:solidFill>
-                      </a:endParaRPr>
                     </a:p>
                   </a:txBody>
                   <a:tcPr marL="50911" marR="50911" marT="25456" marB="50912">
@@ -52903,18 +52746,13 @@
                     <a:p>
                       <a:pPr algn="r"/>
                       <a:r>
-                        <a:rPr lang="de-CH" sz="600" dirty="0" smtClean="0">
+                        <a:rPr lang="de-CH" sz="600" dirty="0">
                           <a:solidFill>
                             <a:schemeClr val="accent1"/>
                           </a:solidFill>
                         </a:rPr>
                         <a:t>45</a:t>
                       </a:r>
-                      <a:endParaRPr lang="de-CH" sz="600" dirty="0">
-                        <a:solidFill>
-                          <a:schemeClr val="accent1"/>
-                        </a:solidFill>
-                      </a:endParaRPr>
                     </a:p>
                   </a:txBody>
                   <a:tcPr marL="50911" marR="50911" marT="25456" marB="50912">
@@ -52955,6 +52793,11 @@
                     </a:solidFill>
                   </a:tcPr>
                 </a:tc>
+                <a:extLst>
+                  <a:ext uri="{0D108BD9-81ED-4DB2-BD59-A6C34878D82A}">
+                    <a16:rowId xmlns:a16="http://schemas.microsoft.com/office/drawing/2014/main" val="10004"/>
+                  </a:ext>
+                </a:extLst>
               </a:tr>
             </a:tbl>
           </a:graphicData>
@@ -53378,12 +53221,8 @@
           <a:p>
             <a:pPr lvl="1"/>
             <a:r>
-              <a:rPr lang="en-US" dirty="0" smtClean="0"/>
-              <a:t>This </a:t>
-            </a:r>
-            <a:r>
               <a:rPr lang="en-US" dirty="0"/>
-              <a:t>is a dummy text. Far </a:t>
+              <a:t>This is a dummy text. Far </a:t>
             </a:r>
             <a:r>
               <a:rPr lang="en-US" dirty="0" err="1"/>
@@ -53413,12 +53252,8 @@
           <a:p>
             <a:pPr lvl="1"/>
             <a:r>
-              <a:rPr lang="en-US" dirty="0" smtClean="0"/>
-              <a:t>Separated </a:t>
-            </a:r>
-            <a:r>
               <a:rPr lang="en-US" dirty="0"/>
-              <a:t>they live in </a:t>
+              <a:t>Separated they live in </a:t>
             </a:r>
             <a:r>
               <a:rPr lang="en-US" dirty="0" err="1"/>
@@ -53844,20 +53679,35 @@
             </a:r>
             <a:r>
               <a:rPr lang="en-US" b="1" dirty="0"/>
-              <a:t>, Carlos Hernandez Esteban, Sameer Agarwal, </a:t>
-            </a:r>
-            <a:r>
-              <a:rPr lang="en-US" b="1" dirty="0" smtClean="0"/>
-              <a:t>and Steven </a:t>
-            </a:r>
+              <a:t>, Carlos Hernandez Esteban, Sameer Agarwal, and Steven M. Seitz. Jump: Virtual reality video. 2016.</a:t>
+            </a:r>
+          </a:p>
+          <a:p>
+            <a:pPr marL="177800" indent="-177800">
+              <a:lnSpc>
+                <a:spcPts val="900"/>
+              </a:lnSpc>
+              <a:buFont typeface="+mj-lt"/>
+              <a:buAutoNum type="arabicPeriod"/>
+            </a:pPr>
             <a:r>
               <a:rPr lang="en-US" b="1" dirty="0"/>
-              <a:t>M. Seitz. Jump: Virtual reality video. 2016</a:t>
-            </a:r>
-            <a:r>
-              <a:rPr lang="en-US" b="1" dirty="0" smtClean="0"/>
-              <a:t>.</a:t>
-            </a:r>
+              <a:t>Google Inc. Rendering Omni-directional </a:t>
+            </a:r>
+            <a:r>
+              <a:rPr lang="en-US" b="1"/>
+              <a:t>Stereo Content</a:t>
+            </a:r>
+            <a:endParaRPr lang="en-US" b="1" dirty="0"/>
+          </a:p>
+          <a:p>
+            <a:pPr marL="177800" indent="-177800">
+              <a:lnSpc>
+                <a:spcPts val="900"/>
+              </a:lnSpc>
+              <a:buFont typeface="+mj-lt"/>
+              <a:buAutoNum type="arabicPeriod"/>
+            </a:pPr>
             <a:endParaRPr lang="de-CH" b="1" dirty="0"/>
           </a:p>
         </p:txBody>
@@ -54042,14 +53892,10 @@
           <a:p>
             <a:r>
               <a:rPr lang="de-CH" dirty="0"/>
-              <a:t>4	</a:t>
-            </a:r>
-            <a:r>
-              <a:rPr lang="de-CH" dirty="0" smtClean="0"/>
-              <a:t>Technical </a:t>
-            </a:r>
-            <a:r>
-              <a:rPr lang="de-CH" dirty="0" err="1" smtClean="0"/>
+              <a:t>4	Technical </a:t>
+            </a:r>
+            <a:r>
+              <a:rPr lang="de-CH" dirty="0" err="1"/>
               <a:t>details</a:t>
             </a:r>
             <a:endParaRPr lang="de-CH" dirty="0"/>
@@ -54235,201 +54081,196 @@
           </a:lstStyle>
           <a:p>
             <a:r>
-              <a:rPr lang="de-CH" dirty="0" err="1" smtClean="0"/>
+              <a:rPr lang="de-CH" dirty="0" err="1"/>
               <a:t>We</a:t>
             </a:r>
             <a:r>
-              <a:rPr lang="de-CH" dirty="0" smtClean="0"/>
+              <a:rPr lang="de-CH" dirty="0"/>
               <a:t> </a:t>
             </a:r>
             <a:r>
-              <a:rPr lang="de-CH" dirty="0" err="1" smtClean="0"/>
+              <a:rPr lang="de-CH" dirty="0" err="1"/>
               <a:t>implemented</a:t>
             </a:r>
             <a:r>
-              <a:rPr lang="de-CH" dirty="0" smtClean="0"/>
+              <a:rPr lang="de-CH" dirty="0"/>
               <a:t> </a:t>
             </a:r>
             <a:r>
-              <a:rPr lang="de-CH" dirty="0" err="1" smtClean="0"/>
+              <a:rPr lang="de-CH" dirty="0" err="1"/>
               <a:t>the</a:t>
             </a:r>
             <a:r>
-              <a:rPr lang="de-CH" dirty="0" smtClean="0"/>
+              <a:rPr lang="de-CH" dirty="0"/>
               <a:t>  </a:t>
             </a:r>
             <a:r>
-              <a:rPr lang="de-CH" dirty="0" err="1" smtClean="0"/>
+              <a:rPr lang="de-CH" dirty="0" err="1"/>
               <a:t>solution</a:t>
             </a:r>
             <a:r>
-              <a:rPr lang="de-CH" dirty="0" smtClean="0"/>
+              <a:rPr lang="de-CH" dirty="0"/>
               <a:t> </a:t>
             </a:r>
             <a:r>
-              <a:rPr lang="de-CH" dirty="0" err="1" smtClean="0"/>
+              <a:rPr lang="de-CH" dirty="0" err="1"/>
               <a:t>using</a:t>
             </a:r>
             <a:r>
-              <a:rPr lang="de-CH" dirty="0" smtClean="0"/>
+              <a:rPr lang="de-CH" dirty="0"/>
               <a:t> Python 2.7. </a:t>
             </a:r>
             <a:r>
-              <a:rPr lang="de-CH" dirty="0" err="1" smtClean="0"/>
+              <a:rPr lang="de-CH" dirty="0" err="1"/>
               <a:t>For</a:t>
             </a:r>
             <a:r>
-              <a:rPr lang="de-CH" dirty="0" smtClean="0"/>
+              <a:rPr lang="de-CH" dirty="0"/>
               <a:t> </a:t>
             </a:r>
             <a:r>
-              <a:rPr lang="de-CH" dirty="0" err="1" smtClean="0"/>
+              <a:rPr lang="de-CH" dirty="0" err="1"/>
               <a:t>generating</a:t>
             </a:r>
             <a:r>
-              <a:rPr lang="de-CH" dirty="0" smtClean="0"/>
+              <a:rPr lang="de-CH" dirty="0"/>
               <a:t> an </a:t>
             </a:r>
             <a:r>
-              <a:rPr lang="de-CH" dirty="0" err="1" smtClean="0"/>
+              <a:rPr lang="de-CH" dirty="0" err="1"/>
               <a:t>output</a:t>
             </a:r>
             <a:r>
-              <a:rPr lang="de-CH" dirty="0" smtClean="0"/>
+              <a:rPr lang="de-CH" dirty="0"/>
               <a:t> </a:t>
             </a:r>
             <a:r>
-              <a:rPr lang="de-CH" dirty="0" err="1" smtClean="0"/>
+              <a:rPr lang="de-CH" dirty="0" err="1"/>
               <a:t>usable</a:t>
             </a:r>
             <a:r>
-              <a:rPr lang="de-CH" dirty="0" smtClean="0"/>
+              <a:rPr lang="de-CH" dirty="0"/>
               <a:t> on an Android </a:t>
             </a:r>
             <a:r>
-              <a:rPr lang="de-CH" dirty="0" err="1" smtClean="0"/>
+              <a:rPr lang="de-CH" dirty="0" err="1"/>
               <a:t>smartphone</a:t>
             </a:r>
             <a:r>
-              <a:rPr lang="de-CH" dirty="0" smtClean="0"/>
+              <a:rPr lang="de-CH" dirty="0"/>
               <a:t>, </a:t>
             </a:r>
             <a:r>
-              <a:rPr lang="de-CH" dirty="0" err="1" smtClean="0"/>
+              <a:rPr lang="de-CH" dirty="0" err="1"/>
               <a:t>we</a:t>
             </a:r>
             <a:r>
-              <a:rPr lang="de-CH" dirty="0" smtClean="0"/>
+              <a:rPr lang="de-CH" dirty="0"/>
               <a:t> </a:t>
             </a:r>
             <a:r>
-              <a:rPr lang="de-CH" dirty="0" err="1" smtClean="0"/>
-              <a:t>use</a:t>
-            </a:r>
-            <a:r>
-              <a:rPr lang="de-CH" dirty="0" err="1" smtClean="0"/>
-              <a:t>d</a:t>
-            </a:r>
-            <a:r>
-              <a:rPr lang="de-CH" dirty="0" smtClean="0"/>
+              <a:rPr lang="de-CH" dirty="0" err="1"/>
+              <a:t>used</a:t>
+            </a:r>
+            <a:r>
+              <a:rPr lang="de-CH" dirty="0"/>
               <a:t> </a:t>
             </a:r>
             <a:r>
-              <a:rPr lang="de-CH" dirty="0" err="1" smtClean="0"/>
+              <a:rPr lang="de-CH" dirty="0" err="1"/>
               <a:t>Unity</a:t>
             </a:r>
             <a:r>
-              <a:rPr lang="de-CH" dirty="0" smtClean="0"/>
+              <a:rPr lang="de-CH" dirty="0"/>
               <a:t> 5.6 </a:t>
             </a:r>
             <a:r>
-              <a:rPr lang="de-CH" dirty="0" err="1" smtClean="0"/>
+              <a:rPr lang="de-CH" dirty="0" err="1"/>
               <a:t>with</a:t>
             </a:r>
             <a:r>
-              <a:rPr lang="de-CH" dirty="0" smtClean="0"/>
+              <a:rPr lang="de-CH" dirty="0"/>
               <a:t> </a:t>
             </a:r>
             <a:r>
-              <a:rPr lang="de-CH" dirty="0" err="1" smtClean="0"/>
+              <a:rPr lang="de-CH" dirty="0" err="1"/>
               <a:t>the</a:t>
             </a:r>
             <a:r>
-              <a:rPr lang="de-CH" dirty="0" smtClean="0"/>
+              <a:rPr lang="de-CH" dirty="0"/>
               <a:t> Google VR SDK </a:t>
             </a:r>
             <a:r>
-              <a:rPr lang="de-CH" dirty="0" err="1" smtClean="0"/>
+              <a:rPr lang="de-CH" dirty="0" err="1"/>
               <a:t>provided</a:t>
             </a:r>
             <a:r>
-              <a:rPr lang="de-CH" dirty="0" smtClean="0"/>
+              <a:rPr lang="de-CH" dirty="0"/>
               <a:t> </a:t>
             </a:r>
             <a:r>
-              <a:rPr lang="de-CH" dirty="0" err="1" smtClean="0"/>
+              <a:rPr lang="de-CH" dirty="0" err="1"/>
               <a:t>by</a:t>
             </a:r>
             <a:r>
-              <a:rPr lang="de-CH" dirty="0" smtClean="0"/>
+              <a:rPr lang="de-CH" dirty="0"/>
               <a:t> Google.</a:t>
             </a:r>
             <a:br>
-              <a:rPr lang="de-CH" dirty="0" smtClean="0"/>
+              <a:rPr lang="de-CH" dirty="0"/>
             </a:br>
             <a:r>
-              <a:rPr lang="de-CH" dirty="0" smtClean="0"/>
+              <a:rPr lang="de-CH" dirty="0"/>
               <a:t>A Google </a:t>
             </a:r>
             <a:r>
-              <a:rPr lang="de-CH" dirty="0" err="1" smtClean="0"/>
+              <a:rPr lang="de-CH" dirty="0" err="1"/>
               <a:t>Cardboard</a:t>
             </a:r>
             <a:r>
-              <a:rPr lang="de-CH" dirty="0" smtClean="0"/>
+              <a:rPr lang="de-CH" dirty="0"/>
               <a:t> </a:t>
             </a:r>
             <a:r>
-              <a:rPr lang="de-CH" dirty="0" err="1" smtClean="0"/>
+              <a:rPr lang="de-CH" dirty="0" err="1"/>
               <a:t>is</a:t>
             </a:r>
             <a:r>
-              <a:rPr lang="de-CH" dirty="0" smtClean="0"/>
+              <a:rPr lang="de-CH" dirty="0"/>
               <a:t> </a:t>
             </a:r>
             <a:r>
-              <a:rPr lang="de-CH" dirty="0" err="1" smtClean="0"/>
+              <a:rPr lang="de-CH" dirty="0" err="1"/>
               <a:t>necessary</a:t>
             </a:r>
             <a:r>
-              <a:rPr lang="de-CH" dirty="0" smtClean="0"/>
+              <a:rPr lang="de-CH" dirty="0"/>
               <a:t> </a:t>
             </a:r>
             <a:r>
-              <a:rPr lang="de-CH" dirty="0" err="1" smtClean="0"/>
+              <a:rPr lang="de-CH" dirty="0" err="1"/>
               <a:t>for</a:t>
             </a:r>
             <a:r>
-              <a:rPr lang="de-CH" dirty="0" smtClean="0"/>
+              <a:rPr lang="de-CH" dirty="0"/>
               <a:t> a </a:t>
             </a:r>
             <a:r>
-              <a:rPr lang="de-CH" dirty="0" err="1" smtClean="0"/>
+              <a:rPr lang="de-CH" dirty="0" err="1"/>
               <a:t>better</a:t>
             </a:r>
             <a:r>
-              <a:rPr lang="de-CH" dirty="0" smtClean="0"/>
+              <a:rPr lang="de-CH" dirty="0"/>
               <a:t> VR </a:t>
             </a:r>
             <a:r>
-              <a:rPr lang="de-CH" dirty="0" err="1" smtClean="0"/>
+              <a:rPr lang="de-CH" dirty="0" err="1"/>
               <a:t>feeling</a:t>
             </a:r>
             <a:r>
-              <a:rPr lang="de-CH" dirty="0" smtClean="0"/>
+              <a:rPr lang="de-CH" dirty="0"/>
               <a:t>.</a:t>
             </a:r>
-            <a:endParaRPr lang="de-CH" dirty="0"/>
           </a:p>
         </p:txBody>
       </p:sp>
@@ -54613,13 +54454,8 @@
           <a:p>
             <a:r>
               <a:rPr lang="de-CH" dirty="0"/>
-              <a:t>1	</a:t>
-            </a:r>
-            <a:r>
-              <a:rPr lang="de-CH" dirty="0" smtClean="0"/>
-              <a:t>Motivation</a:t>
-            </a:r>
-            <a:endParaRPr lang="de-CH" dirty="0"/>
+              <a:t>1	Motivation</a:t>
+            </a:r>
           </a:p>
         </p:txBody>
       </p:sp>
@@ -54806,16 +54642,12 @@
               <a:t>Recently, Google introduced Jump </a:t>
             </a:r>
             <a:r>
-              <a:rPr lang="en-US" baseline="30000" dirty="0" smtClean="0"/>
+              <a:rPr lang="en-US" baseline="30000" dirty="0"/>
               <a:t>1</a:t>
             </a:r>
             <a:r>
-              <a:rPr lang="en-US" dirty="0" smtClean="0"/>
-              <a:t>, </a:t>
-            </a:r>
-            <a:r>
               <a:rPr lang="en-US" dirty="0"/>
-              <a:t>a hardware and software framework for the offline rendering of omnidirectional</a:t>
+              <a:t>, a hardware and software framework for the offline rendering of omnidirectional</a:t>
             </a:r>
           </a:p>
           <a:p>
@@ -54833,15 +54665,7 @@
           <a:p>
             <a:r>
               <a:rPr lang="en-US" dirty="0"/>
-              <a:t>implement their ODS capture and composting algorithm and </a:t>
-            </a:r>
-            <a:r>
-              <a:rPr lang="en-US" dirty="0" smtClean="0"/>
-              <a:t>analyze </a:t>
-            </a:r>
-            <a:r>
-              <a:rPr lang="en-US" dirty="0"/>
-              <a:t>its ability to render stereo images and videos</a:t>
+              <a:t>implement their ODS capture and composting algorithm and analyze its ability to render stereo images and videos</a:t>
             </a:r>
           </a:p>
           <a:p>
@@ -54855,7 +54679,6 @@
               <a:rPr lang="en-US" dirty="0"/>
               <a:t>viewed on the Google Cardboard; a cost effective head mounted display (HMD) for VR.</a:t>
             </a:r>
-            <a:endParaRPr lang="en-US" dirty="0"/>
           </a:p>
         </p:txBody>
       </p:sp>
@@ -55050,7 +54873,7 @@
               <a:t> </a:t>
             </a:r>
             <a:r>
-              <a:rPr lang="de-CH" dirty="0" err="1" smtClean="0"/>
+              <a:rPr lang="de-CH" dirty="0" err="1"/>
               <a:t>overview</a:t>
             </a:r>
             <a:endParaRPr lang="de-CH" dirty="0"/>
@@ -55143,23 +54966,7 @@
                   <a:schemeClr val="accent1"/>
                 </a:solidFill>
               </a:rPr>
-              <a:t>Fig. 1</a:t>
-            </a:r>
-            <a:r>
-              <a:rPr lang="en-US" sz="600" b="1" dirty="0" smtClean="0">
-                <a:solidFill>
-                  <a:schemeClr val="accent1"/>
-                </a:solidFill>
-              </a:rPr>
-              <a:t>. </a:t>
-            </a:r>
-            <a:r>
-              <a:rPr lang="en-US" sz="600" dirty="0" smtClean="0">
-                <a:solidFill>
-                  <a:schemeClr val="accent1"/>
-                </a:solidFill>
-              </a:rPr>
-              <a:t>This </a:t>
+              <a:t>Fig. 1. </a:t>
             </a:r>
             <a:r>
               <a:rPr lang="en-US" sz="600" dirty="0">
@@ -55167,7 +54974,7 @@
                   <a:schemeClr val="accent1"/>
                 </a:solidFill>
               </a:rPr>
-              <a:t>is a dummy text. Far </a:t>
+              <a:t>This is a dummy text. Far </a:t>
             </a:r>
             <a:r>
               <a:rPr lang="en-US" sz="600" dirty="0" err="1">
@@ -55199,15 +55006,7 @@
                   <a:schemeClr val="accent1"/>
                 </a:solidFill>
               </a:rPr>
-              <a:t> </a:t>
-            </a:r>
-            <a:r>
-              <a:rPr lang="en-US" sz="600" dirty="0" smtClean="0">
-                <a:solidFill>
-                  <a:schemeClr val="accent1"/>
-                </a:solidFill>
-              </a:rPr>
-              <a:t>and</a:t>
+              <a:t> and</a:t>
             </a:r>
             <a:endParaRPr lang="de-CH" sz="600" dirty="0">
               <a:solidFill>
